--- a/olet5608/OLET5608 Presentation.pptx
+++ b/olet5608/OLET5608 Presentation.pptx
@@ -5,10 +5,10 @@
     <p:sldMasterId id="2147483670" r:id="rId4"/>
   </p:sldMasterIdLst>
   <p:notesMasterIdLst>
-    <p:notesMasterId r:id="rId14"/>
+    <p:notesMasterId r:id="rId15"/>
   </p:notesMasterIdLst>
   <p:handoutMasterIdLst>
-    <p:handoutMasterId r:id="rId15"/>
+    <p:handoutMasterId r:id="rId16"/>
   </p:handoutMasterIdLst>
   <p:sldIdLst>
     <p:sldId id="256" r:id="rId5"/>
@@ -17,14 +17,15 @@
     <p:sldId id="261" r:id="rId8"/>
     <p:sldId id="263" r:id="rId9"/>
     <p:sldId id="264" r:id="rId10"/>
-    <p:sldId id="265" r:id="rId11"/>
-    <p:sldId id="266" r:id="rId12"/>
-    <p:sldId id="278" r:id="rId13"/>
+    <p:sldId id="279" r:id="rId11"/>
+    <p:sldId id="265" r:id="rId12"/>
+    <p:sldId id="266" r:id="rId13"/>
+    <p:sldId id="278" r:id="rId14"/>
   </p:sldIdLst>
   <p:sldSz cx="12190413" cy="6859588"/>
   <p:notesSz cx="6807200" cy="9939338"/>
   <p:custDataLst>
-    <p:tags r:id="rId16"/>
+    <p:tags r:id="rId17"/>
   </p:custDataLst>
   <p:defaultTextStyle>
     <a:defPPr>
@@ -132,6 +133,7 @@
             <p14:sldId id="261"/>
             <p14:sldId id="263"/>
             <p14:sldId id="264"/>
+            <p14:sldId id="279"/>
             <p14:sldId id="265"/>
             <p14:sldId id="266"/>
             <p14:sldId id="278"/>
@@ -293,7 +295,7 @@
           <a:p>
             <a:fld id="{49A2865F-B372-43D2-8255-7FA4007EBB59}" type="datetimeFigureOut">
               <a:rPr lang="en-AU" smtClean="0"/>
-              <a:t>27/04/2021</a:t>
+              <a:t>27/4/21</a:t>
             </a:fld>
             <a:endParaRPr lang="en-AU"/>
           </a:p>
@@ -458,7 +460,7 @@
           <a:p>
             <a:fld id="{0834D938-244D-4739-949C-2C3FCC68DC46}" type="datetimeFigureOut">
               <a:rPr lang="en-AU" smtClean="0"/>
-              <a:t>27/04/2021</a:t>
+              <a:t>27/4/21</a:t>
             </a:fld>
             <a:endParaRPr lang="en-AU"/>
           </a:p>
@@ -4311,7 +4313,7 @@
           </p:cNvGraphicFramePr>
           <p:nvPr userDrawn="1">
             <p:custDataLst>
-              <p:tags r:id="rId1"/>
+              <p:tags r:id="rId2"/>
             </p:custDataLst>
             <p:extLst>
               <p:ext uri="{D42A27DB-BD31-4B8C-83A1-F6EECF244321}">
@@ -4328,12 +4330,12 @@
           <a:graphicData uri="http://schemas.openxmlformats.org/presentationml/2006/ole">
             <mc:AlternateContent xmlns:mc="http://schemas.openxmlformats.org/markup-compatibility/2006">
               <mc:Choice xmlns:v="urn:schemas-microsoft-com:vml" Requires="v">
-                <p:oleObj name="think-cell Slide" r:id="rId3" imgW="270" imgH="270" progId="TCLayout.ActiveDocument.1">
+                <p:oleObj spid="_x0000_s6157" name="think-cell Slide" r:id="rId4" imgW="270" imgH="270" progId="TCLayout.ActiveDocument.1">
                   <p:embed/>
                 </p:oleObj>
               </mc:Choice>
               <mc:Fallback>
-                <p:oleObj name="think-cell Slide" r:id="rId3" imgW="270" imgH="270" progId="TCLayout.ActiveDocument.1">
+                <p:oleObj name="think-cell Slide" r:id="rId4" imgW="270" imgH="270" progId="TCLayout.ActiveDocument.1">
                   <p:embed/>
                   <p:pic>
                     <p:nvPicPr>
@@ -4342,7 +4344,7 @@
                       <p:nvPr/>
                     </p:nvPicPr>
                     <p:blipFill>
-                      <a:blip r:embed="rId4"/>
+                      <a:blip r:embed="rId5"/>
                       <a:stretch>
                         <a:fillRect/>
                       </a:stretch>
@@ -4456,7 +4458,7 @@
           <p:nvPr userDrawn="1"/>
         </p:nvPicPr>
         <p:blipFill>
-          <a:blip r:embed="rId5" cstate="screen">
+          <a:blip r:embed="rId6" cstate="screen">
             <a:extLst>
               <a:ext uri="{28A0092B-C50C-407E-A947-70E740481C1C}">
                 <a14:useLocalDpi xmlns:a14="http://schemas.microsoft.com/office/drawing/2010/main" val="0"/>
@@ -4988,7 +4990,7 @@
           <p:nvPr userDrawn="1"/>
         </p:nvPicPr>
         <p:blipFill rotWithShape="1">
-          <a:blip r:embed="rId3">
+          <a:blip r:embed="rId4">
             <a:extLst>
               <a:ext uri="{28A0092B-C50C-407E-A947-70E740481C1C}">
                 <a14:useLocalDpi xmlns:a14="http://schemas.microsoft.com/office/drawing/2010/main" val="0"/>
@@ -5016,7 +5018,7 @@
           </p:cNvGraphicFramePr>
           <p:nvPr userDrawn="1">
             <p:custDataLst>
-              <p:tags r:id="rId1"/>
+              <p:tags r:id="rId2"/>
             </p:custDataLst>
             <p:extLst>
               <p:ext uri="{D42A27DB-BD31-4B8C-83A1-F6EECF244321}">
@@ -5033,12 +5035,12 @@
           <a:graphicData uri="http://schemas.openxmlformats.org/presentationml/2006/ole">
             <mc:AlternateContent xmlns:mc="http://schemas.openxmlformats.org/markup-compatibility/2006">
               <mc:Choice xmlns:v="urn:schemas-microsoft-com:vml" Requires="v">
-                <p:oleObj name="think-cell Slide" r:id="rId4" imgW="270" imgH="270" progId="TCLayout.ActiveDocument.1">
+                <p:oleObj spid="_x0000_s2061" name="think-cell Slide" r:id="rId5" imgW="270" imgH="270" progId="TCLayout.ActiveDocument.1">
                   <p:embed/>
                 </p:oleObj>
               </mc:Choice>
               <mc:Fallback>
-                <p:oleObj name="think-cell Slide" r:id="rId4" imgW="270" imgH="270" progId="TCLayout.ActiveDocument.1">
+                <p:oleObj name="think-cell Slide" r:id="rId5" imgW="270" imgH="270" progId="TCLayout.ActiveDocument.1">
                   <p:embed/>
                   <p:pic>
                     <p:nvPicPr>
@@ -5047,7 +5049,7 @@
                       <p:nvPr/>
                     </p:nvPicPr>
                     <p:blipFill>
-                      <a:blip r:embed="rId5"/>
+                      <a:blip r:embed="rId6"/>
                       <a:stretch>
                         <a:fillRect/>
                       </a:stretch>
@@ -5123,12 +5125,12 @@
           <p:nvPr userDrawn="1"/>
         </p:nvPicPr>
         <p:blipFill rotWithShape="1">
-          <a:blip r:embed="rId6" cstate="screen">
+          <a:blip r:embed="rId7" cstate="screen">
             <a:alphaModFix amt="67000"/>
             <a:extLst>
               <a:ext uri="{BEBA8EAE-BF5A-486C-A8C5-ECC9F3942E4B}">
                 <a14:imgProps xmlns:a14="http://schemas.microsoft.com/office/drawing/2010/main">
-                  <a14:imgLayer r:embed="rId7">
+                  <a14:imgLayer r:embed="rId8">
                     <a14:imgEffect>
                       <a14:brightnessContrast bright="100000"/>
                     </a14:imgEffect>
@@ -7126,7 +7128,7 @@
           </p:cNvGraphicFramePr>
           <p:nvPr userDrawn="1">
             <p:custDataLst>
-              <p:tags r:id="rId1"/>
+              <p:tags r:id="rId2"/>
             </p:custDataLst>
             <p:extLst>
               <p:ext uri="{D42A27DB-BD31-4B8C-83A1-F6EECF244321}">
@@ -7143,12 +7145,12 @@
           <a:graphicData uri="http://schemas.openxmlformats.org/presentationml/2006/ole">
             <mc:AlternateContent xmlns:mc="http://schemas.openxmlformats.org/markup-compatibility/2006">
               <mc:Choice xmlns:v="urn:schemas-microsoft-com:vml" Requires="v">
-                <p:oleObj name="think-cell Slide" r:id="rId3" imgW="270" imgH="270" progId="TCLayout.ActiveDocument.1">
+                <p:oleObj spid="_x0000_s7181" name="think-cell Slide" r:id="rId4" imgW="270" imgH="270" progId="TCLayout.ActiveDocument.1">
                   <p:embed/>
                 </p:oleObj>
               </mc:Choice>
               <mc:Fallback>
-                <p:oleObj name="think-cell Slide" r:id="rId3" imgW="270" imgH="270" progId="TCLayout.ActiveDocument.1">
+                <p:oleObj name="think-cell Slide" r:id="rId4" imgW="270" imgH="270" progId="TCLayout.ActiveDocument.1">
                   <p:embed/>
                   <p:pic>
                     <p:nvPicPr>
@@ -7157,7 +7159,7 @@
                       <p:nvPr/>
                     </p:nvPicPr>
                     <p:blipFill>
-                      <a:blip r:embed="rId4"/>
+                      <a:blip r:embed="rId5"/>
                       <a:stretch>
                         <a:fillRect/>
                       </a:stretch>
@@ -7187,7 +7189,7 @@
           <p:nvPr userDrawn="1"/>
         </p:nvPicPr>
         <p:blipFill>
-          <a:blip r:embed="rId5" cstate="screen">
+          <a:blip r:embed="rId6" cstate="screen">
             <a:extLst>
               <a:ext uri="{28A0092B-C50C-407E-A947-70E740481C1C}">
                 <a14:useLocalDpi xmlns:a14="http://schemas.microsoft.com/office/drawing/2010/main" val="0"/>
@@ -7779,7 +7781,7 @@
           </p:cNvGraphicFramePr>
           <p:nvPr userDrawn="1">
             <p:custDataLst>
-              <p:tags r:id="rId1"/>
+              <p:tags r:id="rId2"/>
             </p:custDataLst>
             <p:extLst>
               <p:ext uri="{D42A27DB-BD31-4B8C-83A1-F6EECF244321}">
@@ -7796,12 +7798,12 @@
           <a:graphicData uri="http://schemas.openxmlformats.org/presentationml/2006/ole">
             <mc:AlternateContent xmlns:mc="http://schemas.openxmlformats.org/markup-compatibility/2006">
               <mc:Choice xmlns:v="urn:schemas-microsoft-com:vml" Requires="v">
-                <p:oleObj name="think-cell Slide" r:id="rId3" imgW="270" imgH="270" progId="TCLayout.ActiveDocument.1">
+                <p:oleObj spid="_x0000_s8205" name="think-cell Slide" r:id="rId4" imgW="270" imgH="270" progId="TCLayout.ActiveDocument.1">
                   <p:embed/>
                 </p:oleObj>
               </mc:Choice>
               <mc:Fallback>
-                <p:oleObj name="think-cell Slide" r:id="rId3" imgW="270" imgH="270" progId="TCLayout.ActiveDocument.1">
+                <p:oleObj name="think-cell Slide" r:id="rId4" imgW="270" imgH="270" progId="TCLayout.ActiveDocument.1">
                   <p:embed/>
                   <p:pic>
                     <p:nvPicPr>
@@ -7810,7 +7812,7 @@
                       <p:nvPr/>
                     </p:nvPicPr>
                     <p:blipFill>
-                      <a:blip r:embed="rId4"/>
+                      <a:blip r:embed="rId5"/>
                       <a:stretch>
                         <a:fillRect/>
                       </a:stretch>
@@ -7840,7 +7842,7 @@
           <p:nvPr userDrawn="1"/>
         </p:nvPicPr>
         <p:blipFill>
-          <a:blip r:embed="rId5" cstate="screen">
+          <a:blip r:embed="rId6" cstate="screen">
             <a:extLst>
               <a:ext uri="{28A0092B-C50C-407E-A947-70E740481C1C}">
                 <a14:useLocalDpi xmlns:a14="http://schemas.microsoft.com/office/drawing/2010/main" val="0"/>
@@ -18419,7 +18421,7 @@
           </p:cNvGraphicFramePr>
           <p:nvPr userDrawn="1">
             <p:custDataLst>
-              <p:tags r:id="rId1"/>
+              <p:tags r:id="rId2"/>
             </p:custDataLst>
             <p:extLst>
               <p:ext uri="{D42A27DB-BD31-4B8C-83A1-F6EECF244321}">
@@ -18436,12 +18438,12 @@
           <a:graphicData uri="http://schemas.openxmlformats.org/presentationml/2006/ole">
             <mc:AlternateContent xmlns:mc="http://schemas.openxmlformats.org/markup-compatibility/2006">
               <mc:Choice xmlns:v="urn:schemas-microsoft-com:vml" Requires="v">
-                <p:oleObj name="think-cell Slide" r:id="rId3" imgW="270" imgH="270" progId="TCLayout.ActiveDocument.1">
+                <p:oleObj spid="_x0000_s3085" name="think-cell Slide" r:id="rId4" imgW="270" imgH="270" progId="TCLayout.ActiveDocument.1">
                   <p:embed/>
                 </p:oleObj>
               </mc:Choice>
               <mc:Fallback>
-                <p:oleObj name="think-cell Slide" r:id="rId3" imgW="270" imgH="270" progId="TCLayout.ActiveDocument.1">
+                <p:oleObj name="think-cell Slide" r:id="rId4" imgW="270" imgH="270" progId="TCLayout.ActiveDocument.1">
                   <p:embed/>
                   <p:pic>
                     <p:nvPicPr>
@@ -18450,7 +18452,7 @@
                       <p:nvPr/>
                     </p:nvPicPr>
                     <p:blipFill>
-                      <a:blip r:embed="rId4"/>
+                      <a:blip r:embed="rId5"/>
                       <a:stretch>
                         <a:fillRect/>
                       </a:stretch>
@@ -18526,7 +18528,7 @@
           <p:nvPr userDrawn="1"/>
         </p:nvPicPr>
         <p:blipFill>
-          <a:blip r:embed="rId5" cstate="screen">
+          <a:blip r:embed="rId6" cstate="screen">
             <a:extLst>
               <a:ext uri="{28A0092B-C50C-407E-A947-70E740481C1C}">
                 <a14:useLocalDpi xmlns:a14="http://schemas.microsoft.com/office/drawing/2010/main" val="0"/>
@@ -23776,7 +23778,7 @@
           </p:cNvGraphicFramePr>
           <p:nvPr userDrawn="1">
             <p:custDataLst>
-              <p:tags r:id="rId1"/>
+              <p:tags r:id="rId2"/>
             </p:custDataLst>
             <p:extLst>
               <p:ext uri="{D42A27DB-BD31-4B8C-83A1-F6EECF244321}">
@@ -23793,12 +23795,12 @@
           <a:graphicData uri="http://schemas.openxmlformats.org/presentationml/2006/ole">
             <mc:AlternateContent xmlns:mc="http://schemas.openxmlformats.org/markup-compatibility/2006">
               <mc:Choice xmlns:v="urn:schemas-microsoft-com:vml" Requires="v">
-                <p:oleObj name="think-cell Slide" r:id="rId3" imgW="270" imgH="270" progId="TCLayout.ActiveDocument.1">
+                <p:oleObj spid="_x0000_s4109" name="think-cell Slide" r:id="rId4" imgW="270" imgH="270" progId="TCLayout.ActiveDocument.1">
                   <p:embed/>
                 </p:oleObj>
               </mc:Choice>
               <mc:Fallback>
-                <p:oleObj name="think-cell Slide" r:id="rId3" imgW="270" imgH="270" progId="TCLayout.ActiveDocument.1">
+                <p:oleObj name="think-cell Slide" r:id="rId4" imgW="270" imgH="270" progId="TCLayout.ActiveDocument.1">
                   <p:embed/>
                   <p:pic>
                     <p:nvPicPr>
@@ -23807,7 +23809,7 @@
                       <p:nvPr/>
                     </p:nvPicPr>
                     <p:blipFill>
-                      <a:blip r:embed="rId4"/>
+                      <a:blip r:embed="rId5"/>
                       <a:stretch>
                         <a:fillRect/>
                       </a:stretch>
@@ -23883,7 +23885,7 @@
           <p:nvPr userDrawn="1"/>
         </p:nvPicPr>
         <p:blipFill>
-          <a:blip r:embed="rId5" cstate="screen">
+          <a:blip r:embed="rId6" cstate="screen">
             <a:extLst>
               <a:ext uri="{28A0092B-C50C-407E-A947-70E740481C1C}">
                 <a14:useLocalDpi xmlns:a14="http://schemas.microsoft.com/office/drawing/2010/main" val="0"/>
@@ -24088,7 +24090,7 @@
           </p:cNvGraphicFramePr>
           <p:nvPr userDrawn="1">
             <p:custDataLst>
-              <p:tags r:id="rId1"/>
+              <p:tags r:id="rId2"/>
             </p:custDataLst>
             <p:extLst>
               <p:ext uri="{D42A27DB-BD31-4B8C-83A1-F6EECF244321}">
@@ -24105,12 +24107,12 @@
           <a:graphicData uri="http://schemas.openxmlformats.org/presentationml/2006/ole">
             <mc:AlternateContent xmlns:mc="http://schemas.openxmlformats.org/markup-compatibility/2006">
               <mc:Choice xmlns:v="urn:schemas-microsoft-com:vml" Requires="v">
-                <p:oleObj name="think-cell Slide" r:id="rId3" imgW="270" imgH="270" progId="TCLayout.ActiveDocument.1">
+                <p:oleObj spid="_x0000_s5133" name="think-cell Slide" r:id="rId4" imgW="270" imgH="270" progId="TCLayout.ActiveDocument.1">
                   <p:embed/>
                 </p:oleObj>
               </mc:Choice>
               <mc:Fallback>
-                <p:oleObj name="think-cell Slide" r:id="rId3" imgW="270" imgH="270" progId="TCLayout.ActiveDocument.1">
+                <p:oleObj name="think-cell Slide" r:id="rId4" imgW="270" imgH="270" progId="TCLayout.ActiveDocument.1">
                   <p:embed/>
                   <p:pic>
                     <p:nvPicPr>
@@ -24119,7 +24121,7 @@
                       <p:nvPr/>
                     </p:nvPicPr>
                     <p:blipFill>
-                      <a:blip r:embed="rId4"/>
+                      <a:blip r:embed="rId5"/>
                       <a:stretch>
                         <a:fillRect/>
                       </a:stretch>
@@ -24195,7 +24197,7 @@
           <p:nvPr userDrawn="1"/>
         </p:nvPicPr>
         <p:blipFill>
-          <a:blip r:embed="rId5" cstate="screen">
+          <a:blip r:embed="rId6" cstate="screen">
             <a:extLst>
               <a:ext uri="{28A0092B-C50C-407E-A947-70E740481C1C}">
                 <a14:useLocalDpi xmlns:a14="http://schemas.microsoft.com/office/drawing/2010/main" val="0"/>
@@ -24405,7 +24407,7 @@
           </p:cNvGraphicFramePr>
           <p:nvPr>
             <p:custDataLst>
-              <p:tags r:id="rId47"/>
+              <p:tags r:id="rId48"/>
             </p:custDataLst>
             <p:extLst>
               <p:ext uri="{D42A27DB-BD31-4B8C-83A1-F6EECF244321}">
@@ -24422,12 +24424,12 @@
           <a:graphicData uri="http://schemas.openxmlformats.org/presentationml/2006/ole">
             <mc:AlternateContent xmlns:mc="http://schemas.openxmlformats.org/markup-compatibility/2006">
               <mc:Choice xmlns:v="urn:schemas-microsoft-com:vml" Requires="v">
-                <p:oleObj name="think-cell Slide" r:id="rId48" imgW="270" imgH="270" progId="TCLayout.ActiveDocument.1">
+                <p:oleObj spid="_x0000_s1037" name="think-cell Slide" r:id="rId49" imgW="270" imgH="270" progId="TCLayout.ActiveDocument.1">
                   <p:embed/>
                 </p:oleObj>
               </mc:Choice>
               <mc:Fallback>
-                <p:oleObj name="think-cell Slide" r:id="rId48" imgW="270" imgH="270" progId="TCLayout.ActiveDocument.1">
+                <p:oleObj name="think-cell Slide" r:id="rId49" imgW="270" imgH="270" progId="TCLayout.ActiveDocument.1">
                   <p:embed/>
                   <p:pic>
                     <p:nvPicPr>
@@ -24436,7 +24438,7 @@
                       <p:nvPr/>
                     </p:nvPicPr>
                     <p:blipFill>
-                      <a:blip r:embed="rId49"/>
+                      <a:blip r:embed="rId50"/>
                       <a:stretch>
                         <a:fillRect/>
                       </a:stretch>
@@ -24994,1154 +24996,7 @@
 </p:sld>
 </file>
 
-<file path=ppt/slides/slide2.xml><?xml version="1.0" encoding="utf-8"?>
-<p:sld xmlns:a="http://schemas.openxmlformats.org/drawingml/2006/main" xmlns:r="http://schemas.openxmlformats.org/officeDocument/2006/relationships" xmlns:p="http://schemas.openxmlformats.org/presentationml/2006/main">
-  <p:cSld>
-    <p:spTree>
-      <p:nvGrpSpPr>
-        <p:cNvPr id="1" name=""/>
-        <p:cNvGrpSpPr/>
-        <p:nvPr/>
-      </p:nvGrpSpPr>
-      <p:grpSpPr>
-        <a:xfrm>
-          <a:off x="0" y="0"/>
-          <a:ext cx="0" cy="0"/>
-          <a:chOff x="0" y="0"/>
-          <a:chExt cx="0" cy="0"/>
-        </a:xfrm>
-      </p:grpSpPr>
-      <p:sp>
-        <p:nvSpPr>
-          <p:cNvPr id="11" name="Text Placeholder 10">
-            <a:extLst>
-              <a:ext uri="{FF2B5EF4-FFF2-40B4-BE49-F238E27FC236}">
-                <a16:creationId xmlns:a16="http://schemas.microsoft.com/office/drawing/2014/main" id="{FC155B43-2E62-4C39-91C9-3732A8F94EFA}"/>
-              </a:ext>
-            </a:extLst>
-          </p:cNvPr>
-          <p:cNvSpPr>
-            <a:spLocks noGrp="1"/>
-          </p:cNvSpPr>
-          <p:nvPr>
-            <p:ph type="body" sz="quarter" idx="18"/>
-          </p:nvPr>
-        </p:nvSpPr>
-        <p:spPr/>
-        <p:txBody>
-          <a:bodyPr/>
-          <a:lstStyle/>
-          <a:p>
-            <a:r>
-              <a:rPr lang="en-AU" dirty="0"/>
-              <a:t>Agenda</a:t>
-            </a:r>
-          </a:p>
-        </p:txBody>
-      </p:sp>
-      <p:sp>
-        <p:nvSpPr>
-          <p:cNvPr id="3" name="Text Placeholder 2"/>
-          <p:cNvSpPr>
-            <a:spLocks noGrp="1"/>
-          </p:cNvSpPr>
-          <p:nvPr>
-            <p:ph sz="quarter" idx="23"/>
-          </p:nvPr>
-        </p:nvSpPr>
-        <p:spPr>
-          <a:xfrm>
-            <a:off x="666750" y="1774062"/>
-            <a:ext cx="10817943" cy="3858642"/>
-          </a:xfrm>
-        </p:spPr>
-        <p:txBody>
-          <a:bodyPr/>
-          <a:lstStyle/>
-          <a:p>
-            <a:pPr marL="514350" indent="-514350">
-              <a:lnSpc>
-                <a:spcPct val="150000"/>
-              </a:lnSpc>
-              <a:buFont typeface="+mj-lt"/>
-              <a:buAutoNum type="arabicPeriod"/>
-            </a:pPr>
-            <a:r>
-              <a:rPr lang="en-AU" dirty="0"/>
-              <a:t>Premise of and motivation for the current analysis</a:t>
-            </a:r>
-          </a:p>
-          <a:p>
-            <a:pPr marL="514350" indent="-514350">
-              <a:lnSpc>
-                <a:spcPct val="150000"/>
-              </a:lnSpc>
-              <a:buFont typeface="+mj-lt"/>
-              <a:buAutoNum type="arabicPeriod"/>
-            </a:pPr>
-            <a:r>
-              <a:rPr lang="en-AU" dirty="0"/>
-              <a:t>Available data and reputability of sources</a:t>
-            </a:r>
-          </a:p>
-          <a:p>
-            <a:pPr marL="514350" indent="-514350">
-              <a:lnSpc>
-                <a:spcPct val="150000"/>
-              </a:lnSpc>
-              <a:buFont typeface="+mj-lt"/>
-              <a:buAutoNum type="arabicPeriod"/>
-            </a:pPr>
-            <a:r>
-              <a:rPr lang="en-AU" dirty="0"/>
-              <a:t>Analytical approach and appropriateness of linear modelling assumptions</a:t>
-            </a:r>
-          </a:p>
-          <a:p>
-            <a:pPr marL="514350" indent="-514350">
-              <a:lnSpc>
-                <a:spcPct val="150000"/>
-              </a:lnSpc>
-              <a:buFont typeface="+mj-lt"/>
-              <a:buAutoNum type="arabicPeriod"/>
-            </a:pPr>
-            <a:r>
-              <a:rPr lang="en-AU" dirty="0"/>
-              <a:t>Results and implications for AFL teams</a:t>
-            </a:r>
-          </a:p>
-          <a:p>
-            <a:pPr marL="514350" indent="-514350">
-              <a:lnSpc>
-                <a:spcPct val="150000"/>
-              </a:lnSpc>
-              <a:buFont typeface="+mj-lt"/>
-              <a:buAutoNum type="arabicPeriod"/>
-            </a:pPr>
-            <a:r>
-              <a:rPr lang="en-AU" dirty="0"/>
-              <a:t>Limitations and recommendations for future analysis</a:t>
-            </a:r>
-          </a:p>
-        </p:txBody>
-      </p:sp>
-    </p:spTree>
-    <p:extLst>
-      <p:ext uri="{BB962C8B-B14F-4D97-AF65-F5344CB8AC3E}">
-        <p14:creationId xmlns:p14="http://schemas.microsoft.com/office/powerpoint/2010/main" val="1058770679"/>
-      </p:ext>
-    </p:extLst>
-  </p:cSld>
-  <p:clrMapOvr>
-    <a:masterClrMapping/>
-  </p:clrMapOvr>
-</p:sld>
-</file>
-
-<file path=ppt/slides/slide3.xml><?xml version="1.0" encoding="utf-8"?>
-<p:sld xmlns:a="http://schemas.openxmlformats.org/drawingml/2006/main" xmlns:r="http://schemas.openxmlformats.org/officeDocument/2006/relationships" xmlns:p="http://schemas.openxmlformats.org/presentationml/2006/main">
-  <p:cSld>
-    <p:spTree>
-      <p:nvGrpSpPr>
-        <p:cNvPr id="1" name=""/>
-        <p:cNvGrpSpPr/>
-        <p:nvPr/>
-      </p:nvGrpSpPr>
-      <p:grpSpPr>
-        <a:xfrm>
-          <a:off x="0" y="0"/>
-          <a:ext cx="0" cy="0"/>
-          <a:chOff x="0" y="0"/>
-          <a:chExt cx="0" cy="0"/>
-        </a:xfrm>
-      </p:grpSpPr>
-      <p:sp>
-        <p:nvSpPr>
-          <p:cNvPr id="2" name="Text Placeholder 1">
-            <a:extLst>
-              <a:ext uri="{FF2B5EF4-FFF2-40B4-BE49-F238E27FC236}">
-                <a16:creationId xmlns:a16="http://schemas.microsoft.com/office/drawing/2014/main" id="{E0E668BC-F59B-40D9-9CA6-2EB68A0B5750}"/>
-              </a:ext>
-            </a:extLst>
-          </p:cNvPr>
-          <p:cNvSpPr>
-            <a:spLocks noGrp="1"/>
-          </p:cNvSpPr>
-          <p:nvPr>
-            <p:ph type="body" sz="quarter" idx="18"/>
-          </p:nvPr>
-        </p:nvSpPr>
-        <p:spPr/>
-        <p:txBody>
-          <a:bodyPr/>
-          <a:lstStyle/>
-          <a:p>
-            <a:r>
-              <a:rPr lang="en-AU" dirty="0"/>
-              <a:t>Scoring goals is critical to winning AFL games – can linear modelling help to understand what is associated with it?</a:t>
-            </a:r>
-          </a:p>
-        </p:txBody>
-      </p:sp>
-      <p:sp>
-        <p:nvSpPr>
-          <p:cNvPr id="3" name="Content Placeholder 2">
-            <a:extLst>
-              <a:ext uri="{FF2B5EF4-FFF2-40B4-BE49-F238E27FC236}">
-                <a16:creationId xmlns:a16="http://schemas.microsoft.com/office/drawing/2014/main" id="{4E0DD037-ED95-496C-BCCB-30A03060B614}"/>
-              </a:ext>
-            </a:extLst>
-          </p:cNvPr>
-          <p:cNvSpPr>
-            <a:spLocks noGrp="1"/>
-          </p:cNvSpPr>
-          <p:nvPr>
-            <p:ph sz="quarter" idx="23"/>
-          </p:nvPr>
-        </p:nvSpPr>
-        <p:spPr>
-          <a:xfrm>
-            <a:off x="666750" y="1774062"/>
-            <a:ext cx="5292261" cy="3858642"/>
-          </a:xfrm>
-        </p:spPr>
-        <p:txBody>
-          <a:bodyPr/>
-          <a:lstStyle/>
-          <a:p>
-            <a:pPr marL="342900" indent="-342900">
-              <a:buFont typeface="Arial" panose="020B0604020202020204" pitchFamily="34" charset="0"/>
-              <a:buChar char="•"/>
-            </a:pPr>
-            <a:r>
-              <a:rPr lang="en-AU" dirty="0"/>
-              <a:t>In AFL, teams can score points by either kicking a </a:t>
-            </a:r>
-            <a:r>
-              <a:rPr lang="en-AU" i="1" dirty="0"/>
-              <a:t>goal</a:t>
-            </a:r>
-            <a:r>
-              <a:rPr lang="en-AU" dirty="0"/>
-              <a:t> (6 points) or a </a:t>
-            </a:r>
-            <a:r>
-              <a:rPr lang="en-AU" i="1" dirty="0"/>
-              <a:t>behind</a:t>
-            </a:r>
-            <a:r>
-              <a:rPr lang="en-AU" dirty="0"/>
-              <a:t> (1 point)</a:t>
-            </a:r>
-          </a:p>
-          <a:p>
-            <a:pPr marL="342900" indent="-342900">
-              <a:buFont typeface="Arial" panose="020B0604020202020204" pitchFamily="34" charset="0"/>
-              <a:buChar char="•"/>
-            </a:pPr>
-            <a:r>
-              <a:rPr lang="en-AU" dirty="0"/>
-              <a:t>It is intuitive that kicking more goals </a:t>
-            </a:r>
-            <a:r>
-              <a:rPr lang="en-AU" i="1" dirty="0"/>
-              <a:t>should</a:t>
-            </a:r>
-            <a:r>
-              <a:rPr lang="en-AU" dirty="0"/>
-              <a:t> lead to a higher likelihood of winning the game</a:t>
-            </a:r>
-          </a:p>
-          <a:p>
-            <a:pPr marL="342900" indent="-342900">
-              <a:buFont typeface="Arial" panose="020B0604020202020204" pitchFamily="34" charset="0"/>
-              <a:buChar char="•"/>
-            </a:pPr>
-            <a:r>
-              <a:rPr lang="en-AU" dirty="0"/>
-              <a:t>But simply getting a team to kick more goals is not feasible</a:t>
-            </a:r>
-          </a:p>
-          <a:p>
-            <a:pPr marL="1062900" lvl="2" indent="-342900"/>
-            <a:r>
-              <a:rPr lang="en-AU" dirty="0"/>
-              <a:t>Can we quantitatively explore what other aspects of gameplay are associated with goal scoring?</a:t>
-            </a:r>
-          </a:p>
-        </p:txBody>
-      </p:sp>
-      <p:sp>
-        <p:nvSpPr>
-          <p:cNvPr id="5" name="Rectangle 4">
-            <a:extLst>
-              <a:ext uri="{FF2B5EF4-FFF2-40B4-BE49-F238E27FC236}">
-                <a16:creationId xmlns:a16="http://schemas.microsoft.com/office/drawing/2014/main" id="{C129D349-DD25-461E-897F-5B47BA86127B}"/>
-              </a:ext>
-            </a:extLst>
-          </p:cNvPr>
-          <p:cNvSpPr/>
-          <p:nvPr/>
-        </p:nvSpPr>
-        <p:spPr>
-          <a:xfrm>
-            <a:off x="7130265" y="2167847"/>
-            <a:ext cx="4393398" cy="3359650"/>
-          </a:xfrm>
-          <a:prstGeom prst="rect">
-            <a:avLst/>
-          </a:prstGeom>
-          <a:solidFill>
-            <a:schemeClr val="accent3"/>
-          </a:solidFill>
-          <a:ln w="38100">
-            <a:solidFill>
-              <a:schemeClr val="accent3"/>
-            </a:solidFill>
-          </a:ln>
-        </p:spPr>
-        <p:style>
-          <a:lnRef idx="2">
-            <a:schemeClr val="accent1">
-              <a:shade val="50000"/>
-            </a:schemeClr>
-          </a:lnRef>
-          <a:fillRef idx="1">
-            <a:schemeClr val="accent1"/>
-          </a:fillRef>
-          <a:effectRef idx="0">
-            <a:schemeClr val="accent1"/>
-          </a:effectRef>
-          <a:fontRef idx="minor">
-            <a:schemeClr val="lt1"/>
-          </a:fontRef>
-        </p:style>
-        <p:txBody>
-          <a:bodyPr rtlCol="0" anchor="ctr"/>
-          <a:lstStyle/>
-          <a:p>
-            <a:pPr algn="ctr"/>
-            <a:r>
-              <a:rPr lang="en-AU" sz="3200" dirty="0">
-                <a:solidFill>
-                  <a:schemeClr val="bg2"/>
-                </a:solidFill>
-              </a:rPr>
-              <a:t>Logistic plot here</a:t>
-            </a:r>
-          </a:p>
-        </p:txBody>
-      </p:sp>
-    </p:spTree>
-    <p:extLst>
-      <p:ext uri="{BB962C8B-B14F-4D97-AF65-F5344CB8AC3E}">
-        <p14:creationId xmlns:p14="http://schemas.microsoft.com/office/powerpoint/2010/main" val="2198686488"/>
-      </p:ext>
-    </p:extLst>
-  </p:cSld>
-  <p:clrMapOvr>
-    <a:masterClrMapping/>
-  </p:clrMapOvr>
-</p:sld>
-</file>
-
-<file path=ppt/slides/slide4.xml><?xml version="1.0" encoding="utf-8"?>
-<p:sld xmlns:a="http://schemas.openxmlformats.org/drawingml/2006/main" xmlns:r="http://schemas.openxmlformats.org/officeDocument/2006/relationships" xmlns:p="http://schemas.openxmlformats.org/presentationml/2006/main">
-  <p:cSld>
-    <p:spTree>
-      <p:nvGrpSpPr>
-        <p:cNvPr id="1" name=""/>
-        <p:cNvGrpSpPr/>
-        <p:nvPr/>
-      </p:nvGrpSpPr>
-      <p:grpSpPr>
-        <a:xfrm>
-          <a:off x="0" y="0"/>
-          <a:ext cx="0" cy="0"/>
-          <a:chOff x="0" y="0"/>
-          <a:chExt cx="0" cy="0"/>
-        </a:xfrm>
-      </p:grpSpPr>
-      <p:sp>
-        <p:nvSpPr>
-          <p:cNvPr id="6" name="Content Placeholder 5">
-            <a:extLst>
-              <a:ext uri="{FF2B5EF4-FFF2-40B4-BE49-F238E27FC236}">
-                <a16:creationId xmlns:a16="http://schemas.microsoft.com/office/drawing/2014/main" id="{0FABC681-D9DE-47C7-99D0-EA26A3F55B2D}"/>
-              </a:ext>
-            </a:extLst>
-          </p:cNvPr>
-          <p:cNvSpPr>
-            <a:spLocks noGrp="1"/>
-          </p:cNvSpPr>
-          <p:nvPr>
-            <p:ph sz="quarter" idx="20"/>
-          </p:nvPr>
-        </p:nvSpPr>
-        <p:spPr/>
-        <p:txBody>
-          <a:bodyPr/>
-          <a:lstStyle/>
-          <a:p>
-            <a:r>
-              <a:rPr lang="en-AU" dirty="0">
-                <a:latin typeface="Segoe UI Semibold" panose="020B0702040204020203" pitchFamily="34" charset="0"/>
-                <a:cs typeface="Segoe UI Semibold" panose="020B0702040204020203" pitchFamily="34" charset="0"/>
-              </a:rPr>
-              <a:t>Variables</a:t>
-            </a:r>
-          </a:p>
-        </p:txBody>
-      </p:sp>
-      <p:sp>
-        <p:nvSpPr>
-          <p:cNvPr id="7" name="Content Placeholder 6">
-            <a:extLst>
-              <a:ext uri="{FF2B5EF4-FFF2-40B4-BE49-F238E27FC236}">
-                <a16:creationId xmlns:a16="http://schemas.microsoft.com/office/drawing/2014/main" id="{F6963A97-9FDA-49AE-A84F-7D50DCF8CB4D}"/>
-              </a:ext>
-            </a:extLst>
-          </p:cNvPr>
-          <p:cNvSpPr>
-            <a:spLocks noGrp="1"/>
-          </p:cNvSpPr>
-          <p:nvPr>
-            <p:ph sz="quarter" idx="21"/>
-          </p:nvPr>
-        </p:nvSpPr>
-        <p:spPr/>
-        <p:txBody>
-          <a:bodyPr/>
-          <a:lstStyle/>
-          <a:p>
-            <a:r>
-              <a:rPr lang="en-AU" dirty="0">
-                <a:latin typeface="Segoe UI Semibold" panose="020B0702040204020203" pitchFamily="34" charset="0"/>
-                <a:cs typeface="Segoe UI Semibold" panose="020B0702040204020203" pitchFamily="34" charset="0"/>
-              </a:rPr>
-              <a:t>Data Sources</a:t>
-            </a:r>
-          </a:p>
-        </p:txBody>
-      </p:sp>
-      <p:sp>
-        <p:nvSpPr>
-          <p:cNvPr id="2" name="Text Placeholder 1">
-            <a:extLst>
-              <a:ext uri="{FF2B5EF4-FFF2-40B4-BE49-F238E27FC236}">
-                <a16:creationId xmlns:a16="http://schemas.microsoft.com/office/drawing/2014/main" id="{E0E668BC-F59B-40D9-9CA6-2EB68A0B5750}"/>
-              </a:ext>
-            </a:extLst>
-          </p:cNvPr>
-          <p:cNvSpPr>
-            <a:spLocks noGrp="1"/>
-          </p:cNvSpPr>
-          <p:nvPr>
-            <p:ph type="body" sz="quarter" idx="18"/>
-          </p:nvPr>
-        </p:nvSpPr>
-        <p:spPr/>
-        <p:txBody>
-          <a:bodyPr/>
-          <a:lstStyle/>
-          <a:p>
-            <a:r>
-              <a:rPr lang="en-AU" dirty="0"/>
-              <a:t>A large amount of historical data is available and previous open-source work has linked multiple reputable sources</a:t>
-            </a:r>
-          </a:p>
-        </p:txBody>
-      </p:sp>
-    </p:spTree>
-    <p:extLst>
-      <p:ext uri="{BB962C8B-B14F-4D97-AF65-F5344CB8AC3E}">
-        <p14:creationId xmlns:p14="http://schemas.microsoft.com/office/powerpoint/2010/main" val="1032320323"/>
-      </p:ext>
-    </p:extLst>
-  </p:cSld>
-  <p:clrMapOvr>
-    <a:masterClrMapping/>
-  </p:clrMapOvr>
-</p:sld>
-</file>
-
-<file path=ppt/slides/slide5.xml><?xml version="1.0" encoding="utf-8"?>
-<p:sld xmlns:a="http://schemas.openxmlformats.org/drawingml/2006/main" xmlns:r="http://schemas.openxmlformats.org/officeDocument/2006/relationships" xmlns:p="http://schemas.openxmlformats.org/presentationml/2006/main">
-  <p:cSld>
-    <p:spTree>
-      <p:nvGrpSpPr>
-        <p:cNvPr id="1" name=""/>
-        <p:cNvGrpSpPr/>
-        <p:nvPr/>
-      </p:nvGrpSpPr>
-      <p:grpSpPr>
-        <a:xfrm>
-          <a:off x="0" y="0"/>
-          <a:ext cx="0" cy="0"/>
-          <a:chOff x="0" y="0"/>
-          <a:chExt cx="0" cy="0"/>
-        </a:xfrm>
-      </p:grpSpPr>
-      <p:sp>
-        <p:nvSpPr>
-          <p:cNvPr id="2" name="Text Placeholder 1">
-            <a:extLst>
-              <a:ext uri="{FF2B5EF4-FFF2-40B4-BE49-F238E27FC236}">
-                <a16:creationId xmlns:a16="http://schemas.microsoft.com/office/drawing/2014/main" id="{D7DB29E5-D548-49F5-B98B-1E8043A71A16}"/>
-              </a:ext>
-            </a:extLst>
-          </p:cNvPr>
-          <p:cNvSpPr>
-            <a:spLocks noGrp="1"/>
-          </p:cNvSpPr>
-          <p:nvPr>
-            <p:ph type="body" sz="quarter" idx="18"/>
-          </p:nvPr>
-        </p:nvSpPr>
-        <p:spPr/>
-        <p:txBody>
-          <a:bodyPr/>
-          <a:lstStyle/>
-          <a:p>
-            <a:r>
-              <a:rPr lang="en-AU" dirty="0"/>
-              <a:t>A robust and detailed linear modelling approach was used</a:t>
-            </a:r>
-          </a:p>
-        </p:txBody>
-      </p:sp>
-      <p:sp>
-        <p:nvSpPr>
-          <p:cNvPr id="3" name="Content Placeholder 2">
-            <a:extLst>
-              <a:ext uri="{FF2B5EF4-FFF2-40B4-BE49-F238E27FC236}">
-                <a16:creationId xmlns:a16="http://schemas.microsoft.com/office/drawing/2014/main" id="{F2C96EF5-B754-432F-BC8A-5ADF27FDF0F5}"/>
-              </a:ext>
-            </a:extLst>
-          </p:cNvPr>
-          <p:cNvSpPr>
-            <a:spLocks noGrp="1"/>
-          </p:cNvSpPr>
-          <p:nvPr>
-            <p:ph sz="quarter" idx="23"/>
-          </p:nvPr>
-        </p:nvSpPr>
-        <p:spPr/>
-        <p:txBody>
-          <a:bodyPr/>
-          <a:lstStyle/>
-          <a:p>
-            <a:endParaRPr lang="en-AU"/>
-          </a:p>
-        </p:txBody>
-      </p:sp>
-      <p:sp>
-        <p:nvSpPr>
-          <p:cNvPr id="5" name="Rectangle 4">
-            <a:extLst>
-              <a:ext uri="{FF2B5EF4-FFF2-40B4-BE49-F238E27FC236}">
-                <a16:creationId xmlns:a16="http://schemas.microsoft.com/office/drawing/2014/main" id="{DF615AC2-05CE-489E-BA41-596539B000FC}"/>
-              </a:ext>
-            </a:extLst>
-          </p:cNvPr>
-          <p:cNvSpPr/>
-          <p:nvPr/>
-        </p:nvSpPr>
-        <p:spPr>
-          <a:xfrm>
-            <a:off x="7130265" y="2167847"/>
-            <a:ext cx="4393398" cy="3359650"/>
-          </a:xfrm>
-          <a:prstGeom prst="rect">
-            <a:avLst/>
-          </a:prstGeom>
-          <a:solidFill>
-            <a:schemeClr val="accent3"/>
-          </a:solidFill>
-          <a:ln w="38100">
-            <a:solidFill>
-              <a:schemeClr val="accent3"/>
-            </a:solidFill>
-          </a:ln>
-        </p:spPr>
-        <p:style>
-          <a:lnRef idx="2">
-            <a:schemeClr val="accent1">
-              <a:shade val="50000"/>
-            </a:schemeClr>
-          </a:lnRef>
-          <a:fillRef idx="1">
-            <a:schemeClr val="accent1"/>
-          </a:fillRef>
-          <a:effectRef idx="0">
-            <a:schemeClr val="accent1"/>
-          </a:effectRef>
-          <a:fontRef idx="minor">
-            <a:schemeClr val="lt1"/>
-          </a:fontRef>
-        </p:style>
-        <p:txBody>
-          <a:bodyPr rtlCol="0" anchor="ctr"/>
-          <a:lstStyle/>
-          <a:p>
-            <a:pPr algn="ctr"/>
-            <a:r>
-              <a:rPr lang="en-AU" sz="3200" dirty="0">
-                <a:solidFill>
-                  <a:schemeClr val="bg2"/>
-                </a:solidFill>
-              </a:rPr>
-              <a:t>Some form of diagram/flowchart showing the process here</a:t>
-            </a:r>
-          </a:p>
-        </p:txBody>
-      </p:sp>
-    </p:spTree>
-    <p:extLst>
-      <p:ext uri="{BB962C8B-B14F-4D97-AF65-F5344CB8AC3E}">
-        <p14:creationId xmlns:p14="http://schemas.microsoft.com/office/powerpoint/2010/main" val="983310670"/>
-      </p:ext>
-    </p:extLst>
-  </p:cSld>
-  <p:clrMapOvr>
-    <a:masterClrMapping/>
-  </p:clrMapOvr>
-</p:sld>
-</file>
-
-<file path=ppt/slides/slide6.xml><?xml version="1.0" encoding="utf-8"?>
-<p:sld xmlns:a="http://schemas.openxmlformats.org/drawingml/2006/main" xmlns:r="http://schemas.openxmlformats.org/officeDocument/2006/relationships" xmlns:p="http://schemas.openxmlformats.org/presentationml/2006/main">
-  <p:cSld>
-    <p:spTree>
-      <p:nvGrpSpPr>
-        <p:cNvPr id="1" name=""/>
-        <p:cNvGrpSpPr/>
-        <p:nvPr/>
-      </p:nvGrpSpPr>
-      <p:grpSpPr>
-        <a:xfrm>
-          <a:off x="0" y="0"/>
-          <a:ext cx="0" cy="0"/>
-          <a:chOff x="0" y="0"/>
-          <a:chExt cx="0" cy="0"/>
-        </a:xfrm>
-      </p:grpSpPr>
-      <p:sp>
-        <p:nvSpPr>
-          <p:cNvPr id="2" name="Text Placeholder 1">
-            <a:extLst>
-              <a:ext uri="{FF2B5EF4-FFF2-40B4-BE49-F238E27FC236}">
-                <a16:creationId xmlns:a16="http://schemas.microsoft.com/office/drawing/2014/main" id="{0EB64B89-7E51-46CA-8931-E69DE43B78A6}"/>
-              </a:ext>
-            </a:extLst>
-          </p:cNvPr>
-          <p:cNvSpPr>
-            <a:spLocks noGrp="1"/>
-          </p:cNvSpPr>
-          <p:nvPr>
-            <p:ph type="body" sz="quarter" idx="18"/>
-          </p:nvPr>
-        </p:nvSpPr>
-        <p:spPr/>
-        <p:txBody>
-          <a:bodyPr/>
-          <a:lstStyle/>
-          <a:p>
-            <a:r>
-              <a:rPr lang="en-AU" dirty="0"/>
-              <a:t>Core linear modelling assumptions were rigorously tested</a:t>
-            </a:r>
-          </a:p>
-        </p:txBody>
-      </p:sp>
-      <p:sp>
-        <p:nvSpPr>
-          <p:cNvPr id="3" name="Content Placeholder 2">
-            <a:extLst>
-              <a:ext uri="{FF2B5EF4-FFF2-40B4-BE49-F238E27FC236}">
-                <a16:creationId xmlns:a16="http://schemas.microsoft.com/office/drawing/2014/main" id="{390BBF70-BB84-496F-8209-B4485911B620}"/>
-              </a:ext>
-            </a:extLst>
-          </p:cNvPr>
-          <p:cNvSpPr>
-            <a:spLocks noGrp="1"/>
-          </p:cNvSpPr>
-          <p:nvPr>
-            <p:ph sz="quarter" idx="23"/>
-          </p:nvPr>
-        </p:nvSpPr>
-        <p:spPr/>
-        <p:txBody>
-          <a:bodyPr/>
-          <a:lstStyle/>
-          <a:p>
-            <a:endParaRPr lang="en-AU"/>
-          </a:p>
-        </p:txBody>
-      </p:sp>
-      <p:sp>
-        <p:nvSpPr>
-          <p:cNvPr id="5" name="Rectangle 4">
-            <a:extLst>
-              <a:ext uri="{FF2B5EF4-FFF2-40B4-BE49-F238E27FC236}">
-                <a16:creationId xmlns:a16="http://schemas.microsoft.com/office/drawing/2014/main" id="{F40256DE-27F0-4E0D-B090-0B4B7CE2C097}"/>
-              </a:ext>
-            </a:extLst>
-          </p:cNvPr>
-          <p:cNvSpPr/>
-          <p:nvPr/>
-        </p:nvSpPr>
-        <p:spPr>
-          <a:xfrm>
-            <a:off x="7130265" y="2167847"/>
-            <a:ext cx="4393398" cy="3359650"/>
-          </a:xfrm>
-          <a:prstGeom prst="rect">
-            <a:avLst/>
-          </a:prstGeom>
-          <a:solidFill>
-            <a:schemeClr val="accent3"/>
-          </a:solidFill>
-          <a:ln w="38100">
-            <a:solidFill>
-              <a:schemeClr val="accent3"/>
-            </a:solidFill>
-          </a:ln>
-        </p:spPr>
-        <p:style>
-          <a:lnRef idx="2">
-            <a:schemeClr val="accent1">
-              <a:shade val="50000"/>
-            </a:schemeClr>
-          </a:lnRef>
-          <a:fillRef idx="1">
-            <a:schemeClr val="accent1"/>
-          </a:fillRef>
-          <a:effectRef idx="0">
-            <a:schemeClr val="accent1"/>
-          </a:effectRef>
-          <a:fontRef idx="minor">
-            <a:schemeClr val="lt1"/>
-          </a:fontRef>
-        </p:style>
-        <p:txBody>
-          <a:bodyPr rtlCol="0" anchor="ctr"/>
-          <a:lstStyle/>
-          <a:p>
-            <a:pPr algn="ctr"/>
-            <a:r>
-              <a:rPr lang="en-AU" sz="3200" dirty="0">
-                <a:solidFill>
-                  <a:schemeClr val="bg2"/>
-                </a:solidFill>
-              </a:rPr>
-              <a:t>Examples of diagnostic plots here – probably scatterplots and generic </a:t>
-            </a:r>
-            <a:r>
-              <a:rPr lang="en-AU" sz="3200" dirty="0" err="1">
-                <a:solidFill>
-                  <a:schemeClr val="bg2"/>
-                </a:solidFill>
-              </a:rPr>
-              <a:t>lm</a:t>
-            </a:r>
-            <a:r>
-              <a:rPr lang="en-AU" sz="3200" dirty="0">
-                <a:solidFill>
-                  <a:schemeClr val="bg2"/>
-                </a:solidFill>
-              </a:rPr>
-              <a:t>() plots</a:t>
-            </a:r>
-          </a:p>
-        </p:txBody>
-      </p:sp>
-    </p:spTree>
-    <p:extLst>
-      <p:ext uri="{BB962C8B-B14F-4D97-AF65-F5344CB8AC3E}">
-        <p14:creationId xmlns:p14="http://schemas.microsoft.com/office/powerpoint/2010/main" val="4167301252"/>
-      </p:ext>
-    </p:extLst>
-  </p:cSld>
-  <p:clrMapOvr>
-    <a:masterClrMapping/>
-  </p:clrMapOvr>
-</p:sld>
-</file>
-
-<file path=ppt/slides/slide7.xml><?xml version="1.0" encoding="utf-8"?>
-<p:sld xmlns:a="http://schemas.openxmlformats.org/drawingml/2006/main" xmlns:r="http://schemas.openxmlformats.org/officeDocument/2006/relationships" xmlns:p="http://schemas.openxmlformats.org/presentationml/2006/main">
-  <p:cSld>
-    <p:spTree>
-      <p:nvGrpSpPr>
-        <p:cNvPr id="1" name=""/>
-        <p:cNvGrpSpPr/>
-        <p:nvPr/>
-      </p:nvGrpSpPr>
-      <p:grpSpPr>
-        <a:xfrm>
-          <a:off x="0" y="0"/>
-          <a:ext cx="0" cy="0"/>
-          <a:chOff x="0" y="0"/>
-          <a:chExt cx="0" cy="0"/>
-        </a:xfrm>
-      </p:grpSpPr>
-      <p:sp>
-        <p:nvSpPr>
-          <p:cNvPr id="2" name="Text Placeholder 1">
-            <a:extLst>
-              <a:ext uri="{FF2B5EF4-FFF2-40B4-BE49-F238E27FC236}">
-                <a16:creationId xmlns:a16="http://schemas.microsoft.com/office/drawing/2014/main" id="{471E6085-69E4-4679-A59D-55074928235B}"/>
-              </a:ext>
-            </a:extLst>
-          </p:cNvPr>
-          <p:cNvSpPr>
-            <a:spLocks noGrp="1"/>
-          </p:cNvSpPr>
-          <p:nvPr>
-            <p:ph type="body" sz="quarter" idx="18"/>
-          </p:nvPr>
-        </p:nvSpPr>
-        <p:spPr/>
-        <p:txBody>
-          <a:bodyPr/>
-          <a:lstStyle/>
-          <a:p>
-            <a:r>
-              <a:rPr lang="en-AU" dirty="0"/>
-              <a:t>A selection of core gameplay metrics were able to predict the number of goals scored by individual teams in games</a:t>
-            </a:r>
-          </a:p>
-        </p:txBody>
-      </p:sp>
-      <p:sp>
-        <p:nvSpPr>
-          <p:cNvPr id="3" name="Content Placeholder 2">
-            <a:extLst>
-              <a:ext uri="{FF2B5EF4-FFF2-40B4-BE49-F238E27FC236}">
-                <a16:creationId xmlns:a16="http://schemas.microsoft.com/office/drawing/2014/main" id="{A0CE3313-FE70-42F2-A04A-6524CBAE33F4}"/>
-              </a:ext>
-            </a:extLst>
-          </p:cNvPr>
-          <p:cNvSpPr>
-            <a:spLocks noGrp="1"/>
-          </p:cNvSpPr>
-          <p:nvPr>
-            <p:ph sz="quarter" idx="23"/>
-          </p:nvPr>
-        </p:nvSpPr>
-        <p:spPr/>
-        <p:txBody>
-          <a:bodyPr/>
-          <a:lstStyle/>
-          <a:p>
-            <a:endParaRPr lang="en-AU"/>
-          </a:p>
-        </p:txBody>
-      </p:sp>
-      <p:sp>
-        <p:nvSpPr>
-          <p:cNvPr id="5" name="Rectangle 4">
-            <a:extLst>
-              <a:ext uri="{FF2B5EF4-FFF2-40B4-BE49-F238E27FC236}">
-                <a16:creationId xmlns:a16="http://schemas.microsoft.com/office/drawing/2014/main" id="{5977D527-26C8-444C-89A2-C04A94872C6E}"/>
-              </a:ext>
-            </a:extLst>
-          </p:cNvPr>
-          <p:cNvSpPr/>
-          <p:nvPr/>
-        </p:nvSpPr>
-        <p:spPr>
-          <a:xfrm>
-            <a:off x="7130265" y="2167847"/>
-            <a:ext cx="4393398" cy="3359650"/>
-          </a:xfrm>
-          <a:prstGeom prst="rect">
-            <a:avLst/>
-          </a:prstGeom>
-          <a:solidFill>
-            <a:schemeClr val="accent3"/>
-          </a:solidFill>
-          <a:ln w="38100">
-            <a:solidFill>
-              <a:schemeClr val="accent3"/>
-            </a:solidFill>
-          </a:ln>
-        </p:spPr>
-        <p:style>
-          <a:lnRef idx="2">
-            <a:schemeClr val="accent1">
-              <a:shade val="50000"/>
-            </a:schemeClr>
-          </a:lnRef>
-          <a:fillRef idx="1">
-            <a:schemeClr val="accent1"/>
-          </a:fillRef>
-          <a:effectRef idx="0">
-            <a:schemeClr val="accent1"/>
-          </a:effectRef>
-          <a:fontRef idx="minor">
-            <a:schemeClr val="lt1"/>
-          </a:fontRef>
-        </p:style>
-        <p:txBody>
-          <a:bodyPr rtlCol="0" anchor="ctr"/>
-          <a:lstStyle/>
-          <a:p>
-            <a:pPr algn="ctr"/>
-            <a:r>
-              <a:rPr lang="en-AU" sz="3200" dirty="0" err="1">
-                <a:solidFill>
-                  <a:schemeClr val="bg2"/>
-                </a:solidFill>
-              </a:rPr>
-              <a:t>sjPlot</a:t>
-            </a:r>
-            <a:r>
-              <a:rPr lang="en-AU" sz="3200" dirty="0">
-                <a:solidFill>
-                  <a:schemeClr val="bg2"/>
-                </a:solidFill>
-              </a:rPr>
-              <a:t> model summary </a:t>
-            </a:r>
-            <a:r>
-              <a:rPr lang="en-AU" sz="3200" dirty="0" err="1">
-                <a:solidFill>
-                  <a:schemeClr val="bg2"/>
-                </a:solidFill>
-              </a:rPr>
-              <a:t>plot_model</a:t>
-            </a:r>
-            <a:r>
-              <a:rPr lang="en-AU" sz="3200" dirty="0">
-                <a:solidFill>
-                  <a:schemeClr val="bg2"/>
-                </a:solidFill>
-              </a:rPr>
-              <a:t>() or </a:t>
-            </a:r>
-            <a:r>
-              <a:rPr lang="en-AU" sz="3200" dirty="0" err="1">
-                <a:solidFill>
-                  <a:schemeClr val="bg2"/>
-                </a:solidFill>
-              </a:rPr>
-              <a:t>tab_model</a:t>
-            </a:r>
-            <a:r>
-              <a:rPr lang="en-AU" sz="3200" dirty="0">
-                <a:solidFill>
-                  <a:schemeClr val="bg2"/>
-                </a:solidFill>
-              </a:rPr>
-              <a:t>() here</a:t>
-            </a:r>
-          </a:p>
-        </p:txBody>
-      </p:sp>
-    </p:spTree>
-    <p:extLst>
-      <p:ext uri="{BB962C8B-B14F-4D97-AF65-F5344CB8AC3E}">
-        <p14:creationId xmlns:p14="http://schemas.microsoft.com/office/powerpoint/2010/main" val="215798615"/>
-      </p:ext>
-    </p:extLst>
-  </p:cSld>
-  <p:clrMapOvr>
-    <a:masterClrMapping/>
-  </p:clrMapOvr>
-</p:sld>
-</file>
-
-<file path=ppt/slides/slide8.xml><?xml version="1.0" encoding="utf-8"?>
-<p:sld xmlns:a="http://schemas.openxmlformats.org/drawingml/2006/main" xmlns:r="http://schemas.openxmlformats.org/officeDocument/2006/relationships" xmlns:p="http://schemas.openxmlformats.org/presentationml/2006/main">
-  <p:cSld>
-    <p:spTree>
-      <p:nvGrpSpPr>
-        <p:cNvPr id="1" name=""/>
-        <p:cNvGrpSpPr/>
-        <p:nvPr/>
-      </p:nvGrpSpPr>
-      <p:grpSpPr>
-        <a:xfrm>
-          <a:off x="0" y="0"/>
-          <a:ext cx="0" cy="0"/>
-          <a:chOff x="0" y="0"/>
-          <a:chExt cx="0" cy="0"/>
-        </a:xfrm>
-      </p:grpSpPr>
-      <p:sp>
-        <p:nvSpPr>
-          <p:cNvPr id="2" name="Text Placeholder 1">
-            <a:extLst>
-              <a:ext uri="{FF2B5EF4-FFF2-40B4-BE49-F238E27FC236}">
-                <a16:creationId xmlns:a16="http://schemas.microsoft.com/office/drawing/2014/main" id="{70DD1B99-2A5C-47E9-9C4B-E8C8C3AEFE90}"/>
-              </a:ext>
-            </a:extLst>
-          </p:cNvPr>
-          <p:cNvSpPr>
-            <a:spLocks noGrp="1"/>
-          </p:cNvSpPr>
-          <p:nvPr>
-            <p:ph type="body" sz="quarter" idx="18"/>
-          </p:nvPr>
-        </p:nvSpPr>
-        <p:spPr/>
-        <p:txBody>
-          <a:bodyPr/>
-          <a:lstStyle/>
-          <a:p>
-            <a:r>
-              <a:rPr lang="en-AU" dirty="0"/>
-              <a:t>A number of limitations and potential methods to address them have been identified</a:t>
-            </a:r>
-          </a:p>
-        </p:txBody>
-      </p:sp>
-      <p:sp>
-        <p:nvSpPr>
-          <p:cNvPr id="3" name="Content Placeholder 2">
-            <a:extLst>
-              <a:ext uri="{FF2B5EF4-FFF2-40B4-BE49-F238E27FC236}">
-                <a16:creationId xmlns:a16="http://schemas.microsoft.com/office/drawing/2014/main" id="{0B1ED671-8045-4E49-9F75-60D20D51E36A}"/>
-              </a:ext>
-            </a:extLst>
-          </p:cNvPr>
-          <p:cNvSpPr>
-            <a:spLocks noGrp="1"/>
-          </p:cNvSpPr>
-          <p:nvPr>
-            <p:ph sz="quarter" idx="23"/>
-          </p:nvPr>
-        </p:nvSpPr>
-        <p:spPr/>
-        <p:txBody>
-          <a:bodyPr/>
-          <a:lstStyle/>
-          <a:p>
-            <a:pPr marL="342900" indent="-342900">
-              <a:buFont typeface="Arial" panose="020B0604020202020204" pitchFamily="34" charset="0"/>
-              <a:buChar char="•"/>
-            </a:pPr>
-            <a:r>
-              <a:rPr lang="en-AU" b="1" dirty="0"/>
-              <a:t>Not all variables in the available datasets were explored</a:t>
-            </a:r>
-          </a:p>
-          <a:p>
-            <a:pPr marL="1062900" lvl="2" indent="-342900"/>
-            <a:r>
-              <a:rPr lang="en-AU" dirty="0"/>
-              <a:t>X</a:t>
-            </a:r>
-          </a:p>
-          <a:p>
-            <a:pPr marL="342900" indent="-342900">
-              <a:buFont typeface="Arial" panose="020B0604020202020204" pitchFamily="34" charset="0"/>
-              <a:buChar char="•"/>
-            </a:pPr>
-            <a:r>
-              <a:rPr lang="en-AU" b="1" dirty="0"/>
-              <a:t>Small deviations in residuals were noted, but modelling of quadratic terms did not fix it</a:t>
-            </a:r>
-          </a:p>
-          <a:p>
-            <a:pPr marL="1062900" lvl="2" indent="-342900"/>
-            <a:r>
-              <a:rPr lang="en-AU" dirty="0"/>
-              <a:t>X</a:t>
-            </a:r>
-          </a:p>
-          <a:p>
-            <a:pPr marL="342900" indent="-342900">
-              <a:buFont typeface="Arial" panose="020B0604020202020204" pitchFamily="34" charset="0"/>
-              <a:buChar char="•"/>
-            </a:pPr>
-            <a:r>
-              <a:rPr lang="en-AU" b="1" dirty="0"/>
-              <a:t>It remains unclear whether an ordinary least squares regression approach is optimal</a:t>
-            </a:r>
-          </a:p>
-          <a:p>
-            <a:pPr marL="1062900" lvl="2" indent="-342900"/>
-            <a:r>
-              <a:rPr lang="en-AU" dirty="0"/>
-              <a:t>A cursory follow-up analysis using a Generalised Additive Model* yielded a superior model fit (R-squared) at an almost negligible cost to AIC</a:t>
-            </a:r>
-          </a:p>
-          <a:p>
-            <a:pPr marL="342900" indent="-342900">
-              <a:buFont typeface="Arial" panose="020B0604020202020204" pitchFamily="34" charset="0"/>
-              <a:buChar char="•"/>
-            </a:pPr>
-            <a:r>
-              <a:rPr lang="en-AU" b="1" dirty="0"/>
-              <a:t>There may be differential relationships for each team or for home and away teams</a:t>
-            </a:r>
-          </a:p>
-          <a:p>
-            <a:pPr marL="1062900" lvl="2" indent="-342900"/>
-            <a:r>
-              <a:rPr lang="en-AU" dirty="0"/>
-              <a:t>Exploring interactions at the team level may reveal different gameplay aspects unique to their playstyle. This may impact the relationship to goals scored</a:t>
-            </a:r>
-          </a:p>
-          <a:p>
-            <a:pPr marL="1062900" lvl="2" indent="-342900"/>
-            <a:r>
-              <a:rPr lang="en-AU" dirty="0"/>
-              <a:t>Exploring interactions for home versus away teams may reveal differences in expected goals scored. This may have follow-on implications for win probability</a:t>
-            </a:r>
-          </a:p>
-        </p:txBody>
-      </p:sp>
-      <p:sp>
-        <p:nvSpPr>
-          <p:cNvPr id="5" name="Text Placeholder 3">
-            <a:extLst>
-              <a:ext uri="{FF2B5EF4-FFF2-40B4-BE49-F238E27FC236}">
-                <a16:creationId xmlns:a16="http://schemas.microsoft.com/office/drawing/2014/main" id="{8B8E8803-0790-42A3-AB18-AABC23EBFFD8}"/>
-              </a:ext>
-            </a:extLst>
-          </p:cNvPr>
-          <p:cNvSpPr>
-            <a:spLocks noGrp="1"/>
-          </p:cNvSpPr>
-          <p:nvPr>
-            <p:ph type="body" sz="quarter" idx="19"/>
-          </p:nvPr>
-        </p:nvSpPr>
-        <p:spPr>
-          <a:xfrm>
-            <a:off x="666750" y="6322403"/>
-            <a:ext cx="10841038" cy="428142"/>
-          </a:xfrm>
-        </p:spPr>
-        <p:txBody>
-          <a:bodyPr/>
-          <a:lstStyle/>
-          <a:p>
-            <a:r>
-              <a:rPr lang="en-AU" sz="1800" dirty="0"/>
-              <a:t>* A GAM is a model that fits a number of smooth basis functions for each covariate and connects them using splines.</a:t>
-            </a:r>
-          </a:p>
-        </p:txBody>
-      </p:sp>
-    </p:spTree>
-    <p:extLst>
-      <p:ext uri="{BB962C8B-B14F-4D97-AF65-F5344CB8AC3E}">
-        <p14:creationId xmlns:p14="http://schemas.microsoft.com/office/powerpoint/2010/main" val="684902389"/>
-      </p:ext>
-    </p:extLst>
-  </p:cSld>
-  <p:clrMapOvr>
-    <a:masterClrMapping/>
-  </p:clrMapOvr>
-</p:sld>
-</file>
-
-<file path=ppt/slides/slide9.xml><?xml version="1.0" encoding="utf-8"?>
+<file path=ppt/slides/slide10.xml><?xml version="1.0" encoding="utf-8"?>
 <p:sld xmlns:a="http://schemas.openxmlformats.org/drawingml/2006/main" xmlns:r="http://schemas.openxmlformats.org/officeDocument/2006/relationships" xmlns:p="http://schemas.openxmlformats.org/presentationml/2006/main">
   <p:cSld>
     <p:spTree>
@@ -26488,6 +25343,1989 @@
     <p:extLst>
       <p:ext uri="{BB962C8B-B14F-4D97-AF65-F5344CB8AC3E}">
         <p14:creationId xmlns:p14="http://schemas.microsoft.com/office/powerpoint/2010/main" val="2976003741"/>
+      </p:ext>
+    </p:extLst>
+  </p:cSld>
+  <p:clrMapOvr>
+    <a:masterClrMapping/>
+  </p:clrMapOvr>
+</p:sld>
+</file>
+
+<file path=ppt/slides/slide2.xml><?xml version="1.0" encoding="utf-8"?>
+<p:sld xmlns:a="http://schemas.openxmlformats.org/drawingml/2006/main" xmlns:r="http://schemas.openxmlformats.org/officeDocument/2006/relationships" xmlns:p="http://schemas.openxmlformats.org/presentationml/2006/main">
+  <p:cSld>
+    <p:spTree>
+      <p:nvGrpSpPr>
+        <p:cNvPr id="1" name=""/>
+        <p:cNvGrpSpPr/>
+        <p:nvPr/>
+      </p:nvGrpSpPr>
+      <p:grpSpPr>
+        <a:xfrm>
+          <a:off x="0" y="0"/>
+          <a:ext cx="0" cy="0"/>
+          <a:chOff x="0" y="0"/>
+          <a:chExt cx="0" cy="0"/>
+        </a:xfrm>
+      </p:grpSpPr>
+      <p:sp>
+        <p:nvSpPr>
+          <p:cNvPr id="11" name="Text Placeholder 10">
+            <a:extLst>
+              <a:ext uri="{FF2B5EF4-FFF2-40B4-BE49-F238E27FC236}">
+                <a16:creationId xmlns:a16="http://schemas.microsoft.com/office/drawing/2014/main" id="{FC155B43-2E62-4C39-91C9-3732A8F94EFA}"/>
+              </a:ext>
+            </a:extLst>
+          </p:cNvPr>
+          <p:cNvSpPr>
+            <a:spLocks noGrp="1"/>
+          </p:cNvSpPr>
+          <p:nvPr>
+            <p:ph type="body" sz="quarter" idx="18"/>
+          </p:nvPr>
+        </p:nvSpPr>
+        <p:spPr/>
+        <p:txBody>
+          <a:bodyPr/>
+          <a:lstStyle/>
+          <a:p>
+            <a:r>
+              <a:rPr lang="en-AU" dirty="0"/>
+              <a:t>Agenda</a:t>
+            </a:r>
+          </a:p>
+        </p:txBody>
+      </p:sp>
+      <p:sp>
+        <p:nvSpPr>
+          <p:cNvPr id="3" name="Text Placeholder 2"/>
+          <p:cNvSpPr>
+            <a:spLocks noGrp="1"/>
+          </p:cNvSpPr>
+          <p:nvPr>
+            <p:ph sz="quarter" idx="23"/>
+          </p:nvPr>
+        </p:nvSpPr>
+        <p:spPr>
+          <a:xfrm>
+            <a:off x="666750" y="1774062"/>
+            <a:ext cx="10817943" cy="3858642"/>
+          </a:xfrm>
+        </p:spPr>
+        <p:txBody>
+          <a:bodyPr/>
+          <a:lstStyle/>
+          <a:p>
+            <a:pPr marL="514350" indent="-514350">
+              <a:lnSpc>
+                <a:spcPct val="150000"/>
+              </a:lnSpc>
+              <a:buFont typeface="+mj-lt"/>
+              <a:buAutoNum type="arabicPeriod"/>
+            </a:pPr>
+            <a:r>
+              <a:rPr lang="en-AU" dirty="0"/>
+              <a:t>Premise of and motivation for the current analysis</a:t>
+            </a:r>
+          </a:p>
+          <a:p>
+            <a:pPr marL="514350" indent="-514350">
+              <a:lnSpc>
+                <a:spcPct val="150000"/>
+              </a:lnSpc>
+              <a:buFont typeface="+mj-lt"/>
+              <a:buAutoNum type="arabicPeriod"/>
+            </a:pPr>
+            <a:r>
+              <a:rPr lang="en-AU" dirty="0"/>
+              <a:t>Available data and reputability of sources</a:t>
+            </a:r>
+          </a:p>
+          <a:p>
+            <a:pPr marL="514350" indent="-514350">
+              <a:lnSpc>
+                <a:spcPct val="150000"/>
+              </a:lnSpc>
+              <a:buFont typeface="+mj-lt"/>
+              <a:buAutoNum type="arabicPeriod"/>
+            </a:pPr>
+            <a:r>
+              <a:rPr lang="en-AU" dirty="0"/>
+              <a:t>Analytical approach and appropriateness of linear modelling assumptions</a:t>
+            </a:r>
+          </a:p>
+          <a:p>
+            <a:pPr marL="514350" indent="-514350">
+              <a:lnSpc>
+                <a:spcPct val="150000"/>
+              </a:lnSpc>
+              <a:buFont typeface="+mj-lt"/>
+              <a:buAutoNum type="arabicPeriod"/>
+            </a:pPr>
+            <a:r>
+              <a:rPr lang="en-AU" dirty="0"/>
+              <a:t>Results and implications for AFL teams</a:t>
+            </a:r>
+          </a:p>
+          <a:p>
+            <a:pPr marL="514350" indent="-514350">
+              <a:lnSpc>
+                <a:spcPct val="150000"/>
+              </a:lnSpc>
+              <a:buFont typeface="+mj-lt"/>
+              <a:buAutoNum type="arabicPeriod"/>
+            </a:pPr>
+            <a:r>
+              <a:rPr lang="en-AU" dirty="0"/>
+              <a:t>Limitations and recommendations for future analysis</a:t>
+            </a:r>
+          </a:p>
+        </p:txBody>
+      </p:sp>
+    </p:spTree>
+    <p:extLst>
+      <p:ext uri="{BB962C8B-B14F-4D97-AF65-F5344CB8AC3E}">
+        <p14:creationId xmlns:p14="http://schemas.microsoft.com/office/powerpoint/2010/main" val="1058770679"/>
+      </p:ext>
+    </p:extLst>
+  </p:cSld>
+  <p:clrMapOvr>
+    <a:masterClrMapping/>
+  </p:clrMapOvr>
+</p:sld>
+</file>
+
+<file path=ppt/slides/slide3.xml><?xml version="1.0" encoding="utf-8"?>
+<p:sld xmlns:a="http://schemas.openxmlformats.org/drawingml/2006/main" xmlns:r="http://schemas.openxmlformats.org/officeDocument/2006/relationships" xmlns:p="http://schemas.openxmlformats.org/presentationml/2006/main">
+  <p:cSld>
+    <p:spTree>
+      <p:nvGrpSpPr>
+        <p:cNvPr id="1" name=""/>
+        <p:cNvGrpSpPr/>
+        <p:nvPr/>
+      </p:nvGrpSpPr>
+      <p:grpSpPr>
+        <a:xfrm>
+          <a:off x="0" y="0"/>
+          <a:ext cx="0" cy="0"/>
+          <a:chOff x="0" y="0"/>
+          <a:chExt cx="0" cy="0"/>
+        </a:xfrm>
+      </p:grpSpPr>
+      <p:sp>
+        <p:nvSpPr>
+          <p:cNvPr id="2" name="Text Placeholder 1">
+            <a:extLst>
+              <a:ext uri="{FF2B5EF4-FFF2-40B4-BE49-F238E27FC236}">
+                <a16:creationId xmlns:a16="http://schemas.microsoft.com/office/drawing/2014/main" id="{E0E668BC-F59B-40D9-9CA6-2EB68A0B5750}"/>
+              </a:ext>
+            </a:extLst>
+          </p:cNvPr>
+          <p:cNvSpPr>
+            <a:spLocks noGrp="1"/>
+          </p:cNvSpPr>
+          <p:nvPr>
+            <p:ph type="body" sz="quarter" idx="18"/>
+          </p:nvPr>
+        </p:nvSpPr>
+        <p:spPr/>
+        <p:txBody>
+          <a:bodyPr/>
+          <a:lstStyle/>
+          <a:p>
+            <a:r>
+              <a:rPr lang="en-AU" dirty="0"/>
+              <a:t>Scoring goals is critical to winning AFL games – can linear modelling help to understand what is associated with it?</a:t>
+            </a:r>
+          </a:p>
+        </p:txBody>
+      </p:sp>
+      <p:sp>
+        <p:nvSpPr>
+          <p:cNvPr id="3" name="Content Placeholder 2">
+            <a:extLst>
+              <a:ext uri="{FF2B5EF4-FFF2-40B4-BE49-F238E27FC236}">
+                <a16:creationId xmlns:a16="http://schemas.microsoft.com/office/drawing/2014/main" id="{4E0DD037-ED95-496C-BCCB-30A03060B614}"/>
+              </a:ext>
+            </a:extLst>
+          </p:cNvPr>
+          <p:cNvSpPr>
+            <a:spLocks noGrp="1"/>
+          </p:cNvSpPr>
+          <p:nvPr>
+            <p:ph sz="quarter" idx="23"/>
+          </p:nvPr>
+        </p:nvSpPr>
+        <p:spPr>
+          <a:xfrm>
+            <a:off x="666750" y="1774062"/>
+            <a:ext cx="5292261" cy="3858642"/>
+          </a:xfrm>
+        </p:spPr>
+        <p:txBody>
+          <a:bodyPr/>
+          <a:lstStyle/>
+          <a:p>
+            <a:pPr marL="342900" indent="-342900">
+              <a:buFont typeface="Arial" panose="020B0604020202020204" pitchFamily="34" charset="0"/>
+              <a:buChar char="•"/>
+            </a:pPr>
+            <a:r>
+              <a:rPr lang="en-AU" dirty="0"/>
+              <a:t>In AFL, teams can score points by either kicking a </a:t>
+            </a:r>
+            <a:r>
+              <a:rPr lang="en-AU" i="1" dirty="0"/>
+              <a:t>goal</a:t>
+            </a:r>
+            <a:r>
+              <a:rPr lang="en-AU" dirty="0"/>
+              <a:t> (6 points) or a </a:t>
+            </a:r>
+            <a:r>
+              <a:rPr lang="en-AU" i="1" dirty="0"/>
+              <a:t>behind</a:t>
+            </a:r>
+            <a:r>
+              <a:rPr lang="en-AU" dirty="0"/>
+              <a:t> (1 point)</a:t>
+            </a:r>
+          </a:p>
+          <a:p>
+            <a:pPr marL="342900" indent="-342900">
+              <a:buFont typeface="Arial" panose="020B0604020202020204" pitchFamily="34" charset="0"/>
+              <a:buChar char="•"/>
+            </a:pPr>
+            <a:r>
+              <a:rPr lang="en-AU" dirty="0"/>
+              <a:t>It is intuitive that kicking more goals </a:t>
+            </a:r>
+            <a:r>
+              <a:rPr lang="en-AU" i="1" dirty="0"/>
+              <a:t>should</a:t>
+            </a:r>
+            <a:r>
+              <a:rPr lang="en-AU" dirty="0"/>
+              <a:t> lead to a higher likelihood of winning the game</a:t>
+            </a:r>
+          </a:p>
+          <a:p>
+            <a:pPr marL="342900" indent="-342900">
+              <a:buFont typeface="Arial" panose="020B0604020202020204" pitchFamily="34" charset="0"/>
+              <a:buChar char="•"/>
+            </a:pPr>
+            <a:r>
+              <a:rPr lang="en-AU" dirty="0"/>
+              <a:t>But simply getting a team to kick more goals is not feasible</a:t>
+            </a:r>
+          </a:p>
+          <a:p>
+            <a:pPr marL="1062900" lvl="2" indent="-342900"/>
+            <a:r>
+              <a:rPr lang="en-AU" dirty="0"/>
+              <a:t>Can we quantitatively explore what other aspects of gameplay are associated with goal scoring?</a:t>
+            </a:r>
+          </a:p>
+        </p:txBody>
+      </p:sp>
+      <p:pic>
+        <p:nvPicPr>
+          <p:cNvPr id="6" name="Picture 5">
+            <a:extLst>
+              <a:ext uri="{FF2B5EF4-FFF2-40B4-BE49-F238E27FC236}">
+                <a16:creationId xmlns:a16="http://schemas.microsoft.com/office/drawing/2014/main" id="{ECB77BA1-E9D0-0448-B912-B95A946ED3B0}"/>
+              </a:ext>
+            </a:extLst>
+          </p:cNvPr>
+          <p:cNvPicPr>
+            <a:picLocks noChangeAspect="1"/>
+          </p:cNvPicPr>
+          <p:nvPr/>
+        </p:nvPicPr>
+        <p:blipFill>
+          <a:blip r:embed="rId2">
+            <a:extLst>
+              <a:ext uri="{28A0092B-C50C-407E-A947-70E740481C1C}">
+                <a14:useLocalDpi xmlns:a14="http://schemas.microsoft.com/office/drawing/2010/main" val="0"/>
+              </a:ext>
+            </a:extLst>
+          </a:blip>
+          <a:stretch>
+            <a:fillRect/>
+          </a:stretch>
+        </p:blipFill>
+        <p:spPr>
+          <a:xfrm>
+            <a:off x="6095206" y="1774061"/>
+            <a:ext cx="5557325" cy="4351610"/>
+          </a:xfrm>
+          <a:prstGeom prst="rect">
+            <a:avLst/>
+          </a:prstGeom>
+        </p:spPr>
+      </p:pic>
+    </p:spTree>
+    <p:extLst>
+      <p:ext uri="{BB962C8B-B14F-4D97-AF65-F5344CB8AC3E}">
+        <p14:creationId xmlns:p14="http://schemas.microsoft.com/office/powerpoint/2010/main" val="2198686488"/>
+      </p:ext>
+    </p:extLst>
+  </p:cSld>
+  <p:clrMapOvr>
+    <a:masterClrMapping/>
+  </p:clrMapOvr>
+</p:sld>
+</file>
+
+<file path=ppt/slides/slide4.xml><?xml version="1.0" encoding="utf-8"?>
+<p:sld xmlns:a="http://schemas.openxmlformats.org/drawingml/2006/main" xmlns:r="http://schemas.openxmlformats.org/officeDocument/2006/relationships" xmlns:p="http://schemas.openxmlformats.org/presentationml/2006/main">
+  <p:cSld>
+    <p:spTree>
+      <p:nvGrpSpPr>
+        <p:cNvPr id="1" name=""/>
+        <p:cNvGrpSpPr/>
+        <p:nvPr/>
+      </p:nvGrpSpPr>
+      <p:grpSpPr>
+        <a:xfrm>
+          <a:off x="0" y="0"/>
+          <a:ext cx="0" cy="0"/>
+          <a:chOff x="0" y="0"/>
+          <a:chExt cx="0" cy="0"/>
+        </a:xfrm>
+      </p:grpSpPr>
+      <p:sp>
+        <p:nvSpPr>
+          <p:cNvPr id="6" name="Content Placeholder 5">
+            <a:extLst>
+              <a:ext uri="{FF2B5EF4-FFF2-40B4-BE49-F238E27FC236}">
+                <a16:creationId xmlns:a16="http://schemas.microsoft.com/office/drawing/2014/main" id="{0FABC681-D9DE-47C7-99D0-EA26A3F55B2D}"/>
+              </a:ext>
+            </a:extLst>
+          </p:cNvPr>
+          <p:cNvSpPr>
+            <a:spLocks noGrp="1"/>
+          </p:cNvSpPr>
+          <p:nvPr>
+            <p:ph sz="quarter" idx="20"/>
+          </p:nvPr>
+        </p:nvSpPr>
+        <p:spPr/>
+        <p:txBody>
+          <a:bodyPr/>
+          <a:lstStyle/>
+          <a:p>
+            <a:r>
+              <a:rPr lang="en-AU" dirty="0">
+                <a:latin typeface="Segoe UI Semibold" panose="020B0702040204020203" pitchFamily="34" charset="0"/>
+                <a:cs typeface="Segoe UI Semibold" panose="020B0702040204020203" pitchFamily="34" charset="0"/>
+              </a:rPr>
+              <a:t>Variables</a:t>
+            </a:r>
+          </a:p>
+        </p:txBody>
+      </p:sp>
+      <p:sp>
+        <p:nvSpPr>
+          <p:cNvPr id="7" name="Content Placeholder 6">
+            <a:extLst>
+              <a:ext uri="{FF2B5EF4-FFF2-40B4-BE49-F238E27FC236}">
+                <a16:creationId xmlns:a16="http://schemas.microsoft.com/office/drawing/2014/main" id="{F6963A97-9FDA-49AE-A84F-7D50DCF8CB4D}"/>
+              </a:ext>
+            </a:extLst>
+          </p:cNvPr>
+          <p:cNvSpPr>
+            <a:spLocks noGrp="1"/>
+          </p:cNvSpPr>
+          <p:nvPr>
+            <p:ph sz="quarter" idx="21"/>
+          </p:nvPr>
+        </p:nvSpPr>
+        <p:spPr/>
+        <p:txBody>
+          <a:bodyPr/>
+          <a:lstStyle/>
+          <a:p>
+            <a:r>
+              <a:rPr lang="en-AU" dirty="0">
+                <a:latin typeface="Segoe UI Semibold" panose="020B0702040204020203" pitchFamily="34" charset="0"/>
+                <a:cs typeface="Segoe UI Semibold" panose="020B0702040204020203" pitchFamily="34" charset="0"/>
+              </a:rPr>
+              <a:t>Data Sources</a:t>
+            </a:r>
+          </a:p>
+        </p:txBody>
+      </p:sp>
+      <p:sp>
+        <p:nvSpPr>
+          <p:cNvPr id="2" name="Text Placeholder 1">
+            <a:extLst>
+              <a:ext uri="{FF2B5EF4-FFF2-40B4-BE49-F238E27FC236}">
+                <a16:creationId xmlns:a16="http://schemas.microsoft.com/office/drawing/2014/main" id="{E0E668BC-F59B-40D9-9CA6-2EB68A0B5750}"/>
+              </a:ext>
+            </a:extLst>
+          </p:cNvPr>
+          <p:cNvSpPr>
+            <a:spLocks noGrp="1"/>
+          </p:cNvSpPr>
+          <p:nvPr>
+            <p:ph type="body" sz="quarter" idx="18"/>
+          </p:nvPr>
+        </p:nvSpPr>
+        <p:spPr/>
+        <p:txBody>
+          <a:bodyPr/>
+          <a:lstStyle/>
+          <a:p>
+            <a:r>
+              <a:rPr lang="en-AU" dirty="0"/>
+              <a:t>A large amount of historical data is available and previous open-source work has linked multiple reputable sources</a:t>
+            </a:r>
+          </a:p>
+        </p:txBody>
+      </p:sp>
+    </p:spTree>
+    <p:extLst>
+      <p:ext uri="{BB962C8B-B14F-4D97-AF65-F5344CB8AC3E}">
+        <p14:creationId xmlns:p14="http://schemas.microsoft.com/office/powerpoint/2010/main" val="1032320323"/>
+      </p:ext>
+    </p:extLst>
+  </p:cSld>
+  <p:clrMapOvr>
+    <a:masterClrMapping/>
+  </p:clrMapOvr>
+</p:sld>
+</file>
+
+<file path=ppt/slides/slide5.xml><?xml version="1.0" encoding="utf-8"?>
+<p:sld xmlns:a="http://schemas.openxmlformats.org/drawingml/2006/main" xmlns:r="http://schemas.openxmlformats.org/officeDocument/2006/relationships" xmlns:p="http://schemas.openxmlformats.org/presentationml/2006/main">
+  <p:cSld>
+    <p:spTree>
+      <p:nvGrpSpPr>
+        <p:cNvPr id="1" name=""/>
+        <p:cNvGrpSpPr/>
+        <p:nvPr/>
+      </p:nvGrpSpPr>
+      <p:grpSpPr>
+        <a:xfrm>
+          <a:off x="0" y="0"/>
+          <a:ext cx="0" cy="0"/>
+          <a:chOff x="0" y="0"/>
+          <a:chExt cx="0" cy="0"/>
+        </a:xfrm>
+      </p:grpSpPr>
+      <p:sp>
+        <p:nvSpPr>
+          <p:cNvPr id="2" name="Text Placeholder 1">
+            <a:extLst>
+              <a:ext uri="{FF2B5EF4-FFF2-40B4-BE49-F238E27FC236}">
+                <a16:creationId xmlns:a16="http://schemas.microsoft.com/office/drawing/2014/main" id="{D7DB29E5-D548-49F5-B98B-1E8043A71A16}"/>
+              </a:ext>
+            </a:extLst>
+          </p:cNvPr>
+          <p:cNvSpPr>
+            <a:spLocks noGrp="1"/>
+          </p:cNvSpPr>
+          <p:nvPr>
+            <p:ph type="body" sz="quarter" idx="18"/>
+          </p:nvPr>
+        </p:nvSpPr>
+        <p:spPr/>
+        <p:txBody>
+          <a:bodyPr/>
+          <a:lstStyle/>
+          <a:p>
+            <a:r>
+              <a:rPr lang="en-AU" dirty="0"/>
+              <a:t>A robust and detailed linear modelling approach was used</a:t>
+            </a:r>
+          </a:p>
+        </p:txBody>
+      </p:sp>
+      <p:sp>
+        <p:nvSpPr>
+          <p:cNvPr id="3" name="Content Placeholder 2">
+            <a:extLst>
+              <a:ext uri="{FF2B5EF4-FFF2-40B4-BE49-F238E27FC236}">
+                <a16:creationId xmlns:a16="http://schemas.microsoft.com/office/drawing/2014/main" id="{F2C96EF5-B754-432F-BC8A-5ADF27FDF0F5}"/>
+              </a:ext>
+            </a:extLst>
+          </p:cNvPr>
+          <p:cNvSpPr>
+            <a:spLocks noGrp="1"/>
+          </p:cNvSpPr>
+          <p:nvPr>
+            <p:ph sz="quarter" idx="23"/>
+          </p:nvPr>
+        </p:nvSpPr>
+        <p:spPr>
+          <a:xfrm>
+            <a:off x="666751" y="1774062"/>
+            <a:ext cx="5323981" cy="3858642"/>
+          </a:xfrm>
+        </p:spPr>
+        <p:txBody>
+          <a:bodyPr/>
+          <a:lstStyle/>
+          <a:p>
+            <a:endParaRPr lang="en-AU"/>
+          </a:p>
+        </p:txBody>
+      </p:sp>
+      <p:sp>
+        <p:nvSpPr>
+          <p:cNvPr id="5" name="Rectangle 4">
+            <a:extLst>
+              <a:ext uri="{FF2B5EF4-FFF2-40B4-BE49-F238E27FC236}">
+                <a16:creationId xmlns:a16="http://schemas.microsoft.com/office/drawing/2014/main" id="{DF615AC2-05CE-489E-BA41-596539B000FC}"/>
+              </a:ext>
+            </a:extLst>
+          </p:cNvPr>
+          <p:cNvSpPr/>
+          <p:nvPr/>
+        </p:nvSpPr>
+        <p:spPr>
+          <a:xfrm>
+            <a:off x="6199682" y="2184532"/>
+            <a:ext cx="5323980" cy="437409"/>
+          </a:xfrm>
+          <a:prstGeom prst="rect">
+            <a:avLst/>
+          </a:prstGeom>
+          <a:solidFill>
+            <a:schemeClr val="bg1"/>
+          </a:solidFill>
+          <a:ln w="38100">
+            <a:solidFill>
+              <a:schemeClr val="accent1"/>
+            </a:solidFill>
+          </a:ln>
+        </p:spPr>
+        <p:style>
+          <a:lnRef idx="2">
+            <a:schemeClr val="accent1">
+              <a:shade val="50000"/>
+            </a:schemeClr>
+          </a:lnRef>
+          <a:fillRef idx="1">
+            <a:schemeClr val="accent1"/>
+          </a:fillRef>
+          <a:effectRef idx="0">
+            <a:schemeClr val="accent1"/>
+          </a:effectRef>
+          <a:fontRef idx="minor">
+            <a:schemeClr val="lt1"/>
+          </a:fontRef>
+        </p:style>
+        <p:txBody>
+          <a:bodyPr rtlCol="0" anchor="ctr"/>
+          <a:lstStyle/>
+          <a:p>
+            <a:pPr algn="ctr"/>
+            <a:r>
+              <a:rPr lang="en-AU" sz="1800" dirty="0">
+                <a:solidFill>
+                  <a:schemeClr val="bg2"/>
+                </a:solidFill>
+              </a:rPr>
+              <a:t>Data extraction from API</a:t>
+            </a:r>
+          </a:p>
+        </p:txBody>
+      </p:sp>
+      <p:sp>
+        <p:nvSpPr>
+          <p:cNvPr id="6" name="Content Placeholder 5">
+            <a:extLst>
+              <a:ext uri="{FF2B5EF4-FFF2-40B4-BE49-F238E27FC236}">
+                <a16:creationId xmlns:a16="http://schemas.microsoft.com/office/drawing/2014/main" id="{8C61B274-F30C-A44A-90EC-761E050262D4}"/>
+              </a:ext>
+            </a:extLst>
+          </p:cNvPr>
+          <p:cNvSpPr txBox="1">
+            <a:spLocks/>
+          </p:cNvSpPr>
+          <p:nvPr/>
+        </p:nvSpPr>
+        <p:spPr>
+          <a:xfrm>
+            <a:off x="6199681" y="1774062"/>
+            <a:ext cx="5323981" cy="291312"/>
+          </a:xfrm>
+          <a:prstGeom prst="rect">
+            <a:avLst/>
+          </a:prstGeom>
+        </p:spPr>
+        <p:txBody>
+          <a:bodyPr/>
+          <a:lstStyle>
+            <a:lvl1pPr marL="0" indent="0" algn="l" defTabSz="1039033" rtl="0" eaLnBrk="1" latinLnBrk="0" hangingPunct="1">
+              <a:spcBef>
+                <a:spcPts val="455"/>
+              </a:spcBef>
+              <a:buFont typeface="Arial" pitchFamily="34" charset="0"/>
+              <a:buNone/>
+              <a:defRPr sz="2000" kern="1200" spc="0">
+                <a:solidFill>
+                  <a:schemeClr val="bg2"/>
+                </a:solidFill>
+                <a:latin typeface="Segoe UI" panose="020B0502040204020203" pitchFamily="34" charset="0"/>
+                <a:ea typeface="Segoe UI" panose="020B0502040204020203" pitchFamily="34" charset="0"/>
+                <a:cs typeface="Segoe UI" panose="020B0502040204020203" pitchFamily="34" charset="0"/>
+              </a:defRPr>
+            </a:lvl1pPr>
+            <a:lvl2pPr marL="0" indent="-360000" algn="l" defTabSz="1039033" rtl="0" eaLnBrk="1" latinLnBrk="0" hangingPunct="1">
+              <a:spcBef>
+                <a:spcPts val="455"/>
+              </a:spcBef>
+              <a:buClr>
+                <a:schemeClr val="bg2"/>
+              </a:buClr>
+              <a:buFont typeface="Arial" pitchFamily="34" charset="0"/>
+              <a:buChar char="•"/>
+              <a:defRPr sz="2000" kern="1200" spc="0">
+                <a:solidFill>
+                  <a:schemeClr val="bg2"/>
+                </a:solidFill>
+                <a:latin typeface="Segoe UI" panose="020B0502040204020203" pitchFamily="34" charset="0"/>
+                <a:ea typeface="Segoe UI" panose="020B0502040204020203" pitchFamily="34" charset="0"/>
+                <a:cs typeface="Segoe UI" panose="020B0502040204020203" pitchFamily="34" charset="0"/>
+              </a:defRPr>
+            </a:lvl2pPr>
+            <a:lvl3pPr marL="720000" indent="-360000" algn="l" defTabSz="1039033" rtl="0" eaLnBrk="1" latinLnBrk="0" hangingPunct="1">
+              <a:spcBef>
+                <a:spcPts val="455"/>
+              </a:spcBef>
+              <a:buClr>
+                <a:schemeClr val="bg2"/>
+              </a:buClr>
+              <a:buFont typeface="Segoe UI" panose="020B0502040204020203" pitchFamily="34" charset="0"/>
+              <a:buChar char="–"/>
+              <a:defRPr sz="2000" kern="1200" spc="0">
+                <a:solidFill>
+                  <a:schemeClr val="bg2"/>
+                </a:solidFill>
+                <a:latin typeface="Segoe UI" panose="020B0502040204020203" pitchFamily="34" charset="0"/>
+                <a:ea typeface="Segoe UI" panose="020B0502040204020203" pitchFamily="34" charset="0"/>
+                <a:cs typeface="Segoe UI" panose="020B0502040204020203" pitchFamily="34" charset="0"/>
+              </a:defRPr>
+            </a:lvl3pPr>
+            <a:lvl4pPr marL="1080000" indent="-360000" algn="l" defTabSz="1039033" rtl="0" eaLnBrk="1" latinLnBrk="0" hangingPunct="1">
+              <a:spcBef>
+                <a:spcPts val="455"/>
+              </a:spcBef>
+              <a:buClr>
+                <a:schemeClr val="bg2"/>
+              </a:buClr>
+              <a:buFont typeface="Arial" pitchFamily="34" charset="0"/>
+              <a:buChar char="•"/>
+              <a:defRPr sz="2000" kern="1200" spc="0">
+                <a:solidFill>
+                  <a:schemeClr val="bg2"/>
+                </a:solidFill>
+                <a:latin typeface="Segoe UI" panose="020B0502040204020203" pitchFamily="34" charset="0"/>
+                <a:ea typeface="Segoe UI" panose="020B0502040204020203" pitchFamily="34" charset="0"/>
+                <a:cs typeface="Segoe UI" panose="020B0502040204020203" pitchFamily="34" charset="0"/>
+              </a:defRPr>
+            </a:lvl4pPr>
+            <a:lvl5pPr marL="1440000" indent="-360000" algn="l" defTabSz="1039033" rtl="0" eaLnBrk="1" latinLnBrk="0" hangingPunct="1">
+              <a:spcBef>
+                <a:spcPts val="455"/>
+              </a:spcBef>
+              <a:buClr>
+                <a:schemeClr val="bg2"/>
+              </a:buClr>
+              <a:buFont typeface="Segoe UI" panose="020B0502040204020203" pitchFamily="34" charset="0"/>
+              <a:buChar char="–"/>
+              <a:defRPr sz="2000" kern="1200" spc="0">
+                <a:solidFill>
+                  <a:schemeClr val="bg2"/>
+                </a:solidFill>
+                <a:latin typeface="Segoe UI" panose="020B0502040204020203" pitchFamily="34" charset="0"/>
+                <a:ea typeface="Segoe UI" panose="020B0502040204020203" pitchFamily="34" charset="0"/>
+                <a:cs typeface="Segoe UI" panose="020B0502040204020203" pitchFamily="34" charset="0"/>
+              </a:defRPr>
+            </a:lvl5pPr>
+            <a:lvl6pPr marL="720000" indent="-360000" algn="l" defTabSz="1039033" rtl="0" eaLnBrk="1" latinLnBrk="0" hangingPunct="1">
+              <a:spcBef>
+                <a:spcPts val="455"/>
+              </a:spcBef>
+              <a:buClr>
+                <a:schemeClr val="bg2"/>
+              </a:buClr>
+              <a:buFont typeface="+mj-lt"/>
+              <a:buAutoNum type="arabicPeriod"/>
+              <a:defRPr sz="2000" kern="1200" spc="0" baseline="0">
+                <a:solidFill>
+                  <a:schemeClr val="bg2"/>
+                </a:solidFill>
+                <a:latin typeface="Segoe UI" panose="020B0502040204020203" pitchFamily="34" charset="0"/>
+                <a:ea typeface="Segoe UI" panose="020B0502040204020203" pitchFamily="34" charset="0"/>
+                <a:cs typeface="Segoe UI" panose="020B0502040204020203" pitchFamily="34" charset="0"/>
+              </a:defRPr>
+            </a:lvl6pPr>
+            <a:lvl7pPr marL="1080000" indent="-360000" algn="l" defTabSz="1039033" rtl="0" eaLnBrk="1" latinLnBrk="0" hangingPunct="1">
+              <a:spcBef>
+                <a:spcPts val="455"/>
+              </a:spcBef>
+              <a:buClr>
+                <a:schemeClr val="bg2"/>
+              </a:buClr>
+              <a:buFont typeface="+mj-lt"/>
+              <a:buAutoNum type="alphaLcPeriod"/>
+              <a:defRPr sz="2000" kern="1200" spc="0">
+                <a:solidFill>
+                  <a:schemeClr val="bg2"/>
+                </a:solidFill>
+                <a:latin typeface="Segoe UI" panose="020B0502040204020203" pitchFamily="34" charset="0"/>
+                <a:ea typeface="Segoe UI" panose="020B0502040204020203" pitchFamily="34" charset="0"/>
+                <a:cs typeface="Segoe UI" panose="020B0502040204020203" pitchFamily="34" charset="0"/>
+              </a:defRPr>
+            </a:lvl7pPr>
+            <a:lvl8pPr marL="1440000" indent="-360000" algn="l" defTabSz="1039033" rtl="0" eaLnBrk="1" latinLnBrk="0" hangingPunct="1">
+              <a:spcBef>
+                <a:spcPts val="455"/>
+              </a:spcBef>
+              <a:buClr>
+                <a:schemeClr val="bg2"/>
+              </a:buClr>
+              <a:buFont typeface="+mj-lt"/>
+              <a:buAutoNum type="romanLcPeriod"/>
+              <a:defRPr sz="2000" kern="1200" spc="0" baseline="0">
+                <a:solidFill>
+                  <a:schemeClr val="bg2"/>
+                </a:solidFill>
+                <a:latin typeface="Segoe UI" panose="020B0502040204020203" pitchFamily="34" charset="0"/>
+                <a:ea typeface="Segoe UI" panose="020B0502040204020203" pitchFamily="34" charset="0"/>
+                <a:cs typeface="Segoe UI" panose="020B0502040204020203" pitchFamily="34" charset="0"/>
+              </a:defRPr>
+            </a:lvl8pPr>
+            <a:lvl9pPr marL="4415889" indent="-259758" algn="l" defTabSz="1039033" rtl="0" eaLnBrk="1" latinLnBrk="0" hangingPunct="1">
+              <a:spcBef>
+                <a:spcPct val="20000"/>
+              </a:spcBef>
+              <a:buFont typeface="Arial" pitchFamily="34" charset="0"/>
+              <a:buChar char="•"/>
+              <a:defRPr sz="2300" kern="1200">
+                <a:solidFill>
+                  <a:schemeClr val="tx1"/>
+                </a:solidFill>
+                <a:latin typeface="+mn-lt"/>
+                <a:ea typeface="+mn-ea"/>
+                <a:cs typeface="+mn-cs"/>
+              </a:defRPr>
+            </a:lvl9pPr>
+          </a:lstStyle>
+          <a:p>
+            <a:r>
+              <a:rPr lang="en-AU" dirty="0">
+                <a:latin typeface="Segoe UI Semibold" panose="020B0702040204020203" pitchFamily="34" charset="0"/>
+                <a:cs typeface="Segoe UI Semibold" panose="020B0702040204020203" pitchFamily="34" charset="0"/>
+              </a:rPr>
+              <a:t>Overall analytical workflow</a:t>
+            </a:r>
+          </a:p>
+        </p:txBody>
+      </p:sp>
+      <p:sp>
+        <p:nvSpPr>
+          <p:cNvPr id="7" name="Rectangle 6">
+            <a:extLst>
+              <a:ext uri="{FF2B5EF4-FFF2-40B4-BE49-F238E27FC236}">
+                <a16:creationId xmlns:a16="http://schemas.microsoft.com/office/drawing/2014/main" id="{D523E57A-6DBF-5B49-BEB2-EF468A06DFE1}"/>
+              </a:ext>
+            </a:extLst>
+          </p:cNvPr>
+          <p:cNvSpPr/>
+          <p:nvPr/>
+        </p:nvSpPr>
+        <p:spPr>
+          <a:xfrm>
+            <a:off x="6199682" y="2992387"/>
+            <a:ext cx="5323980" cy="437408"/>
+          </a:xfrm>
+          <a:prstGeom prst="rect">
+            <a:avLst/>
+          </a:prstGeom>
+          <a:solidFill>
+            <a:schemeClr val="bg1"/>
+          </a:solidFill>
+          <a:ln w="38100">
+            <a:solidFill>
+              <a:schemeClr val="accent2"/>
+            </a:solidFill>
+          </a:ln>
+        </p:spPr>
+        <p:style>
+          <a:lnRef idx="2">
+            <a:schemeClr val="accent1">
+              <a:shade val="50000"/>
+            </a:schemeClr>
+          </a:lnRef>
+          <a:fillRef idx="1">
+            <a:schemeClr val="accent1"/>
+          </a:fillRef>
+          <a:effectRef idx="0">
+            <a:schemeClr val="accent1"/>
+          </a:effectRef>
+          <a:fontRef idx="minor">
+            <a:schemeClr val="lt1"/>
+          </a:fontRef>
+        </p:style>
+        <p:txBody>
+          <a:bodyPr rtlCol="0" anchor="ctr"/>
+          <a:lstStyle/>
+          <a:p>
+            <a:pPr algn="ctr"/>
+            <a:r>
+              <a:rPr lang="en-AU" sz="1800" dirty="0">
+                <a:solidFill>
+                  <a:schemeClr val="bg2"/>
+                </a:solidFill>
+              </a:rPr>
+              <a:t>Data cleaning and aggregation</a:t>
+            </a:r>
+          </a:p>
+        </p:txBody>
+      </p:sp>
+      <p:sp>
+        <p:nvSpPr>
+          <p:cNvPr id="8" name="Rectangle 7">
+            <a:extLst>
+              <a:ext uri="{FF2B5EF4-FFF2-40B4-BE49-F238E27FC236}">
+                <a16:creationId xmlns:a16="http://schemas.microsoft.com/office/drawing/2014/main" id="{4CEB6935-57EF-FB44-9D21-B147E0DCECBF}"/>
+              </a:ext>
+            </a:extLst>
+          </p:cNvPr>
+          <p:cNvSpPr/>
+          <p:nvPr/>
+        </p:nvSpPr>
+        <p:spPr>
+          <a:xfrm>
+            <a:off x="6199682" y="3800241"/>
+            <a:ext cx="5323980" cy="435032"/>
+          </a:xfrm>
+          <a:prstGeom prst="rect">
+            <a:avLst/>
+          </a:prstGeom>
+          <a:solidFill>
+            <a:schemeClr val="bg1"/>
+          </a:solidFill>
+          <a:ln w="38100">
+            <a:solidFill>
+              <a:schemeClr val="accent3"/>
+            </a:solidFill>
+          </a:ln>
+        </p:spPr>
+        <p:style>
+          <a:lnRef idx="2">
+            <a:schemeClr val="accent1">
+              <a:shade val="50000"/>
+            </a:schemeClr>
+          </a:lnRef>
+          <a:fillRef idx="1">
+            <a:schemeClr val="accent1"/>
+          </a:fillRef>
+          <a:effectRef idx="0">
+            <a:schemeClr val="accent1"/>
+          </a:effectRef>
+          <a:fontRef idx="minor">
+            <a:schemeClr val="lt1"/>
+          </a:fontRef>
+        </p:style>
+        <p:txBody>
+          <a:bodyPr rtlCol="0" anchor="ctr"/>
+          <a:lstStyle/>
+          <a:p>
+            <a:pPr algn="ctr"/>
+            <a:r>
+              <a:rPr lang="en-AU" sz="1800" dirty="0">
+                <a:solidFill>
+                  <a:schemeClr val="bg2"/>
+                </a:solidFill>
+              </a:rPr>
+              <a:t>Exploratory data analysis and visualisation</a:t>
+            </a:r>
+          </a:p>
+        </p:txBody>
+      </p:sp>
+      <p:sp>
+        <p:nvSpPr>
+          <p:cNvPr id="9" name="Rectangle 8">
+            <a:extLst>
+              <a:ext uri="{FF2B5EF4-FFF2-40B4-BE49-F238E27FC236}">
+                <a16:creationId xmlns:a16="http://schemas.microsoft.com/office/drawing/2014/main" id="{164F7BDC-911D-FE4E-AF5F-B5F0E1CD831B}"/>
+              </a:ext>
+            </a:extLst>
+          </p:cNvPr>
+          <p:cNvSpPr/>
+          <p:nvPr/>
+        </p:nvSpPr>
+        <p:spPr>
+          <a:xfrm>
+            <a:off x="6199681" y="4608095"/>
+            <a:ext cx="2427032" cy="435032"/>
+          </a:xfrm>
+          <a:prstGeom prst="rect">
+            <a:avLst/>
+          </a:prstGeom>
+          <a:solidFill>
+            <a:schemeClr val="bg1"/>
+          </a:solidFill>
+          <a:ln w="38100">
+            <a:solidFill>
+              <a:schemeClr val="accent4"/>
+            </a:solidFill>
+          </a:ln>
+        </p:spPr>
+        <p:style>
+          <a:lnRef idx="2">
+            <a:schemeClr val="accent1">
+              <a:shade val="50000"/>
+            </a:schemeClr>
+          </a:lnRef>
+          <a:fillRef idx="1">
+            <a:schemeClr val="accent1"/>
+          </a:fillRef>
+          <a:effectRef idx="0">
+            <a:schemeClr val="accent1"/>
+          </a:effectRef>
+          <a:fontRef idx="minor">
+            <a:schemeClr val="lt1"/>
+          </a:fontRef>
+        </p:style>
+        <p:txBody>
+          <a:bodyPr rtlCol="0" anchor="ctr"/>
+          <a:lstStyle/>
+          <a:p>
+            <a:pPr algn="ctr"/>
+            <a:r>
+              <a:rPr lang="en-AU" sz="1800" dirty="0">
+                <a:solidFill>
+                  <a:schemeClr val="bg2"/>
+                </a:solidFill>
+              </a:rPr>
+              <a:t>Linear model fitting</a:t>
+            </a:r>
+          </a:p>
+        </p:txBody>
+      </p:sp>
+      <p:sp>
+        <p:nvSpPr>
+          <p:cNvPr id="10" name="Rectangle 9">
+            <a:extLst>
+              <a:ext uri="{FF2B5EF4-FFF2-40B4-BE49-F238E27FC236}">
+                <a16:creationId xmlns:a16="http://schemas.microsoft.com/office/drawing/2014/main" id="{AA0E7FCB-E6C1-044E-A589-80C95413E588}"/>
+              </a:ext>
+            </a:extLst>
+          </p:cNvPr>
+          <p:cNvSpPr/>
+          <p:nvPr/>
+        </p:nvSpPr>
+        <p:spPr>
+          <a:xfrm>
+            <a:off x="9096631" y="4610470"/>
+            <a:ext cx="2427032" cy="432657"/>
+          </a:xfrm>
+          <a:prstGeom prst="rect">
+            <a:avLst/>
+          </a:prstGeom>
+          <a:solidFill>
+            <a:schemeClr val="bg1"/>
+          </a:solidFill>
+          <a:ln w="38100">
+            <a:solidFill>
+              <a:schemeClr val="accent4"/>
+            </a:solidFill>
+          </a:ln>
+        </p:spPr>
+        <p:style>
+          <a:lnRef idx="2">
+            <a:schemeClr val="accent1">
+              <a:shade val="50000"/>
+            </a:schemeClr>
+          </a:lnRef>
+          <a:fillRef idx="1">
+            <a:schemeClr val="accent1"/>
+          </a:fillRef>
+          <a:effectRef idx="0">
+            <a:schemeClr val="accent1"/>
+          </a:effectRef>
+          <a:fontRef idx="minor">
+            <a:schemeClr val="lt1"/>
+          </a:fontRef>
+        </p:style>
+        <p:txBody>
+          <a:bodyPr rtlCol="0" anchor="ctr"/>
+          <a:lstStyle/>
+          <a:p>
+            <a:pPr algn="ctr"/>
+            <a:r>
+              <a:rPr lang="en-AU" sz="1800" dirty="0">
+                <a:solidFill>
+                  <a:schemeClr val="bg2"/>
+                </a:solidFill>
+              </a:rPr>
+              <a:t>Assumption checking</a:t>
+            </a:r>
+          </a:p>
+        </p:txBody>
+      </p:sp>
+      <p:sp>
+        <p:nvSpPr>
+          <p:cNvPr id="11" name="Rectangle 10">
+            <a:extLst>
+              <a:ext uri="{FF2B5EF4-FFF2-40B4-BE49-F238E27FC236}">
+                <a16:creationId xmlns:a16="http://schemas.microsoft.com/office/drawing/2014/main" id="{7D542D0D-EF30-4847-8178-8E04C773B099}"/>
+              </a:ext>
+            </a:extLst>
+          </p:cNvPr>
+          <p:cNvSpPr/>
+          <p:nvPr/>
+        </p:nvSpPr>
+        <p:spPr>
+          <a:xfrm>
+            <a:off x="6199682" y="5415949"/>
+            <a:ext cx="5323980" cy="432658"/>
+          </a:xfrm>
+          <a:prstGeom prst="rect">
+            <a:avLst/>
+          </a:prstGeom>
+          <a:solidFill>
+            <a:schemeClr val="bg1"/>
+          </a:solidFill>
+          <a:ln w="38100">
+            <a:solidFill>
+              <a:schemeClr val="accent6"/>
+            </a:solidFill>
+          </a:ln>
+        </p:spPr>
+        <p:style>
+          <a:lnRef idx="2">
+            <a:schemeClr val="accent1">
+              <a:shade val="50000"/>
+            </a:schemeClr>
+          </a:lnRef>
+          <a:fillRef idx="1">
+            <a:schemeClr val="accent1"/>
+          </a:fillRef>
+          <a:effectRef idx="0">
+            <a:schemeClr val="accent1"/>
+          </a:effectRef>
+          <a:fontRef idx="minor">
+            <a:schemeClr val="lt1"/>
+          </a:fontRef>
+        </p:style>
+        <p:txBody>
+          <a:bodyPr rtlCol="0" anchor="ctr"/>
+          <a:lstStyle/>
+          <a:p>
+            <a:pPr algn="ctr"/>
+            <a:r>
+              <a:rPr lang="en-AU" sz="1800" dirty="0">
+                <a:solidFill>
+                  <a:schemeClr val="bg2"/>
+                </a:solidFill>
+              </a:rPr>
+              <a:t>Final model outputs and performance analysis</a:t>
+            </a:r>
+          </a:p>
+        </p:txBody>
+      </p:sp>
+      <p:cxnSp>
+        <p:nvCxnSpPr>
+          <p:cNvPr id="12" name="Straight Arrow Connector 11">
+            <a:extLst>
+              <a:ext uri="{FF2B5EF4-FFF2-40B4-BE49-F238E27FC236}">
+                <a16:creationId xmlns:a16="http://schemas.microsoft.com/office/drawing/2014/main" id="{D4DFDD97-F27F-014E-B453-8666ECBB72BE}"/>
+              </a:ext>
+            </a:extLst>
+          </p:cNvPr>
+          <p:cNvCxnSpPr>
+            <a:cxnSpLocks/>
+            <a:stCxn id="5" idx="2"/>
+            <a:endCxn id="7" idx="0"/>
+          </p:cNvCxnSpPr>
+          <p:nvPr/>
+        </p:nvCxnSpPr>
+        <p:spPr>
+          <a:xfrm>
+            <a:off x="8861672" y="2621941"/>
+            <a:ext cx="0" cy="370446"/>
+          </a:xfrm>
+          <a:prstGeom prst="straightConnector1">
+            <a:avLst/>
+          </a:prstGeom>
+          <a:ln w="25400">
+            <a:solidFill>
+              <a:schemeClr val="bg2"/>
+            </a:solidFill>
+            <a:tailEnd type="triangle"/>
+          </a:ln>
+        </p:spPr>
+        <p:style>
+          <a:lnRef idx="1">
+            <a:schemeClr val="accent1"/>
+          </a:lnRef>
+          <a:fillRef idx="0">
+            <a:schemeClr val="accent1"/>
+          </a:fillRef>
+          <a:effectRef idx="0">
+            <a:schemeClr val="accent1"/>
+          </a:effectRef>
+          <a:fontRef idx="minor">
+            <a:schemeClr val="tx1"/>
+          </a:fontRef>
+        </p:style>
+      </p:cxnSp>
+      <p:cxnSp>
+        <p:nvCxnSpPr>
+          <p:cNvPr id="14" name="Straight Arrow Connector 13">
+            <a:extLst>
+              <a:ext uri="{FF2B5EF4-FFF2-40B4-BE49-F238E27FC236}">
+                <a16:creationId xmlns:a16="http://schemas.microsoft.com/office/drawing/2014/main" id="{A484AA67-07B3-6642-9D7F-697800CA4C9F}"/>
+              </a:ext>
+            </a:extLst>
+          </p:cNvPr>
+          <p:cNvCxnSpPr>
+            <a:cxnSpLocks/>
+            <a:stCxn id="7" idx="2"/>
+            <a:endCxn id="8" idx="0"/>
+          </p:cNvCxnSpPr>
+          <p:nvPr/>
+        </p:nvCxnSpPr>
+        <p:spPr>
+          <a:xfrm>
+            <a:off x="8861672" y="3429795"/>
+            <a:ext cx="0" cy="370446"/>
+          </a:xfrm>
+          <a:prstGeom prst="straightConnector1">
+            <a:avLst/>
+          </a:prstGeom>
+          <a:ln w="25400">
+            <a:solidFill>
+              <a:schemeClr val="bg2"/>
+            </a:solidFill>
+            <a:tailEnd type="triangle"/>
+          </a:ln>
+        </p:spPr>
+        <p:style>
+          <a:lnRef idx="1">
+            <a:schemeClr val="accent1"/>
+          </a:lnRef>
+          <a:fillRef idx="0">
+            <a:schemeClr val="accent1"/>
+          </a:fillRef>
+          <a:effectRef idx="0">
+            <a:schemeClr val="accent1"/>
+          </a:effectRef>
+          <a:fontRef idx="minor">
+            <a:schemeClr val="tx1"/>
+          </a:fontRef>
+        </p:style>
+      </p:cxnSp>
+      <p:cxnSp>
+        <p:nvCxnSpPr>
+          <p:cNvPr id="16" name="Straight Arrow Connector 15">
+            <a:extLst>
+              <a:ext uri="{FF2B5EF4-FFF2-40B4-BE49-F238E27FC236}">
+                <a16:creationId xmlns:a16="http://schemas.microsoft.com/office/drawing/2014/main" id="{2CC0B4D5-F5DA-F542-A10A-D0EF0A982F41}"/>
+              </a:ext>
+            </a:extLst>
+          </p:cNvPr>
+          <p:cNvCxnSpPr>
+            <a:cxnSpLocks/>
+          </p:cNvCxnSpPr>
+          <p:nvPr/>
+        </p:nvCxnSpPr>
+        <p:spPr>
+          <a:xfrm>
+            <a:off x="6224850" y="4235273"/>
+            <a:ext cx="0" cy="372821"/>
+          </a:xfrm>
+          <a:prstGeom prst="straightConnector1">
+            <a:avLst/>
+          </a:prstGeom>
+          <a:ln w="25400">
+            <a:solidFill>
+              <a:schemeClr val="bg2"/>
+            </a:solidFill>
+            <a:tailEnd type="triangle"/>
+          </a:ln>
+        </p:spPr>
+        <p:style>
+          <a:lnRef idx="1">
+            <a:schemeClr val="accent1"/>
+          </a:lnRef>
+          <a:fillRef idx="0">
+            <a:schemeClr val="accent1"/>
+          </a:fillRef>
+          <a:effectRef idx="0">
+            <a:schemeClr val="accent1"/>
+          </a:effectRef>
+          <a:fontRef idx="minor">
+            <a:schemeClr val="tx1"/>
+          </a:fontRef>
+        </p:style>
+      </p:cxnSp>
+      <p:cxnSp>
+        <p:nvCxnSpPr>
+          <p:cNvPr id="18" name="Curved Connector 17">
+            <a:extLst>
+              <a:ext uri="{FF2B5EF4-FFF2-40B4-BE49-F238E27FC236}">
+                <a16:creationId xmlns:a16="http://schemas.microsoft.com/office/drawing/2014/main" id="{F2869C33-ABFD-8541-8E97-3DEAE371F6CD}"/>
+              </a:ext>
+            </a:extLst>
+          </p:cNvPr>
+          <p:cNvCxnSpPr>
+            <a:cxnSpLocks/>
+            <a:stCxn id="9" idx="2"/>
+            <a:endCxn id="10" idx="2"/>
+          </p:cNvCxnSpPr>
+          <p:nvPr/>
+        </p:nvCxnSpPr>
+        <p:spPr>
+          <a:xfrm rot="16200000" flipH="1">
+            <a:off x="8861672" y="3594652"/>
+            <a:ext cx="12700" cy="2896950"/>
+          </a:xfrm>
+          <a:prstGeom prst="curvedConnector3">
+            <a:avLst>
+              <a:gd name="adj1" fmla="val 1800000"/>
+            </a:avLst>
+          </a:prstGeom>
+          <a:ln w="25400">
+            <a:solidFill>
+              <a:schemeClr val="bg2"/>
+            </a:solidFill>
+            <a:tailEnd type="triangle"/>
+          </a:ln>
+        </p:spPr>
+        <p:style>
+          <a:lnRef idx="1">
+            <a:schemeClr val="accent1"/>
+          </a:lnRef>
+          <a:fillRef idx="0">
+            <a:schemeClr val="accent1"/>
+          </a:fillRef>
+          <a:effectRef idx="0">
+            <a:schemeClr val="accent1"/>
+          </a:effectRef>
+          <a:fontRef idx="minor">
+            <a:schemeClr val="tx1"/>
+          </a:fontRef>
+        </p:style>
+      </p:cxnSp>
+      <p:cxnSp>
+        <p:nvCxnSpPr>
+          <p:cNvPr id="20" name="Curved Connector 19">
+            <a:extLst>
+              <a:ext uri="{FF2B5EF4-FFF2-40B4-BE49-F238E27FC236}">
+                <a16:creationId xmlns:a16="http://schemas.microsoft.com/office/drawing/2014/main" id="{E8038A1A-FBEA-1042-BDBE-65E689760613}"/>
+              </a:ext>
+            </a:extLst>
+          </p:cNvPr>
+          <p:cNvCxnSpPr>
+            <a:cxnSpLocks/>
+            <a:stCxn id="10" idx="0"/>
+            <a:endCxn id="9" idx="0"/>
+          </p:cNvCxnSpPr>
+          <p:nvPr/>
+        </p:nvCxnSpPr>
+        <p:spPr>
+          <a:xfrm rot="16200000" flipV="1">
+            <a:off x="8860485" y="3160808"/>
+            <a:ext cx="2375" cy="2896950"/>
+          </a:xfrm>
+          <a:prstGeom prst="curvedConnector3">
+            <a:avLst>
+              <a:gd name="adj1" fmla="val 9725263"/>
+            </a:avLst>
+          </a:prstGeom>
+          <a:ln w="25400">
+            <a:solidFill>
+              <a:schemeClr val="bg2"/>
+            </a:solidFill>
+            <a:tailEnd type="triangle"/>
+          </a:ln>
+        </p:spPr>
+        <p:style>
+          <a:lnRef idx="1">
+            <a:schemeClr val="accent1"/>
+          </a:lnRef>
+          <a:fillRef idx="0">
+            <a:schemeClr val="accent1"/>
+          </a:fillRef>
+          <a:effectRef idx="0">
+            <a:schemeClr val="accent1"/>
+          </a:effectRef>
+          <a:fontRef idx="minor">
+            <a:schemeClr val="tx1"/>
+          </a:fontRef>
+        </p:style>
+      </p:cxnSp>
+      <p:cxnSp>
+        <p:nvCxnSpPr>
+          <p:cNvPr id="23" name="Straight Arrow Connector 22">
+            <a:extLst>
+              <a:ext uri="{FF2B5EF4-FFF2-40B4-BE49-F238E27FC236}">
+                <a16:creationId xmlns:a16="http://schemas.microsoft.com/office/drawing/2014/main" id="{D91A0A48-E99C-8241-A67F-4DD233452C2A}"/>
+              </a:ext>
+            </a:extLst>
+          </p:cNvPr>
+          <p:cNvCxnSpPr>
+            <a:cxnSpLocks/>
+          </p:cNvCxnSpPr>
+          <p:nvPr/>
+        </p:nvCxnSpPr>
+        <p:spPr>
+          <a:xfrm>
+            <a:off x="11523662" y="5049477"/>
+            <a:ext cx="0" cy="366471"/>
+          </a:xfrm>
+          <a:prstGeom prst="straightConnector1">
+            <a:avLst/>
+          </a:prstGeom>
+          <a:ln w="25400">
+            <a:solidFill>
+              <a:schemeClr val="bg2"/>
+            </a:solidFill>
+            <a:tailEnd type="triangle"/>
+          </a:ln>
+        </p:spPr>
+        <p:style>
+          <a:lnRef idx="1">
+            <a:schemeClr val="accent1"/>
+          </a:lnRef>
+          <a:fillRef idx="0">
+            <a:schemeClr val="accent1"/>
+          </a:fillRef>
+          <a:effectRef idx="0">
+            <a:schemeClr val="accent1"/>
+          </a:effectRef>
+          <a:fontRef idx="minor">
+            <a:schemeClr val="tx1"/>
+          </a:fontRef>
+        </p:style>
+      </p:cxnSp>
+    </p:spTree>
+    <p:extLst>
+      <p:ext uri="{BB962C8B-B14F-4D97-AF65-F5344CB8AC3E}">
+        <p14:creationId xmlns:p14="http://schemas.microsoft.com/office/powerpoint/2010/main" val="983310670"/>
+      </p:ext>
+    </p:extLst>
+  </p:cSld>
+  <p:clrMapOvr>
+    <a:masterClrMapping/>
+  </p:clrMapOvr>
+</p:sld>
+</file>
+
+<file path=ppt/slides/slide6.xml><?xml version="1.0" encoding="utf-8"?>
+<p:sld xmlns:a="http://schemas.openxmlformats.org/drawingml/2006/main" xmlns:r="http://schemas.openxmlformats.org/officeDocument/2006/relationships" xmlns:p="http://schemas.openxmlformats.org/presentationml/2006/main">
+  <p:cSld>
+    <p:spTree>
+      <p:nvGrpSpPr>
+        <p:cNvPr id="1" name=""/>
+        <p:cNvGrpSpPr/>
+        <p:nvPr/>
+      </p:nvGrpSpPr>
+      <p:grpSpPr>
+        <a:xfrm>
+          <a:off x="0" y="0"/>
+          <a:ext cx="0" cy="0"/>
+          <a:chOff x="0" y="0"/>
+          <a:chExt cx="0" cy="0"/>
+        </a:xfrm>
+      </p:grpSpPr>
+      <p:sp>
+        <p:nvSpPr>
+          <p:cNvPr id="2" name="Text Placeholder 1">
+            <a:extLst>
+              <a:ext uri="{FF2B5EF4-FFF2-40B4-BE49-F238E27FC236}">
+                <a16:creationId xmlns:a16="http://schemas.microsoft.com/office/drawing/2014/main" id="{0EB64B89-7E51-46CA-8931-E69DE43B78A6}"/>
+              </a:ext>
+            </a:extLst>
+          </p:cNvPr>
+          <p:cNvSpPr>
+            <a:spLocks noGrp="1"/>
+          </p:cNvSpPr>
+          <p:nvPr>
+            <p:ph type="body" sz="quarter" idx="18"/>
+          </p:nvPr>
+        </p:nvSpPr>
+        <p:spPr/>
+        <p:txBody>
+          <a:bodyPr/>
+          <a:lstStyle/>
+          <a:p>
+            <a:r>
+              <a:rPr lang="en-AU" dirty="0"/>
+              <a:t>Core linear modelling assumptions were rigorously tested</a:t>
+            </a:r>
+          </a:p>
+        </p:txBody>
+      </p:sp>
+      <p:pic>
+        <p:nvPicPr>
+          <p:cNvPr id="6" name="Picture 5">
+            <a:extLst>
+              <a:ext uri="{FF2B5EF4-FFF2-40B4-BE49-F238E27FC236}">
+                <a16:creationId xmlns:a16="http://schemas.microsoft.com/office/drawing/2014/main" id="{795948A1-465B-9947-9861-17E3655A9FE5}"/>
+              </a:ext>
+            </a:extLst>
+          </p:cNvPr>
+          <p:cNvPicPr>
+            <a:picLocks noChangeAspect="1"/>
+          </p:cNvPicPr>
+          <p:nvPr/>
+        </p:nvPicPr>
+        <p:blipFill>
+          <a:blip r:embed="rId2">
+            <a:extLst>
+              <a:ext uri="{28A0092B-C50C-407E-A947-70E740481C1C}">
+                <a14:useLocalDpi xmlns:a14="http://schemas.microsoft.com/office/drawing/2010/main" val="0"/>
+              </a:ext>
+            </a:extLst>
+          </a:blip>
+          <a:stretch>
+            <a:fillRect/>
+          </a:stretch>
+        </p:blipFill>
+        <p:spPr>
+          <a:xfrm>
+            <a:off x="666750" y="1877352"/>
+            <a:ext cx="5361816" cy="4201909"/>
+          </a:xfrm>
+          <a:prstGeom prst="rect">
+            <a:avLst/>
+          </a:prstGeom>
+        </p:spPr>
+      </p:pic>
+      <p:pic>
+        <p:nvPicPr>
+          <p:cNvPr id="8" name="Picture 7">
+            <a:extLst>
+              <a:ext uri="{FF2B5EF4-FFF2-40B4-BE49-F238E27FC236}">
+                <a16:creationId xmlns:a16="http://schemas.microsoft.com/office/drawing/2014/main" id="{43189228-89AB-AE43-8A5E-8F3802DC79AE}"/>
+              </a:ext>
+            </a:extLst>
+          </p:cNvPr>
+          <p:cNvPicPr>
+            <a:picLocks noChangeAspect="1"/>
+          </p:cNvPicPr>
+          <p:nvPr/>
+        </p:nvPicPr>
+        <p:blipFill>
+          <a:blip r:embed="rId3">
+            <a:extLst>
+              <a:ext uri="{28A0092B-C50C-407E-A947-70E740481C1C}">
+                <a14:useLocalDpi xmlns:a14="http://schemas.microsoft.com/office/drawing/2010/main" val="0"/>
+              </a:ext>
+            </a:extLst>
+          </a:blip>
+          <a:stretch>
+            <a:fillRect/>
+          </a:stretch>
+        </p:blipFill>
+        <p:spPr>
+          <a:xfrm>
+            <a:off x="6161847" y="1877352"/>
+            <a:ext cx="5361815" cy="4201908"/>
+          </a:xfrm>
+          <a:prstGeom prst="rect">
+            <a:avLst/>
+          </a:prstGeom>
+        </p:spPr>
+      </p:pic>
+    </p:spTree>
+    <p:extLst>
+      <p:ext uri="{BB962C8B-B14F-4D97-AF65-F5344CB8AC3E}">
+        <p14:creationId xmlns:p14="http://schemas.microsoft.com/office/powerpoint/2010/main" val="4167301252"/>
+      </p:ext>
+    </p:extLst>
+  </p:cSld>
+  <p:clrMapOvr>
+    <a:masterClrMapping/>
+  </p:clrMapOvr>
+</p:sld>
+</file>
+
+<file path=ppt/slides/slide7.xml><?xml version="1.0" encoding="utf-8"?>
+<p:sld xmlns:a="http://schemas.openxmlformats.org/drawingml/2006/main" xmlns:r="http://schemas.openxmlformats.org/officeDocument/2006/relationships" xmlns:p="http://schemas.openxmlformats.org/presentationml/2006/main">
+  <p:cSld>
+    <p:spTree>
+      <p:nvGrpSpPr>
+        <p:cNvPr id="1" name=""/>
+        <p:cNvGrpSpPr/>
+        <p:nvPr/>
+      </p:nvGrpSpPr>
+      <p:grpSpPr>
+        <a:xfrm>
+          <a:off x="0" y="0"/>
+          <a:ext cx="0" cy="0"/>
+          <a:chOff x="0" y="0"/>
+          <a:chExt cx="0" cy="0"/>
+        </a:xfrm>
+      </p:grpSpPr>
+      <p:sp>
+        <p:nvSpPr>
+          <p:cNvPr id="2" name="Text Placeholder 1">
+            <a:extLst>
+              <a:ext uri="{FF2B5EF4-FFF2-40B4-BE49-F238E27FC236}">
+                <a16:creationId xmlns:a16="http://schemas.microsoft.com/office/drawing/2014/main" id="{0EB64B89-7E51-46CA-8931-E69DE43B78A6}"/>
+              </a:ext>
+            </a:extLst>
+          </p:cNvPr>
+          <p:cNvSpPr>
+            <a:spLocks noGrp="1"/>
+          </p:cNvSpPr>
+          <p:nvPr>
+            <p:ph type="body" sz="quarter" idx="18"/>
+          </p:nvPr>
+        </p:nvSpPr>
+        <p:spPr/>
+        <p:txBody>
+          <a:bodyPr/>
+          <a:lstStyle/>
+          <a:p>
+            <a:r>
+              <a:rPr lang="en-AU" dirty="0"/>
+              <a:t>Core linear modelling assumptions were rigorously tested</a:t>
+            </a:r>
+          </a:p>
+        </p:txBody>
+      </p:sp>
+      <p:pic>
+        <p:nvPicPr>
+          <p:cNvPr id="6" name="Picture 5">
+            <a:extLst>
+              <a:ext uri="{FF2B5EF4-FFF2-40B4-BE49-F238E27FC236}">
+                <a16:creationId xmlns:a16="http://schemas.microsoft.com/office/drawing/2014/main" id="{795948A1-465B-9947-9861-17E3655A9FE5}"/>
+              </a:ext>
+            </a:extLst>
+          </p:cNvPr>
+          <p:cNvPicPr>
+            <a:picLocks noChangeAspect="1"/>
+          </p:cNvPicPr>
+          <p:nvPr/>
+        </p:nvPicPr>
+        <p:blipFill>
+          <a:blip r:embed="rId2">
+            <a:extLst>
+              <a:ext uri="{28A0092B-C50C-407E-A947-70E740481C1C}">
+                <a14:useLocalDpi xmlns:a14="http://schemas.microsoft.com/office/drawing/2010/main" val="0"/>
+              </a:ext>
+            </a:extLst>
+          </a:blip>
+          <a:srcRect/>
+          <a:stretch/>
+        </p:blipFill>
+        <p:spPr>
+          <a:xfrm>
+            <a:off x="666750" y="1877352"/>
+            <a:ext cx="5361816" cy="4201908"/>
+          </a:xfrm>
+          <a:prstGeom prst="rect">
+            <a:avLst/>
+          </a:prstGeom>
+        </p:spPr>
+      </p:pic>
+      <p:pic>
+        <p:nvPicPr>
+          <p:cNvPr id="8" name="Picture 7">
+            <a:extLst>
+              <a:ext uri="{FF2B5EF4-FFF2-40B4-BE49-F238E27FC236}">
+                <a16:creationId xmlns:a16="http://schemas.microsoft.com/office/drawing/2014/main" id="{43189228-89AB-AE43-8A5E-8F3802DC79AE}"/>
+              </a:ext>
+            </a:extLst>
+          </p:cNvPr>
+          <p:cNvPicPr>
+            <a:picLocks noChangeAspect="1"/>
+          </p:cNvPicPr>
+          <p:nvPr/>
+        </p:nvPicPr>
+        <p:blipFill>
+          <a:blip r:embed="rId3">
+            <a:extLst>
+              <a:ext uri="{28A0092B-C50C-407E-A947-70E740481C1C}">
+                <a14:useLocalDpi xmlns:a14="http://schemas.microsoft.com/office/drawing/2010/main" val="0"/>
+              </a:ext>
+            </a:extLst>
+          </a:blip>
+          <a:srcRect/>
+          <a:stretch/>
+        </p:blipFill>
+        <p:spPr>
+          <a:xfrm>
+            <a:off x="6161847" y="1877352"/>
+            <a:ext cx="5361816" cy="4201907"/>
+          </a:xfrm>
+          <a:prstGeom prst="rect">
+            <a:avLst/>
+          </a:prstGeom>
+        </p:spPr>
+      </p:pic>
+    </p:spTree>
+    <p:extLst>
+      <p:ext uri="{BB962C8B-B14F-4D97-AF65-F5344CB8AC3E}">
+        <p14:creationId xmlns:p14="http://schemas.microsoft.com/office/powerpoint/2010/main" val="3257346937"/>
+      </p:ext>
+    </p:extLst>
+  </p:cSld>
+  <p:clrMapOvr>
+    <a:masterClrMapping/>
+  </p:clrMapOvr>
+</p:sld>
+</file>
+
+<file path=ppt/slides/slide8.xml><?xml version="1.0" encoding="utf-8"?>
+<p:sld xmlns:a="http://schemas.openxmlformats.org/drawingml/2006/main" xmlns:r="http://schemas.openxmlformats.org/officeDocument/2006/relationships" xmlns:p="http://schemas.openxmlformats.org/presentationml/2006/main">
+  <p:cSld>
+    <p:spTree>
+      <p:nvGrpSpPr>
+        <p:cNvPr id="1" name=""/>
+        <p:cNvGrpSpPr/>
+        <p:nvPr/>
+      </p:nvGrpSpPr>
+      <p:grpSpPr>
+        <a:xfrm>
+          <a:off x="0" y="0"/>
+          <a:ext cx="0" cy="0"/>
+          <a:chOff x="0" y="0"/>
+          <a:chExt cx="0" cy="0"/>
+        </a:xfrm>
+      </p:grpSpPr>
+      <p:sp>
+        <p:nvSpPr>
+          <p:cNvPr id="2" name="Text Placeholder 1">
+            <a:extLst>
+              <a:ext uri="{FF2B5EF4-FFF2-40B4-BE49-F238E27FC236}">
+                <a16:creationId xmlns:a16="http://schemas.microsoft.com/office/drawing/2014/main" id="{471E6085-69E4-4679-A59D-55074928235B}"/>
+              </a:ext>
+            </a:extLst>
+          </p:cNvPr>
+          <p:cNvSpPr>
+            <a:spLocks noGrp="1"/>
+          </p:cNvSpPr>
+          <p:nvPr>
+            <p:ph type="body" sz="quarter" idx="18"/>
+          </p:nvPr>
+        </p:nvSpPr>
+        <p:spPr/>
+        <p:txBody>
+          <a:bodyPr/>
+          <a:lstStyle/>
+          <a:p>
+            <a:r>
+              <a:rPr lang="en-AU" dirty="0"/>
+              <a:t>A selection of core gameplay metrics were able to predict the number of goals scored by individual teams in games</a:t>
+            </a:r>
+          </a:p>
+        </p:txBody>
+      </p:sp>
+      <p:sp>
+        <p:nvSpPr>
+          <p:cNvPr id="3" name="Content Placeholder 2">
+            <a:extLst>
+              <a:ext uri="{FF2B5EF4-FFF2-40B4-BE49-F238E27FC236}">
+                <a16:creationId xmlns:a16="http://schemas.microsoft.com/office/drawing/2014/main" id="{A0CE3313-FE70-42F2-A04A-6524CBAE33F4}"/>
+              </a:ext>
+            </a:extLst>
+          </p:cNvPr>
+          <p:cNvSpPr>
+            <a:spLocks noGrp="1"/>
+          </p:cNvSpPr>
+          <p:nvPr>
+            <p:ph sz="quarter" idx="23"/>
+          </p:nvPr>
+        </p:nvSpPr>
+        <p:spPr/>
+        <p:txBody>
+          <a:bodyPr/>
+          <a:lstStyle/>
+          <a:p>
+            <a:endParaRPr lang="en-AU"/>
+          </a:p>
+        </p:txBody>
+      </p:sp>
+      <p:sp>
+        <p:nvSpPr>
+          <p:cNvPr id="5" name="Rectangle 4">
+            <a:extLst>
+              <a:ext uri="{FF2B5EF4-FFF2-40B4-BE49-F238E27FC236}">
+                <a16:creationId xmlns:a16="http://schemas.microsoft.com/office/drawing/2014/main" id="{5977D527-26C8-444C-89A2-C04A94872C6E}"/>
+              </a:ext>
+            </a:extLst>
+          </p:cNvPr>
+          <p:cNvSpPr/>
+          <p:nvPr/>
+        </p:nvSpPr>
+        <p:spPr>
+          <a:xfrm>
+            <a:off x="7130265" y="2167847"/>
+            <a:ext cx="4393398" cy="3359650"/>
+          </a:xfrm>
+          <a:prstGeom prst="rect">
+            <a:avLst/>
+          </a:prstGeom>
+          <a:solidFill>
+            <a:schemeClr val="accent3"/>
+          </a:solidFill>
+          <a:ln w="38100">
+            <a:solidFill>
+              <a:schemeClr val="accent3"/>
+            </a:solidFill>
+          </a:ln>
+        </p:spPr>
+        <p:style>
+          <a:lnRef idx="2">
+            <a:schemeClr val="accent1">
+              <a:shade val="50000"/>
+            </a:schemeClr>
+          </a:lnRef>
+          <a:fillRef idx="1">
+            <a:schemeClr val="accent1"/>
+          </a:fillRef>
+          <a:effectRef idx="0">
+            <a:schemeClr val="accent1"/>
+          </a:effectRef>
+          <a:fontRef idx="minor">
+            <a:schemeClr val="lt1"/>
+          </a:fontRef>
+        </p:style>
+        <p:txBody>
+          <a:bodyPr rtlCol="0" anchor="ctr"/>
+          <a:lstStyle/>
+          <a:p>
+            <a:pPr algn="ctr"/>
+            <a:r>
+              <a:rPr lang="en-AU" sz="3200" dirty="0" err="1">
+                <a:solidFill>
+                  <a:schemeClr val="bg2"/>
+                </a:solidFill>
+              </a:rPr>
+              <a:t>sjPlot</a:t>
+            </a:r>
+            <a:r>
+              <a:rPr lang="en-AU" sz="3200" dirty="0">
+                <a:solidFill>
+                  <a:schemeClr val="bg2"/>
+                </a:solidFill>
+              </a:rPr>
+              <a:t> model summary </a:t>
+            </a:r>
+            <a:r>
+              <a:rPr lang="en-AU" sz="3200" dirty="0" err="1">
+                <a:solidFill>
+                  <a:schemeClr val="bg2"/>
+                </a:solidFill>
+              </a:rPr>
+              <a:t>plot_model</a:t>
+            </a:r>
+            <a:r>
+              <a:rPr lang="en-AU" sz="3200" dirty="0">
+                <a:solidFill>
+                  <a:schemeClr val="bg2"/>
+                </a:solidFill>
+              </a:rPr>
+              <a:t>() or </a:t>
+            </a:r>
+            <a:r>
+              <a:rPr lang="en-AU" sz="3200" dirty="0" err="1">
+                <a:solidFill>
+                  <a:schemeClr val="bg2"/>
+                </a:solidFill>
+              </a:rPr>
+              <a:t>tab_model</a:t>
+            </a:r>
+            <a:r>
+              <a:rPr lang="en-AU" sz="3200" dirty="0">
+                <a:solidFill>
+                  <a:schemeClr val="bg2"/>
+                </a:solidFill>
+              </a:rPr>
+              <a:t>() here</a:t>
+            </a:r>
+          </a:p>
+        </p:txBody>
+      </p:sp>
+    </p:spTree>
+    <p:extLst>
+      <p:ext uri="{BB962C8B-B14F-4D97-AF65-F5344CB8AC3E}">
+        <p14:creationId xmlns:p14="http://schemas.microsoft.com/office/powerpoint/2010/main" val="215798615"/>
+      </p:ext>
+    </p:extLst>
+  </p:cSld>
+  <p:clrMapOvr>
+    <a:masterClrMapping/>
+  </p:clrMapOvr>
+</p:sld>
+</file>
+
+<file path=ppt/slides/slide9.xml><?xml version="1.0" encoding="utf-8"?>
+<p:sld xmlns:a="http://schemas.openxmlformats.org/drawingml/2006/main" xmlns:r="http://schemas.openxmlformats.org/officeDocument/2006/relationships" xmlns:p="http://schemas.openxmlformats.org/presentationml/2006/main">
+  <p:cSld>
+    <p:spTree>
+      <p:nvGrpSpPr>
+        <p:cNvPr id="1" name=""/>
+        <p:cNvGrpSpPr/>
+        <p:nvPr/>
+      </p:nvGrpSpPr>
+      <p:grpSpPr>
+        <a:xfrm>
+          <a:off x="0" y="0"/>
+          <a:ext cx="0" cy="0"/>
+          <a:chOff x="0" y="0"/>
+          <a:chExt cx="0" cy="0"/>
+        </a:xfrm>
+      </p:grpSpPr>
+      <p:sp>
+        <p:nvSpPr>
+          <p:cNvPr id="2" name="Text Placeholder 1">
+            <a:extLst>
+              <a:ext uri="{FF2B5EF4-FFF2-40B4-BE49-F238E27FC236}">
+                <a16:creationId xmlns:a16="http://schemas.microsoft.com/office/drawing/2014/main" id="{70DD1B99-2A5C-47E9-9C4B-E8C8C3AEFE90}"/>
+              </a:ext>
+            </a:extLst>
+          </p:cNvPr>
+          <p:cNvSpPr>
+            <a:spLocks noGrp="1"/>
+          </p:cNvSpPr>
+          <p:nvPr>
+            <p:ph type="body" sz="quarter" idx="18"/>
+          </p:nvPr>
+        </p:nvSpPr>
+        <p:spPr/>
+        <p:txBody>
+          <a:bodyPr/>
+          <a:lstStyle/>
+          <a:p>
+            <a:r>
+              <a:rPr lang="en-AU" dirty="0"/>
+              <a:t>A number of limitations and potential methods to address them have been identified</a:t>
+            </a:r>
+          </a:p>
+        </p:txBody>
+      </p:sp>
+      <p:sp>
+        <p:nvSpPr>
+          <p:cNvPr id="3" name="Content Placeholder 2">
+            <a:extLst>
+              <a:ext uri="{FF2B5EF4-FFF2-40B4-BE49-F238E27FC236}">
+                <a16:creationId xmlns:a16="http://schemas.microsoft.com/office/drawing/2014/main" id="{0B1ED671-8045-4E49-9F75-60D20D51E36A}"/>
+              </a:ext>
+            </a:extLst>
+          </p:cNvPr>
+          <p:cNvSpPr>
+            <a:spLocks noGrp="1"/>
+          </p:cNvSpPr>
+          <p:nvPr>
+            <p:ph sz="quarter" idx="23"/>
+          </p:nvPr>
+        </p:nvSpPr>
+        <p:spPr/>
+        <p:txBody>
+          <a:bodyPr/>
+          <a:lstStyle/>
+          <a:p>
+            <a:pPr marL="342900" indent="-342900">
+              <a:buFont typeface="Arial" panose="020B0604020202020204" pitchFamily="34" charset="0"/>
+              <a:buChar char="•"/>
+            </a:pPr>
+            <a:r>
+              <a:rPr lang="en-AU" b="1" dirty="0"/>
+              <a:t>Not all variables in the available datasets were explored</a:t>
+            </a:r>
+          </a:p>
+          <a:p>
+            <a:pPr marL="1062900" lvl="2" indent="-342900"/>
+            <a:r>
+              <a:rPr lang="en-AU" dirty="0"/>
+              <a:t>The datasets contained a very large number of variables, a shortlist of which were used for this analysis due to prior hypotheses</a:t>
+            </a:r>
+          </a:p>
+          <a:p>
+            <a:pPr marL="1062900" lvl="2" indent="-342900"/>
+            <a:r>
+              <a:rPr lang="en-AU" dirty="0"/>
+              <a:t>Future research should examine all variables, potentially using Lasso Regression</a:t>
+            </a:r>
+          </a:p>
+          <a:p>
+            <a:pPr marL="342900" indent="-342900">
+              <a:buFont typeface="Arial" panose="020B0604020202020204" pitchFamily="34" charset="0"/>
+              <a:buChar char="•"/>
+            </a:pPr>
+            <a:r>
+              <a:rPr lang="en-AU" b="1" dirty="0"/>
+              <a:t>Small deviations in residuals were noted, </a:t>
+            </a:r>
+            <a:r>
+              <a:rPr lang="en-AU" b="1"/>
+              <a:t>but addition </a:t>
+            </a:r>
+            <a:r>
+              <a:rPr lang="en-AU" b="1" dirty="0"/>
+              <a:t>of quadratic terms did not fix it</a:t>
+            </a:r>
+          </a:p>
+          <a:p>
+            <a:pPr marL="1062900" lvl="2" indent="-342900"/>
+            <a:r>
+              <a:rPr lang="en-AU" dirty="0"/>
+              <a:t>A minor </a:t>
+            </a:r>
+            <a:r>
+              <a:rPr lang="en-AU" i="1" dirty="0"/>
+              <a:t>sag</a:t>
+            </a:r>
+            <a:r>
+              <a:rPr lang="en-AU" dirty="0"/>
+              <a:t> was noted in the residuals plot, suggesting use of a quadratic term</a:t>
+            </a:r>
+          </a:p>
+          <a:p>
+            <a:pPr marL="342900" indent="-342900">
+              <a:buFont typeface="Arial" panose="020B0604020202020204" pitchFamily="34" charset="0"/>
+              <a:buChar char="•"/>
+            </a:pPr>
+            <a:r>
+              <a:rPr lang="en-AU" b="1" dirty="0"/>
+              <a:t>It remains unclear whether an ordinary least squares regression approach is optimal</a:t>
+            </a:r>
+          </a:p>
+          <a:p>
+            <a:pPr marL="1062900" lvl="2" indent="-342900"/>
+            <a:r>
+              <a:rPr lang="en-AU" dirty="0"/>
+              <a:t>A GAM follow-up analysis yielded superior model fit at a negligible cost to AIC</a:t>
+            </a:r>
+          </a:p>
+          <a:p>
+            <a:pPr marL="342900" indent="-342900">
+              <a:buFont typeface="Arial" panose="020B0604020202020204" pitchFamily="34" charset="0"/>
+              <a:buChar char="•"/>
+            </a:pPr>
+            <a:r>
+              <a:rPr lang="en-AU" b="1" dirty="0"/>
+              <a:t>There may be differential relationships for each team or for home and away teams</a:t>
+            </a:r>
+          </a:p>
+          <a:p>
+            <a:pPr marL="1062900" lvl="2" indent="-342900"/>
+            <a:r>
+              <a:rPr lang="en-AU" dirty="0"/>
+              <a:t>Exploring these interactions may reveal unique team-level gameplay differences or a quantification of the “home team advantage”</a:t>
+            </a:r>
+          </a:p>
+        </p:txBody>
+      </p:sp>
+    </p:spTree>
+    <p:extLst>
+      <p:ext uri="{BB962C8B-B14F-4D97-AF65-F5344CB8AC3E}">
+        <p14:creationId xmlns:p14="http://schemas.microsoft.com/office/powerpoint/2010/main" val="684902389"/>
       </p:ext>
     </p:extLst>
   </p:cSld>
@@ -27415,18 +28253,18 @@
 </file>
 
 <file path=customXml/item1.xml><?xml version="1.0" encoding="utf-8"?>
-<p:properties xmlns:p="http://schemas.microsoft.com/office/2006/metadata/properties" xmlns:xsi="http://www.w3.org/2001/XMLSchema-instance" xmlns:pc="http://schemas.microsoft.com/office/infopath/2007/PartnerControls">
-  <documentManagement/>
-</p:properties>
-</file>
-
-<file path=customXml/item2.xml><?xml version="1.0" encoding="utf-8"?>
 <?mso-contentType ?>
 <FormTemplates xmlns="http://schemas.microsoft.com/sharepoint/v3/contenttype/forms">
   <Display>DocumentLibraryForm</Display>
   <Edit>DocumentLibraryForm</Edit>
   <New>DocumentLibraryForm</New>
 </FormTemplates>
+</file>
+
+<file path=customXml/item2.xml><?xml version="1.0" encoding="utf-8"?>
+<p:properties xmlns:p="http://schemas.microsoft.com/office/2006/metadata/properties" xmlns:xsi="http://www.w3.org/2001/XMLSchema-instance" xmlns:pc="http://schemas.microsoft.com/office/infopath/2007/PartnerControls">
+  <documentManagement/>
+</p:properties>
 </file>
 
 <file path=customXml/item3.xml><?xml version="1.0" encoding="utf-8"?>
@@ -27633,6 +28471,14 @@
 </file>
 
 <file path=customXml/itemProps1.xml><?xml version="1.0" encoding="utf-8"?>
+<ds:datastoreItem xmlns:ds="http://schemas.openxmlformats.org/officeDocument/2006/customXml" ds:itemID="{0173B242-1203-4859-8453-A7C017C494AB}">
+  <ds:schemaRefs>
+    <ds:schemaRef ds:uri="http://schemas.microsoft.com/sharepoint/v3/contenttype/forms"/>
+  </ds:schemaRefs>
+</ds:datastoreItem>
+</file>
+
+<file path=customXml/itemProps2.xml><?xml version="1.0" encoding="utf-8"?>
 <ds:datastoreItem xmlns:ds="http://schemas.openxmlformats.org/officeDocument/2006/customXml" ds:itemID="{FF1C9025-37E4-4B60-BB55-82E97C9CA6D5}">
   <ds:schemaRefs>
     <ds:schemaRef ds:uri="http://www.w3.org/XML/1998/namespace"/>
@@ -27645,14 +28491,6 @@
     <ds:schemaRef ds:uri="http://schemas.microsoft.com/office/2006/documentManagement/types"/>
     <ds:schemaRef ds:uri="6cd22d0c-df22-4c4f-a401-cad966b5c9be"/>
     <ds:schemaRef ds:uri="fc6ab167-db70-4379-8869-a8cc7a1fa5d6"/>
-  </ds:schemaRefs>
-</ds:datastoreItem>
-</file>
-
-<file path=customXml/itemProps2.xml><?xml version="1.0" encoding="utf-8"?>
-<ds:datastoreItem xmlns:ds="http://schemas.openxmlformats.org/officeDocument/2006/customXml" ds:itemID="{0173B242-1203-4859-8453-A7C017C494AB}">
-  <ds:schemaRefs>
-    <ds:schemaRef ds:uri="http://schemas.microsoft.com/sharepoint/v3/contenttype/forms"/>
   </ds:schemaRefs>
 </ds:datastoreItem>
 </file>

--- a/olet5608/OLET5608 Presentation.pptx
+++ b/olet5608/OLET5608 Presentation.pptx
@@ -295,7 +295,7 @@
           <a:p>
             <a:fld id="{49A2865F-B372-43D2-8255-7FA4007EBB59}" type="datetimeFigureOut">
               <a:rPr lang="en-AU" smtClean="0"/>
-              <a:t>27/4/21</a:t>
+              <a:t>28/4/21</a:t>
             </a:fld>
             <a:endParaRPr lang="en-AU"/>
           </a:p>
@@ -460,7 +460,7 @@
           <a:p>
             <a:fld id="{0834D938-244D-4739-949C-2C3FCC68DC46}" type="datetimeFigureOut">
               <a:rPr lang="en-AU" smtClean="0"/>
-              <a:t>27/4/21</a:t>
+              <a:t>28/4/21</a:t>
             </a:fld>
             <a:endParaRPr lang="en-AU"/>
           </a:p>
@@ -4330,7 +4330,7 @@
           <a:graphicData uri="http://schemas.openxmlformats.org/presentationml/2006/ole">
             <mc:AlternateContent xmlns:mc="http://schemas.openxmlformats.org/markup-compatibility/2006">
               <mc:Choice xmlns:v="urn:schemas-microsoft-com:vml" Requires="v">
-                <p:oleObj spid="_x0000_s6157" name="think-cell Slide" r:id="rId4" imgW="270" imgH="270" progId="TCLayout.ActiveDocument.1">
+                <p:oleObj spid="_x0000_s6159" name="think-cell Slide" r:id="rId4" imgW="270" imgH="270" progId="TCLayout.ActiveDocument.1">
                   <p:embed/>
                 </p:oleObj>
               </mc:Choice>
@@ -5035,7 +5035,7 @@
           <a:graphicData uri="http://schemas.openxmlformats.org/presentationml/2006/ole">
             <mc:AlternateContent xmlns:mc="http://schemas.openxmlformats.org/markup-compatibility/2006">
               <mc:Choice xmlns:v="urn:schemas-microsoft-com:vml" Requires="v">
-                <p:oleObj spid="_x0000_s2061" name="think-cell Slide" r:id="rId5" imgW="270" imgH="270" progId="TCLayout.ActiveDocument.1">
+                <p:oleObj spid="_x0000_s2063" name="think-cell Slide" r:id="rId5" imgW="270" imgH="270" progId="TCLayout.ActiveDocument.1">
                   <p:embed/>
                 </p:oleObj>
               </mc:Choice>
@@ -7145,7 +7145,7 @@
           <a:graphicData uri="http://schemas.openxmlformats.org/presentationml/2006/ole">
             <mc:AlternateContent xmlns:mc="http://schemas.openxmlformats.org/markup-compatibility/2006">
               <mc:Choice xmlns:v="urn:schemas-microsoft-com:vml" Requires="v">
-                <p:oleObj spid="_x0000_s7181" name="think-cell Slide" r:id="rId4" imgW="270" imgH="270" progId="TCLayout.ActiveDocument.1">
+                <p:oleObj spid="_x0000_s7183" name="think-cell Slide" r:id="rId4" imgW="270" imgH="270" progId="TCLayout.ActiveDocument.1">
                   <p:embed/>
                 </p:oleObj>
               </mc:Choice>
@@ -7798,7 +7798,7 @@
           <a:graphicData uri="http://schemas.openxmlformats.org/presentationml/2006/ole">
             <mc:AlternateContent xmlns:mc="http://schemas.openxmlformats.org/markup-compatibility/2006">
               <mc:Choice xmlns:v="urn:schemas-microsoft-com:vml" Requires="v">
-                <p:oleObj spid="_x0000_s8205" name="think-cell Slide" r:id="rId4" imgW="270" imgH="270" progId="TCLayout.ActiveDocument.1">
+                <p:oleObj spid="_x0000_s8207" name="think-cell Slide" r:id="rId4" imgW="270" imgH="270" progId="TCLayout.ActiveDocument.1">
                   <p:embed/>
                 </p:oleObj>
               </mc:Choice>
@@ -18438,7 +18438,7 @@
           <a:graphicData uri="http://schemas.openxmlformats.org/presentationml/2006/ole">
             <mc:AlternateContent xmlns:mc="http://schemas.openxmlformats.org/markup-compatibility/2006">
               <mc:Choice xmlns:v="urn:schemas-microsoft-com:vml" Requires="v">
-                <p:oleObj spid="_x0000_s3085" name="think-cell Slide" r:id="rId4" imgW="270" imgH="270" progId="TCLayout.ActiveDocument.1">
+                <p:oleObj spid="_x0000_s3087" name="think-cell Slide" r:id="rId4" imgW="270" imgH="270" progId="TCLayout.ActiveDocument.1">
                   <p:embed/>
                 </p:oleObj>
               </mc:Choice>
@@ -23795,7 +23795,7 @@
           <a:graphicData uri="http://schemas.openxmlformats.org/presentationml/2006/ole">
             <mc:AlternateContent xmlns:mc="http://schemas.openxmlformats.org/markup-compatibility/2006">
               <mc:Choice xmlns:v="urn:schemas-microsoft-com:vml" Requires="v">
-                <p:oleObj spid="_x0000_s4109" name="think-cell Slide" r:id="rId4" imgW="270" imgH="270" progId="TCLayout.ActiveDocument.1">
+                <p:oleObj spid="_x0000_s4111" name="think-cell Slide" r:id="rId4" imgW="270" imgH="270" progId="TCLayout.ActiveDocument.1">
                   <p:embed/>
                 </p:oleObj>
               </mc:Choice>
@@ -24107,7 +24107,7 @@
           <a:graphicData uri="http://schemas.openxmlformats.org/presentationml/2006/ole">
             <mc:AlternateContent xmlns:mc="http://schemas.openxmlformats.org/markup-compatibility/2006">
               <mc:Choice xmlns:v="urn:schemas-microsoft-com:vml" Requires="v">
-                <p:oleObj spid="_x0000_s5133" name="think-cell Slide" r:id="rId4" imgW="270" imgH="270" progId="TCLayout.ActiveDocument.1">
+                <p:oleObj spid="_x0000_s5135" name="think-cell Slide" r:id="rId4" imgW="270" imgH="270" progId="TCLayout.ActiveDocument.1">
                   <p:embed/>
                 </p:oleObj>
               </mc:Choice>
@@ -24424,7 +24424,7 @@
           <a:graphicData uri="http://schemas.openxmlformats.org/presentationml/2006/ole">
             <mc:AlternateContent xmlns:mc="http://schemas.openxmlformats.org/markup-compatibility/2006">
               <mc:Choice xmlns:v="urn:schemas-microsoft-com:vml" Requires="v">
-                <p:oleObj spid="_x0000_s1037" name="think-cell Slide" r:id="rId49" imgW="270" imgH="270" progId="TCLayout.ActiveDocument.1">
+                <p:oleObj spid="_x0000_s1039" name="think-cell Slide" r:id="rId49" imgW="270" imgH="270" progId="TCLayout.ActiveDocument.1">
                   <p:embed/>
                 </p:oleObj>
               </mc:Choice>
@@ -25843,872 +25843,898 @@
           </a:p>
         </p:txBody>
       </p:sp>
-      <p:sp>
-        <p:nvSpPr>
-          <p:cNvPr id="3" name="Content Placeholder 2">
+      <p:grpSp>
+        <p:nvGrpSpPr>
+          <p:cNvPr id="4" name="Group 3">
             <a:extLst>
               <a:ext uri="{FF2B5EF4-FFF2-40B4-BE49-F238E27FC236}">
-                <a16:creationId xmlns:a16="http://schemas.microsoft.com/office/drawing/2014/main" id="{F2C96EF5-B754-432F-BC8A-5ADF27FDF0F5}"/>
+                <a16:creationId xmlns:a16="http://schemas.microsoft.com/office/drawing/2014/main" id="{D83B57B3-319F-F142-85CE-81E8FE6BE2D3}"/>
               </a:ext>
             </a:extLst>
           </p:cNvPr>
-          <p:cNvSpPr>
-            <a:spLocks noGrp="1"/>
-          </p:cNvSpPr>
-          <p:nvPr>
-            <p:ph sz="quarter" idx="23"/>
-          </p:nvPr>
-        </p:nvSpPr>
-        <p:spPr>
-          <a:xfrm>
-            <a:off x="666751" y="1774062"/>
-            <a:ext cx="5323981" cy="3858642"/>
-          </a:xfrm>
-        </p:spPr>
-        <p:txBody>
-          <a:bodyPr/>
-          <a:lstStyle/>
-          <a:p>
-            <a:endParaRPr lang="en-AU"/>
-          </a:p>
-        </p:txBody>
-      </p:sp>
-      <p:sp>
-        <p:nvSpPr>
-          <p:cNvPr id="5" name="Rectangle 4">
+          <p:cNvGrpSpPr/>
+          <p:nvPr/>
+        </p:nvGrpSpPr>
+        <p:grpSpPr>
+          <a:xfrm>
+            <a:off x="666750" y="1666110"/>
+            <a:ext cx="5323982" cy="4074545"/>
+            <a:chOff x="6199681" y="1774062"/>
+            <a:chExt cx="5323982" cy="4074545"/>
+          </a:xfrm>
+        </p:grpSpPr>
+        <p:sp>
+          <p:nvSpPr>
+            <p:cNvPr id="5" name="Rectangle 4">
+              <a:extLst>
+                <a:ext uri="{FF2B5EF4-FFF2-40B4-BE49-F238E27FC236}">
+                  <a16:creationId xmlns:a16="http://schemas.microsoft.com/office/drawing/2014/main" id="{DF615AC2-05CE-489E-BA41-596539B000FC}"/>
+                </a:ext>
+              </a:extLst>
+            </p:cNvPr>
+            <p:cNvSpPr/>
+            <p:nvPr/>
+          </p:nvSpPr>
+          <p:spPr>
+            <a:xfrm>
+              <a:off x="6199682" y="2184532"/>
+              <a:ext cx="5323980" cy="437409"/>
+            </a:xfrm>
+            <a:prstGeom prst="rect">
+              <a:avLst/>
+            </a:prstGeom>
+            <a:solidFill>
+              <a:schemeClr val="bg1"/>
+            </a:solidFill>
+            <a:ln w="38100">
+              <a:solidFill>
+                <a:schemeClr val="accent1"/>
+              </a:solidFill>
+            </a:ln>
+          </p:spPr>
+          <p:style>
+            <a:lnRef idx="2">
+              <a:schemeClr val="accent1">
+                <a:shade val="50000"/>
+              </a:schemeClr>
+            </a:lnRef>
+            <a:fillRef idx="1">
+              <a:schemeClr val="accent1"/>
+            </a:fillRef>
+            <a:effectRef idx="0">
+              <a:schemeClr val="accent1"/>
+            </a:effectRef>
+            <a:fontRef idx="minor">
+              <a:schemeClr val="lt1"/>
+            </a:fontRef>
+          </p:style>
+          <p:txBody>
+            <a:bodyPr rtlCol="0" anchor="ctr"/>
+            <a:lstStyle/>
+            <a:p>
+              <a:pPr algn="ctr"/>
+              <a:r>
+                <a:rPr lang="en-AU" sz="1800" dirty="0">
+                  <a:solidFill>
+                    <a:schemeClr val="bg2"/>
+                  </a:solidFill>
+                </a:rPr>
+                <a:t>Data extraction from API</a:t>
+              </a:r>
+            </a:p>
+          </p:txBody>
+        </p:sp>
+        <p:sp>
+          <p:nvSpPr>
+            <p:cNvPr id="6" name="Content Placeholder 5">
+              <a:extLst>
+                <a:ext uri="{FF2B5EF4-FFF2-40B4-BE49-F238E27FC236}">
+                  <a16:creationId xmlns:a16="http://schemas.microsoft.com/office/drawing/2014/main" id="{8C61B274-F30C-A44A-90EC-761E050262D4}"/>
+                </a:ext>
+              </a:extLst>
+            </p:cNvPr>
+            <p:cNvSpPr txBox="1">
+              <a:spLocks/>
+            </p:cNvSpPr>
+            <p:nvPr/>
+          </p:nvSpPr>
+          <p:spPr>
+            <a:xfrm>
+              <a:off x="6199681" y="1774062"/>
+              <a:ext cx="5323981" cy="291312"/>
+            </a:xfrm>
+            <a:prstGeom prst="rect">
+              <a:avLst/>
+            </a:prstGeom>
+          </p:spPr>
+          <p:txBody>
+            <a:bodyPr/>
+            <a:lstStyle>
+              <a:lvl1pPr marL="0" indent="0" algn="l" defTabSz="1039033" rtl="0" eaLnBrk="1" latinLnBrk="0" hangingPunct="1">
+                <a:spcBef>
+                  <a:spcPts val="455"/>
+                </a:spcBef>
+                <a:buFont typeface="Arial" pitchFamily="34" charset="0"/>
+                <a:buNone/>
+                <a:defRPr sz="2000" kern="1200" spc="0">
+                  <a:solidFill>
+                    <a:schemeClr val="bg2"/>
+                  </a:solidFill>
+                  <a:latin typeface="Segoe UI" panose="020B0502040204020203" pitchFamily="34" charset="0"/>
+                  <a:ea typeface="Segoe UI" panose="020B0502040204020203" pitchFamily="34" charset="0"/>
+                  <a:cs typeface="Segoe UI" panose="020B0502040204020203" pitchFamily="34" charset="0"/>
+                </a:defRPr>
+              </a:lvl1pPr>
+              <a:lvl2pPr marL="0" indent="-360000" algn="l" defTabSz="1039033" rtl="0" eaLnBrk="1" latinLnBrk="0" hangingPunct="1">
+                <a:spcBef>
+                  <a:spcPts val="455"/>
+                </a:spcBef>
+                <a:buClr>
+                  <a:schemeClr val="bg2"/>
+                </a:buClr>
+                <a:buFont typeface="Arial" pitchFamily="34" charset="0"/>
+                <a:buChar char="•"/>
+                <a:defRPr sz="2000" kern="1200" spc="0">
+                  <a:solidFill>
+                    <a:schemeClr val="bg2"/>
+                  </a:solidFill>
+                  <a:latin typeface="Segoe UI" panose="020B0502040204020203" pitchFamily="34" charset="0"/>
+                  <a:ea typeface="Segoe UI" panose="020B0502040204020203" pitchFamily="34" charset="0"/>
+                  <a:cs typeface="Segoe UI" panose="020B0502040204020203" pitchFamily="34" charset="0"/>
+                </a:defRPr>
+              </a:lvl2pPr>
+              <a:lvl3pPr marL="720000" indent="-360000" algn="l" defTabSz="1039033" rtl="0" eaLnBrk="1" latinLnBrk="0" hangingPunct="1">
+                <a:spcBef>
+                  <a:spcPts val="455"/>
+                </a:spcBef>
+                <a:buClr>
+                  <a:schemeClr val="bg2"/>
+                </a:buClr>
+                <a:buFont typeface="Segoe UI" panose="020B0502040204020203" pitchFamily="34" charset="0"/>
+                <a:buChar char="–"/>
+                <a:defRPr sz="2000" kern="1200" spc="0">
+                  <a:solidFill>
+                    <a:schemeClr val="bg2"/>
+                  </a:solidFill>
+                  <a:latin typeface="Segoe UI" panose="020B0502040204020203" pitchFamily="34" charset="0"/>
+                  <a:ea typeface="Segoe UI" panose="020B0502040204020203" pitchFamily="34" charset="0"/>
+                  <a:cs typeface="Segoe UI" panose="020B0502040204020203" pitchFamily="34" charset="0"/>
+                </a:defRPr>
+              </a:lvl3pPr>
+              <a:lvl4pPr marL="1080000" indent="-360000" algn="l" defTabSz="1039033" rtl="0" eaLnBrk="1" latinLnBrk="0" hangingPunct="1">
+                <a:spcBef>
+                  <a:spcPts val="455"/>
+                </a:spcBef>
+                <a:buClr>
+                  <a:schemeClr val="bg2"/>
+                </a:buClr>
+                <a:buFont typeface="Arial" pitchFamily="34" charset="0"/>
+                <a:buChar char="•"/>
+                <a:defRPr sz="2000" kern="1200" spc="0">
+                  <a:solidFill>
+                    <a:schemeClr val="bg2"/>
+                  </a:solidFill>
+                  <a:latin typeface="Segoe UI" panose="020B0502040204020203" pitchFamily="34" charset="0"/>
+                  <a:ea typeface="Segoe UI" panose="020B0502040204020203" pitchFamily="34" charset="0"/>
+                  <a:cs typeface="Segoe UI" panose="020B0502040204020203" pitchFamily="34" charset="0"/>
+                </a:defRPr>
+              </a:lvl4pPr>
+              <a:lvl5pPr marL="1440000" indent="-360000" algn="l" defTabSz="1039033" rtl="0" eaLnBrk="1" latinLnBrk="0" hangingPunct="1">
+                <a:spcBef>
+                  <a:spcPts val="455"/>
+                </a:spcBef>
+                <a:buClr>
+                  <a:schemeClr val="bg2"/>
+                </a:buClr>
+                <a:buFont typeface="Segoe UI" panose="020B0502040204020203" pitchFamily="34" charset="0"/>
+                <a:buChar char="–"/>
+                <a:defRPr sz="2000" kern="1200" spc="0">
+                  <a:solidFill>
+                    <a:schemeClr val="bg2"/>
+                  </a:solidFill>
+                  <a:latin typeface="Segoe UI" panose="020B0502040204020203" pitchFamily="34" charset="0"/>
+                  <a:ea typeface="Segoe UI" panose="020B0502040204020203" pitchFamily="34" charset="0"/>
+                  <a:cs typeface="Segoe UI" panose="020B0502040204020203" pitchFamily="34" charset="0"/>
+                </a:defRPr>
+              </a:lvl5pPr>
+              <a:lvl6pPr marL="720000" indent="-360000" algn="l" defTabSz="1039033" rtl="0" eaLnBrk="1" latinLnBrk="0" hangingPunct="1">
+                <a:spcBef>
+                  <a:spcPts val="455"/>
+                </a:spcBef>
+                <a:buClr>
+                  <a:schemeClr val="bg2"/>
+                </a:buClr>
+                <a:buFont typeface="+mj-lt"/>
+                <a:buAutoNum type="arabicPeriod"/>
+                <a:defRPr sz="2000" kern="1200" spc="0" baseline="0">
+                  <a:solidFill>
+                    <a:schemeClr val="bg2"/>
+                  </a:solidFill>
+                  <a:latin typeface="Segoe UI" panose="020B0502040204020203" pitchFamily="34" charset="0"/>
+                  <a:ea typeface="Segoe UI" panose="020B0502040204020203" pitchFamily="34" charset="0"/>
+                  <a:cs typeface="Segoe UI" panose="020B0502040204020203" pitchFamily="34" charset="0"/>
+                </a:defRPr>
+              </a:lvl6pPr>
+              <a:lvl7pPr marL="1080000" indent="-360000" algn="l" defTabSz="1039033" rtl="0" eaLnBrk="1" latinLnBrk="0" hangingPunct="1">
+                <a:spcBef>
+                  <a:spcPts val="455"/>
+                </a:spcBef>
+                <a:buClr>
+                  <a:schemeClr val="bg2"/>
+                </a:buClr>
+                <a:buFont typeface="+mj-lt"/>
+                <a:buAutoNum type="alphaLcPeriod"/>
+                <a:defRPr sz="2000" kern="1200" spc="0">
+                  <a:solidFill>
+                    <a:schemeClr val="bg2"/>
+                  </a:solidFill>
+                  <a:latin typeface="Segoe UI" panose="020B0502040204020203" pitchFamily="34" charset="0"/>
+                  <a:ea typeface="Segoe UI" panose="020B0502040204020203" pitchFamily="34" charset="0"/>
+                  <a:cs typeface="Segoe UI" panose="020B0502040204020203" pitchFamily="34" charset="0"/>
+                </a:defRPr>
+              </a:lvl7pPr>
+              <a:lvl8pPr marL="1440000" indent="-360000" algn="l" defTabSz="1039033" rtl="0" eaLnBrk="1" latinLnBrk="0" hangingPunct="1">
+                <a:spcBef>
+                  <a:spcPts val="455"/>
+                </a:spcBef>
+                <a:buClr>
+                  <a:schemeClr val="bg2"/>
+                </a:buClr>
+                <a:buFont typeface="+mj-lt"/>
+                <a:buAutoNum type="romanLcPeriod"/>
+                <a:defRPr sz="2000" kern="1200" spc="0" baseline="0">
+                  <a:solidFill>
+                    <a:schemeClr val="bg2"/>
+                  </a:solidFill>
+                  <a:latin typeface="Segoe UI" panose="020B0502040204020203" pitchFamily="34" charset="0"/>
+                  <a:ea typeface="Segoe UI" panose="020B0502040204020203" pitchFamily="34" charset="0"/>
+                  <a:cs typeface="Segoe UI" panose="020B0502040204020203" pitchFamily="34" charset="0"/>
+                </a:defRPr>
+              </a:lvl8pPr>
+              <a:lvl9pPr marL="4415889" indent="-259758" algn="l" defTabSz="1039033" rtl="0" eaLnBrk="1" latinLnBrk="0" hangingPunct="1">
+                <a:spcBef>
+                  <a:spcPct val="20000"/>
+                </a:spcBef>
+                <a:buFont typeface="Arial" pitchFamily="34" charset="0"/>
+                <a:buChar char="•"/>
+                <a:defRPr sz="2300" kern="1200">
+                  <a:solidFill>
+                    <a:schemeClr val="tx1"/>
+                  </a:solidFill>
+                  <a:latin typeface="+mn-lt"/>
+                  <a:ea typeface="+mn-ea"/>
+                  <a:cs typeface="+mn-cs"/>
+                </a:defRPr>
+              </a:lvl9pPr>
+            </a:lstStyle>
+            <a:p>
+              <a:r>
+                <a:rPr lang="en-AU" dirty="0">
+                  <a:latin typeface="Segoe UI Semibold" panose="020B0702040204020203" pitchFamily="34" charset="0"/>
+                  <a:cs typeface="Segoe UI Semibold" panose="020B0702040204020203" pitchFamily="34" charset="0"/>
+                </a:rPr>
+                <a:t>Overall analytical workflow</a:t>
+              </a:r>
+            </a:p>
+          </p:txBody>
+        </p:sp>
+        <p:sp>
+          <p:nvSpPr>
+            <p:cNvPr id="7" name="Rectangle 6">
+              <a:extLst>
+                <a:ext uri="{FF2B5EF4-FFF2-40B4-BE49-F238E27FC236}">
+                  <a16:creationId xmlns:a16="http://schemas.microsoft.com/office/drawing/2014/main" id="{D523E57A-6DBF-5B49-BEB2-EF468A06DFE1}"/>
+                </a:ext>
+              </a:extLst>
+            </p:cNvPr>
+            <p:cNvSpPr/>
+            <p:nvPr/>
+          </p:nvSpPr>
+          <p:spPr>
+            <a:xfrm>
+              <a:off x="6199682" y="2992387"/>
+              <a:ext cx="5323980" cy="437408"/>
+            </a:xfrm>
+            <a:prstGeom prst="rect">
+              <a:avLst/>
+            </a:prstGeom>
+            <a:solidFill>
+              <a:schemeClr val="bg1"/>
+            </a:solidFill>
+            <a:ln w="38100">
+              <a:solidFill>
+                <a:schemeClr val="accent2"/>
+              </a:solidFill>
+            </a:ln>
+          </p:spPr>
+          <p:style>
+            <a:lnRef idx="2">
+              <a:schemeClr val="accent1">
+                <a:shade val="50000"/>
+              </a:schemeClr>
+            </a:lnRef>
+            <a:fillRef idx="1">
+              <a:schemeClr val="accent1"/>
+            </a:fillRef>
+            <a:effectRef idx="0">
+              <a:schemeClr val="accent1"/>
+            </a:effectRef>
+            <a:fontRef idx="minor">
+              <a:schemeClr val="lt1"/>
+            </a:fontRef>
+          </p:style>
+          <p:txBody>
+            <a:bodyPr rtlCol="0" anchor="ctr"/>
+            <a:lstStyle/>
+            <a:p>
+              <a:pPr algn="ctr"/>
+              <a:r>
+                <a:rPr lang="en-AU" sz="1800" dirty="0">
+                  <a:solidFill>
+                    <a:schemeClr val="bg2"/>
+                  </a:solidFill>
+                </a:rPr>
+                <a:t>Data cleaning and aggregation</a:t>
+              </a:r>
+            </a:p>
+          </p:txBody>
+        </p:sp>
+        <p:sp>
+          <p:nvSpPr>
+            <p:cNvPr id="8" name="Rectangle 7">
+              <a:extLst>
+                <a:ext uri="{FF2B5EF4-FFF2-40B4-BE49-F238E27FC236}">
+                  <a16:creationId xmlns:a16="http://schemas.microsoft.com/office/drawing/2014/main" id="{4CEB6935-57EF-FB44-9D21-B147E0DCECBF}"/>
+                </a:ext>
+              </a:extLst>
+            </p:cNvPr>
+            <p:cNvSpPr/>
+            <p:nvPr/>
+          </p:nvSpPr>
+          <p:spPr>
+            <a:xfrm>
+              <a:off x="6199682" y="3800241"/>
+              <a:ext cx="5323980" cy="435032"/>
+            </a:xfrm>
+            <a:prstGeom prst="rect">
+              <a:avLst/>
+            </a:prstGeom>
+            <a:solidFill>
+              <a:schemeClr val="bg1"/>
+            </a:solidFill>
+            <a:ln w="38100">
+              <a:solidFill>
+                <a:schemeClr val="accent3"/>
+              </a:solidFill>
+            </a:ln>
+          </p:spPr>
+          <p:style>
+            <a:lnRef idx="2">
+              <a:schemeClr val="accent1">
+                <a:shade val="50000"/>
+              </a:schemeClr>
+            </a:lnRef>
+            <a:fillRef idx="1">
+              <a:schemeClr val="accent1"/>
+            </a:fillRef>
+            <a:effectRef idx="0">
+              <a:schemeClr val="accent1"/>
+            </a:effectRef>
+            <a:fontRef idx="minor">
+              <a:schemeClr val="lt1"/>
+            </a:fontRef>
+          </p:style>
+          <p:txBody>
+            <a:bodyPr rtlCol="0" anchor="ctr"/>
+            <a:lstStyle/>
+            <a:p>
+              <a:pPr algn="ctr"/>
+              <a:r>
+                <a:rPr lang="en-AU" sz="1800" dirty="0">
+                  <a:solidFill>
+                    <a:schemeClr val="bg2"/>
+                  </a:solidFill>
+                </a:rPr>
+                <a:t>Exploratory data analysis and visualisation</a:t>
+              </a:r>
+            </a:p>
+          </p:txBody>
+        </p:sp>
+        <p:sp>
+          <p:nvSpPr>
+            <p:cNvPr id="9" name="Rectangle 8">
+              <a:extLst>
+                <a:ext uri="{FF2B5EF4-FFF2-40B4-BE49-F238E27FC236}">
+                  <a16:creationId xmlns:a16="http://schemas.microsoft.com/office/drawing/2014/main" id="{164F7BDC-911D-FE4E-AF5F-B5F0E1CD831B}"/>
+                </a:ext>
+              </a:extLst>
+            </p:cNvPr>
+            <p:cNvSpPr/>
+            <p:nvPr/>
+          </p:nvSpPr>
+          <p:spPr>
+            <a:xfrm>
+              <a:off x="6199681" y="4608095"/>
+              <a:ext cx="2427032" cy="435032"/>
+            </a:xfrm>
+            <a:prstGeom prst="rect">
+              <a:avLst/>
+            </a:prstGeom>
+            <a:solidFill>
+              <a:schemeClr val="bg1"/>
+            </a:solidFill>
+            <a:ln w="38100">
+              <a:solidFill>
+                <a:schemeClr val="accent4"/>
+              </a:solidFill>
+            </a:ln>
+          </p:spPr>
+          <p:style>
+            <a:lnRef idx="2">
+              <a:schemeClr val="accent1">
+                <a:shade val="50000"/>
+              </a:schemeClr>
+            </a:lnRef>
+            <a:fillRef idx="1">
+              <a:schemeClr val="accent1"/>
+            </a:fillRef>
+            <a:effectRef idx="0">
+              <a:schemeClr val="accent1"/>
+            </a:effectRef>
+            <a:fontRef idx="minor">
+              <a:schemeClr val="lt1"/>
+            </a:fontRef>
+          </p:style>
+          <p:txBody>
+            <a:bodyPr rtlCol="0" anchor="ctr"/>
+            <a:lstStyle/>
+            <a:p>
+              <a:pPr algn="ctr"/>
+              <a:r>
+                <a:rPr lang="en-AU" sz="1800" dirty="0">
+                  <a:solidFill>
+                    <a:schemeClr val="bg2"/>
+                  </a:solidFill>
+                </a:rPr>
+                <a:t>Linear model fitting</a:t>
+              </a:r>
+            </a:p>
+          </p:txBody>
+        </p:sp>
+        <p:sp>
+          <p:nvSpPr>
+            <p:cNvPr id="10" name="Rectangle 9">
+              <a:extLst>
+                <a:ext uri="{FF2B5EF4-FFF2-40B4-BE49-F238E27FC236}">
+                  <a16:creationId xmlns:a16="http://schemas.microsoft.com/office/drawing/2014/main" id="{AA0E7FCB-E6C1-044E-A589-80C95413E588}"/>
+                </a:ext>
+              </a:extLst>
+            </p:cNvPr>
+            <p:cNvSpPr/>
+            <p:nvPr/>
+          </p:nvSpPr>
+          <p:spPr>
+            <a:xfrm>
+              <a:off x="9096631" y="4610470"/>
+              <a:ext cx="2427032" cy="432657"/>
+            </a:xfrm>
+            <a:prstGeom prst="rect">
+              <a:avLst/>
+            </a:prstGeom>
+            <a:solidFill>
+              <a:schemeClr val="bg1"/>
+            </a:solidFill>
+            <a:ln w="38100">
+              <a:solidFill>
+                <a:schemeClr val="accent4"/>
+              </a:solidFill>
+            </a:ln>
+          </p:spPr>
+          <p:style>
+            <a:lnRef idx="2">
+              <a:schemeClr val="accent1">
+                <a:shade val="50000"/>
+              </a:schemeClr>
+            </a:lnRef>
+            <a:fillRef idx="1">
+              <a:schemeClr val="accent1"/>
+            </a:fillRef>
+            <a:effectRef idx="0">
+              <a:schemeClr val="accent1"/>
+            </a:effectRef>
+            <a:fontRef idx="minor">
+              <a:schemeClr val="lt1"/>
+            </a:fontRef>
+          </p:style>
+          <p:txBody>
+            <a:bodyPr rtlCol="0" anchor="ctr"/>
+            <a:lstStyle/>
+            <a:p>
+              <a:pPr algn="ctr"/>
+              <a:r>
+                <a:rPr lang="en-AU" sz="1800" dirty="0">
+                  <a:solidFill>
+                    <a:schemeClr val="bg2"/>
+                  </a:solidFill>
+                </a:rPr>
+                <a:t>Assumption checking</a:t>
+              </a:r>
+            </a:p>
+          </p:txBody>
+        </p:sp>
+        <p:sp>
+          <p:nvSpPr>
+            <p:cNvPr id="11" name="Rectangle 10">
+              <a:extLst>
+                <a:ext uri="{FF2B5EF4-FFF2-40B4-BE49-F238E27FC236}">
+                  <a16:creationId xmlns:a16="http://schemas.microsoft.com/office/drawing/2014/main" id="{7D542D0D-EF30-4847-8178-8E04C773B099}"/>
+                </a:ext>
+              </a:extLst>
+            </p:cNvPr>
+            <p:cNvSpPr/>
+            <p:nvPr/>
+          </p:nvSpPr>
+          <p:spPr>
+            <a:xfrm>
+              <a:off x="6199682" y="5415949"/>
+              <a:ext cx="5323980" cy="432658"/>
+            </a:xfrm>
+            <a:prstGeom prst="rect">
+              <a:avLst/>
+            </a:prstGeom>
+            <a:solidFill>
+              <a:schemeClr val="bg1"/>
+            </a:solidFill>
+            <a:ln w="38100">
+              <a:solidFill>
+                <a:schemeClr val="accent6"/>
+              </a:solidFill>
+            </a:ln>
+          </p:spPr>
+          <p:style>
+            <a:lnRef idx="2">
+              <a:schemeClr val="accent1">
+                <a:shade val="50000"/>
+              </a:schemeClr>
+            </a:lnRef>
+            <a:fillRef idx="1">
+              <a:schemeClr val="accent1"/>
+            </a:fillRef>
+            <a:effectRef idx="0">
+              <a:schemeClr val="accent1"/>
+            </a:effectRef>
+            <a:fontRef idx="minor">
+              <a:schemeClr val="lt1"/>
+            </a:fontRef>
+          </p:style>
+          <p:txBody>
+            <a:bodyPr rtlCol="0" anchor="ctr"/>
+            <a:lstStyle/>
+            <a:p>
+              <a:pPr algn="ctr"/>
+              <a:r>
+                <a:rPr lang="en-AU" sz="1800" dirty="0">
+                  <a:solidFill>
+                    <a:schemeClr val="bg2"/>
+                  </a:solidFill>
+                </a:rPr>
+                <a:t>Final model outputs and performance analysis</a:t>
+              </a:r>
+            </a:p>
+          </p:txBody>
+        </p:sp>
+        <p:cxnSp>
+          <p:nvCxnSpPr>
+            <p:cNvPr id="12" name="Straight Arrow Connector 11">
+              <a:extLst>
+                <a:ext uri="{FF2B5EF4-FFF2-40B4-BE49-F238E27FC236}">
+                  <a16:creationId xmlns:a16="http://schemas.microsoft.com/office/drawing/2014/main" id="{D4DFDD97-F27F-014E-B453-8666ECBB72BE}"/>
+                </a:ext>
+              </a:extLst>
+            </p:cNvPr>
+            <p:cNvCxnSpPr>
+              <a:cxnSpLocks/>
+              <a:stCxn id="5" idx="2"/>
+              <a:endCxn id="7" idx="0"/>
+            </p:cNvCxnSpPr>
+            <p:nvPr/>
+          </p:nvCxnSpPr>
+          <p:spPr>
+            <a:xfrm>
+              <a:off x="8861672" y="2621941"/>
+              <a:ext cx="0" cy="370446"/>
+            </a:xfrm>
+            <a:prstGeom prst="straightConnector1">
+              <a:avLst/>
+            </a:prstGeom>
+            <a:ln w="25400">
+              <a:solidFill>
+                <a:schemeClr val="bg2"/>
+              </a:solidFill>
+              <a:tailEnd type="triangle"/>
+            </a:ln>
+          </p:spPr>
+          <p:style>
+            <a:lnRef idx="1">
+              <a:schemeClr val="accent1"/>
+            </a:lnRef>
+            <a:fillRef idx="0">
+              <a:schemeClr val="accent1"/>
+            </a:fillRef>
+            <a:effectRef idx="0">
+              <a:schemeClr val="accent1"/>
+            </a:effectRef>
+            <a:fontRef idx="minor">
+              <a:schemeClr val="tx1"/>
+            </a:fontRef>
+          </p:style>
+        </p:cxnSp>
+        <p:cxnSp>
+          <p:nvCxnSpPr>
+            <p:cNvPr id="14" name="Straight Arrow Connector 13">
+              <a:extLst>
+                <a:ext uri="{FF2B5EF4-FFF2-40B4-BE49-F238E27FC236}">
+                  <a16:creationId xmlns:a16="http://schemas.microsoft.com/office/drawing/2014/main" id="{A484AA67-07B3-6642-9D7F-697800CA4C9F}"/>
+                </a:ext>
+              </a:extLst>
+            </p:cNvPr>
+            <p:cNvCxnSpPr>
+              <a:cxnSpLocks/>
+              <a:stCxn id="7" idx="2"/>
+              <a:endCxn id="8" idx="0"/>
+            </p:cNvCxnSpPr>
+            <p:nvPr/>
+          </p:nvCxnSpPr>
+          <p:spPr>
+            <a:xfrm>
+              <a:off x="8861672" y="3429795"/>
+              <a:ext cx="0" cy="370446"/>
+            </a:xfrm>
+            <a:prstGeom prst="straightConnector1">
+              <a:avLst/>
+            </a:prstGeom>
+            <a:ln w="25400">
+              <a:solidFill>
+                <a:schemeClr val="bg2"/>
+              </a:solidFill>
+              <a:tailEnd type="triangle"/>
+            </a:ln>
+          </p:spPr>
+          <p:style>
+            <a:lnRef idx="1">
+              <a:schemeClr val="accent1"/>
+            </a:lnRef>
+            <a:fillRef idx="0">
+              <a:schemeClr val="accent1"/>
+            </a:fillRef>
+            <a:effectRef idx="0">
+              <a:schemeClr val="accent1"/>
+            </a:effectRef>
+            <a:fontRef idx="minor">
+              <a:schemeClr val="tx1"/>
+            </a:fontRef>
+          </p:style>
+        </p:cxnSp>
+        <p:cxnSp>
+          <p:nvCxnSpPr>
+            <p:cNvPr id="16" name="Straight Arrow Connector 15">
+              <a:extLst>
+                <a:ext uri="{FF2B5EF4-FFF2-40B4-BE49-F238E27FC236}">
+                  <a16:creationId xmlns:a16="http://schemas.microsoft.com/office/drawing/2014/main" id="{2CC0B4D5-F5DA-F542-A10A-D0EF0A982F41}"/>
+                </a:ext>
+              </a:extLst>
+            </p:cNvPr>
+            <p:cNvCxnSpPr>
+              <a:cxnSpLocks/>
+            </p:cNvCxnSpPr>
+            <p:nvPr/>
+          </p:nvCxnSpPr>
+          <p:spPr>
+            <a:xfrm>
+              <a:off x="6224850" y="4235273"/>
+              <a:ext cx="0" cy="372821"/>
+            </a:xfrm>
+            <a:prstGeom prst="straightConnector1">
+              <a:avLst/>
+            </a:prstGeom>
+            <a:ln w="25400">
+              <a:solidFill>
+                <a:schemeClr val="bg2"/>
+              </a:solidFill>
+              <a:tailEnd type="triangle"/>
+            </a:ln>
+          </p:spPr>
+          <p:style>
+            <a:lnRef idx="1">
+              <a:schemeClr val="accent1"/>
+            </a:lnRef>
+            <a:fillRef idx="0">
+              <a:schemeClr val="accent1"/>
+            </a:fillRef>
+            <a:effectRef idx="0">
+              <a:schemeClr val="accent1"/>
+            </a:effectRef>
+            <a:fontRef idx="minor">
+              <a:schemeClr val="tx1"/>
+            </a:fontRef>
+          </p:style>
+        </p:cxnSp>
+        <p:cxnSp>
+          <p:nvCxnSpPr>
+            <p:cNvPr id="18" name="Curved Connector 17">
+              <a:extLst>
+                <a:ext uri="{FF2B5EF4-FFF2-40B4-BE49-F238E27FC236}">
+                  <a16:creationId xmlns:a16="http://schemas.microsoft.com/office/drawing/2014/main" id="{F2869C33-ABFD-8541-8E97-3DEAE371F6CD}"/>
+                </a:ext>
+              </a:extLst>
+            </p:cNvPr>
+            <p:cNvCxnSpPr>
+              <a:cxnSpLocks/>
+              <a:stCxn id="9" idx="2"/>
+              <a:endCxn id="10" idx="2"/>
+            </p:cNvCxnSpPr>
+            <p:nvPr/>
+          </p:nvCxnSpPr>
+          <p:spPr>
+            <a:xfrm rot="16200000" flipH="1">
+              <a:off x="8861672" y="3594652"/>
+              <a:ext cx="12700" cy="2896950"/>
+            </a:xfrm>
+            <a:prstGeom prst="curvedConnector3">
+              <a:avLst>
+                <a:gd name="adj1" fmla="val 1800000"/>
+              </a:avLst>
+            </a:prstGeom>
+            <a:ln w="25400">
+              <a:solidFill>
+                <a:schemeClr val="bg2"/>
+              </a:solidFill>
+              <a:tailEnd type="triangle"/>
+            </a:ln>
+          </p:spPr>
+          <p:style>
+            <a:lnRef idx="1">
+              <a:schemeClr val="accent1"/>
+            </a:lnRef>
+            <a:fillRef idx="0">
+              <a:schemeClr val="accent1"/>
+            </a:fillRef>
+            <a:effectRef idx="0">
+              <a:schemeClr val="accent1"/>
+            </a:effectRef>
+            <a:fontRef idx="minor">
+              <a:schemeClr val="tx1"/>
+            </a:fontRef>
+          </p:style>
+        </p:cxnSp>
+        <p:cxnSp>
+          <p:nvCxnSpPr>
+            <p:cNvPr id="20" name="Curved Connector 19">
+              <a:extLst>
+                <a:ext uri="{FF2B5EF4-FFF2-40B4-BE49-F238E27FC236}">
+                  <a16:creationId xmlns:a16="http://schemas.microsoft.com/office/drawing/2014/main" id="{E8038A1A-FBEA-1042-BDBE-65E689760613}"/>
+                </a:ext>
+              </a:extLst>
+            </p:cNvPr>
+            <p:cNvCxnSpPr>
+              <a:cxnSpLocks/>
+              <a:stCxn id="10" idx="0"/>
+              <a:endCxn id="9" idx="0"/>
+            </p:cNvCxnSpPr>
+            <p:nvPr/>
+          </p:nvCxnSpPr>
+          <p:spPr>
+            <a:xfrm rot="16200000" flipV="1">
+              <a:off x="8860485" y="3160808"/>
+              <a:ext cx="2375" cy="2896950"/>
+            </a:xfrm>
+            <a:prstGeom prst="curvedConnector3">
+              <a:avLst>
+                <a:gd name="adj1" fmla="val 9725263"/>
+              </a:avLst>
+            </a:prstGeom>
+            <a:ln w="25400">
+              <a:solidFill>
+                <a:schemeClr val="bg2"/>
+              </a:solidFill>
+              <a:tailEnd type="triangle"/>
+            </a:ln>
+          </p:spPr>
+          <p:style>
+            <a:lnRef idx="1">
+              <a:schemeClr val="accent1"/>
+            </a:lnRef>
+            <a:fillRef idx="0">
+              <a:schemeClr val="accent1"/>
+            </a:fillRef>
+            <a:effectRef idx="0">
+              <a:schemeClr val="accent1"/>
+            </a:effectRef>
+            <a:fontRef idx="minor">
+              <a:schemeClr val="tx1"/>
+            </a:fontRef>
+          </p:style>
+        </p:cxnSp>
+        <p:cxnSp>
+          <p:nvCxnSpPr>
+            <p:cNvPr id="23" name="Straight Arrow Connector 22">
+              <a:extLst>
+                <a:ext uri="{FF2B5EF4-FFF2-40B4-BE49-F238E27FC236}">
+                  <a16:creationId xmlns:a16="http://schemas.microsoft.com/office/drawing/2014/main" id="{D91A0A48-E99C-8241-A67F-4DD233452C2A}"/>
+                </a:ext>
+              </a:extLst>
+            </p:cNvPr>
+            <p:cNvCxnSpPr>
+              <a:cxnSpLocks/>
+            </p:cNvCxnSpPr>
+            <p:nvPr/>
+          </p:nvCxnSpPr>
+          <p:spPr>
+            <a:xfrm>
+              <a:off x="11523662" y="5049477"/>
+              <a:ext cx="0" cy="366471"/>
+            </a:xfrm>
+            <a:prstGeom prst="straightConnector1">
+              <a:avLst/>
+            </a:prstGeom>
+            <a:ln w="25400">
+              <a:solidFill>
+                <a:schemeClr val="bg2"/>
+              </a:solidFill>
+              <a:tailEnd type="triangle"/>
+            </a:ln>
+          </p:spPr>
+          <p:style>
+            <a:lnRef idx="1">
+              <a:schemeClr val="accent1"/>
+            </a:lnRef>
+            <a:fillRef idx="0">
+              <a:schemeClr val="accent1"/>
+            </a:fillRef>
+            <a:effectRef idx="0">
+              <a:schemeClr val="accent1"/>
+            </a:effectRef>
+            <a:fontRef idx="minor">
+              <a:schemeClr val="tx1"/>
+            </a:fontRef>
+          </p:style>
+        </p:cxnSp>
+      </p:grpSp>
+      <p:pic>
+        <p:nvPicPr>
+          <p:cNvPr id="19" name="Picture 18">
             <a:extLst>
               <a:ext uri="{FF2B5EF4-FFF2-40B4-BE49-F238E27FC236}">
-                <a16:creationId xmlns:a16="http://schemas.microsoft.com/office/drawing/2014/main" id="{DF615AC2-05CE-489E-BA41-596539B000FC}"/>
+                <a16:creationId xmlns:a16="http://schemas.microsoft.com/office/drawing/2014/main" id="{5B97C6F4-252D-224F-BDEB-870FEF698A8C}"/>
               </a:ext>
             </a:extLst>
           </p:cNvPr>
-          <p:cNvSpPr/>
+          <p:cNvPicPr>
+            <a:picLocks noChangeAspect="1"/>
+          </p:cNvPicPr>
           <p:nvPr/>
-        </p:nvSpPr>
-        <p:spPr>
-          <a:xfrm>
-            <a:off x="6199682" y="2184532"/>
-            <a:ext cx="5323980" cy="437409"/>
-          </a:xfrm>
-          <a:prstGeom prst="rect">
-            <a:avLst/>
-          </a:prstGeom>
-          <a:solidFill>
-            <a:schemeClr val="bg1"/>
-          </a:solidFill>
-          <a:ln w="38100">
-            <a:solidFill>
-              <a:schemeClr val="accent1"/>
-            </a:solidFill>
-          </a:ln>
-        </p:spPr>
-        <p:style>
-          <a:lnRef idx="2">
-            <a:schemeClr val="accent1">
-              <a:shade val="50000"/>
-            </a:schemeClr>
-          </a:lnRef>
-          <a:fillRef idx="1">
-            <a:schemeClr val="accent1"/>
-          </a:fillRef>
-          <a:effectRef idx="0">
-            <a:schemeClr val="accent1"/>
-          </a:effectRef>
-          <a:fontRef idx="minor">
-            <a:schemeClr val="lt1"/>
-          </a:fontRef>
-        </p:style>
-        <p:txBody>
-          <a:bodyPr rtlCol="0" anchor="ctr"/>
-          <a:lstStyle/>
-          <a:p>
-            <a:pPr algn="ctr"/>
-            <a:r>
-              <a:rPr lang="en-AU" sz="1800" dirty="0">
-                <a:solidFill>
-                  <a:schemeClr val="bg2"/>
-                </a:solidFill>
-              </a:rPr>
-              <a:t>Data extraction from API</a:t>
-            </a:r>
-          </a:p>
-        </p:txBody>
-      </p:sp>
-      <p:sp>
-        <p:nvSpPr>
-          <p:cNvPr id="6" name="Content Placeholder 5">
+        </p:nvPicPr>
+        <p:blipFill>
+          <a:blip r:embed="rId2">
             <a:extLst>
-              <a:ext uri="{FF2B5EF4-FFF2-40B4-BE49-F238E27FC236}">
-                <a16:creationId xmlns:a16="http://schemas.microsoft.com/office/drawing/2014/main" id="{8C61B274-F30C-A44A-90EC-761E050262D4}"/>
+              <a:ext uri="{28A0092B-C50C-407E-A947-70E740481C1C}">
+                <a14:useLocalDpi xmlns:a14="http://schemas.microsoft.com/office/drawing/2010/main" val="0"/>
               </a:ext>
             </a:extLst>
-          </p:cNvPr>
-          <p:cNvSpPr txBox="1">
-            <a:spLocks/>
-          </p:cNvSpPr>
-          <p:nvPr/>
-        </p:nvSpPr>
-        <p:spPr>
-          <a:xfrm>
-            <a:off x="6199681" y="1774062"/>
-            <a:ext cx="5323981" cy="291312"/>
-          </a:xfrm>
-          <a:prstGeom prst="rect">
-            <a:avLst/>
-          </a:prstGeom>
-        </p:spPr>
-        <p:txBody>
-          <a:bodyPr/>
-          <a:lstStyle>
-            <a:lvl1pPr marL="0" indent="0" algn="l" defTabSz="1039033" rtl="0" eaLnBrk="1" latinLnBrk="0" hangingPunct="1">
-              <a:spcBef>
-                <a:spcPts val="455"/>
-              </a:spcBef>
-              <a:buFont typeface="Arial" pitchFamily="34" charset="0"/>
-              <a:buNone/>
-              <a:defRPr sz="2000" kern="1200" spc="0">
-                <a:solidFill>
-                  <a:schemeClr val="bg2"/>
-                </a:solidFill>
-                <a:latin typeface="Segoe UI" panose="020B0502040204020203" pitchFamily="34" charset="0"/>
-                <a:ea typeface="Segoe UI" panose="020B0502040204020203" pitchFamily="34" charset="0"/>
-                <a:cs typeface="Segoe UI" panose="020B0502040204020203" pitchFamily="34" charset="0"/>
-              </a:defRPr>
-            </a:lvl1pPr>
-            <a:lvl2pPr marL="0" indent="-360000" algn="l" defTabSz="1039033" rtl="0" eaLnBrk="1" latinLnBrk="0" hangingPunct="1">
-              <a:spcBef>
-                <a:spcPts val="455"/>
-              </a:spcBef>
-              <a:buClr>
-                <a:schemeClr val="bg2"/>
-              </a:buClr>
-              <a:buFont typeface="Arial" pitchFamily="34" charset="0"/>
-              <a:buChar char="•"/>
-              <a:defRPr sz="2000" kern="1200" spc="0">
-                <a:solidFill>
-                  <a:schemeClr val="bg2"/>
-                </a:solidFill>
-                <a:latin typeface="Segoe UI" panose="020B0502040204020203" pitchFamily="34" charset="0"/>
-                <a:ea typeface="Segoe UI" panose="020B0502040204020203" pitchFamily="34" charset="0"/>
-                <a:cs typeface="Segoe UI" panose="020B0502040204020203" pitchFamily="34" charset="0"/>
-              </a:defRPr>
-            </a:lvl2pPr>
-            <a:lvl3pPr marL="720000" indent="-360000" algn="l" defTabSz="1039033" rtl="0" eaLnBrk="1" latinLnBrk="0" hangingPunct="1">
-              <a:spcBef>
-                <a:spcPts val="455"/>
-              </a:spcBef>
-              <a:buClr>
-                <a:schemeClr val="bg2"/>
-              </a:buClr>
-              <a:buFont typeface="Segoe UI" panose="020B0502040204020203" pitchFamily="34" charset="0"/>
-              <a:buChar char="–"/>
-              <a:defRPr sz="2000" kern="1200" spc="0">
-                <a:solidFill>
-                  <a:schemeClr val="bg2"/>
-                </a:solidFill>
-                <a:latin typeface="Segoe UI" panose="020B0502040204020203" pitchFamily="34" charset="0"/>
-                <a:ea typeface="Segoe UI" panose="020B0502040204020203" pitchFamily="34" charset="0"/>
-                <a:cs typeface="Segoe UI" panose="020B0502040204020203" pitchFamily="34" charset="0"/>
-              </a:defRPr>
-            </a:lvl3pPr>
-            <a:lvl4pPr marL="1080000" indent="-360000" algn="l" defTabSz="1039033" rtl="0" eaLnBrk="1" latinLnBrk="0" hangingPunct="1">
-              <a:spcBef>
-                <a:spcPts val="455"/>
-              </a:spcBef>
-              <a:buClr>
-                <a:schemeClr val="bg2"/>
-              </a:buClr>
-              <a:buFont typeface="Arial" pitchFamily="34" charset="0"/>
-              <a:buChar char="•"/>
-              <a:defRPr sz="2000" kern="1200" spc="0">
-                <a:solidFill>
-                  <a:schemeClr val="bg2"/>
-                </a:solidFill>
-                <a:latin typeface="Segoe UI" panose="020B0502040204020203" pitchFamily="34" charset="0"/>
-                <a:ea typeface="Segoe UI" panose="020B0502040204020203" pitchFamily="34" charset="0"/>
-                <a:cs typeface="Segoe UI" panose="020B0502040204020203" pitchFamily="34" charset="0"/>
-              </a:defRPr>
-            </a:lvl4pPr>
-            <a:lvl5pPr marL="1440000" indent="-360000" algn="l" defTabSz="1039033" rtl="0" eaLnBrk="1" latinLnBrk="0" hangingPunct="1">
-              <a:spcBef>
-                <a:spcPts val="455"/>
-              </a:spcBef>
-              <a:buClr>
-                <a:schemeClr val="bg2"/>
-              </a:buClr>
-              <a:buFont typeface="Segoe UI" panose="020B0502040204020203" pitchFamily="34" charset="0"/>
-              <a:buChar char="–"/>
-              <a:defRPr sz="2000" kern="1200" spc="0">
-                <a:solidFill>
-                  <a:schemeClr val="bg2"/>
-                </a:solidFill>
-                <a:latin typeface="Segoe UI" panose="020B0502040204020203" pitchFamily="34" charset="0"/>
-                <a:ea typeface="Segoe UI" panose="020B0502040204020203" pitchFamily="34" charset="0"/>
-                <a:cs typeface="Segoe UI" panose="020B0502040204020203" pitchFamily="34" charset="0"/>
-              </a:defRPr>
-            </a:lvl5pPr>
-            <a:lvl6pPr marL="720000" indent="-360000" algn="l" defTabSz="1039033" rtl="0" eaLnBrk="1" latinLnBrk="0" hangingPunct="1">
-              <a:spcBef>
-                <a:spcPts val="455"/>
-              </a:spcBef>
-              <a:buClr>
-                <a:schemeClr val="bg2"/>
-              </a:buClr>
-              <a:buFont typeface="+mj-lt"/>
-              <a:buAutoNum type="arabicPeriod"/>
-              <a:defRPr sz="2000" kern="1200" spc="0" baseline="0">
-                <a:solidFill>
-                  <a:schemeClr val="bg2"/>
-                </a:solidFill>
-                <a:latin typeface="Segoe UI" panose="020B0502040204020203" pitchFamily="34" charset="0"/>
-                <a:ea typeface="Segoe UI" panose="020B0502040204020203" pitchFamily="34" charset="0"/>
-                <a:cs typeface="Segoe UI" panose="020B0502040204020203" pitchFamily="34" charset="0"/>
-              </a:defRPr>
-            </a:lvl6pPr>
-            <a:lvl7pPr marL="1080000" indent="-360000" algn="l" defTabSz="1039033" rtl="0" eaLnBrk="1" latinLnBrk="0" hangingPunct="1">
-              <a:spcBef>
-                <a:spcPts val="455"/>
-              </a:spcBef>
-              <a:buClr>
-                <a:schemeClr val="bg2"/>
-              </a:buClr>
-              <a:buFont typeface="+mj-lt"/>
-              <a:buAutoNum type="alphaLcPeriod"/>
-              <a:defRPr sz="2000" kern="1200" spc="0">
-                <a:solidFill>
-                  <a:schemeClr val="bg2"/>
-                </a:solidFill>
-                <a:latin typeface="Segoe UI" panose="020B0502040204020203" pitchFamily="34" charset="0"/>
-                <a:ea typeface="Segoe UI" panose="020B0502040204020203" pitchFamily="34" charset="0"/>
-                <a:cs typeface="Segoe UI" panose="020B0502040204020203" pitchFamily="34" charset="0"/>
-              </a:defRPr>
-            </a:lvl7pPr>
-            <a:lvl8pPr marL="1440000" indent="-360000" algn="l" defTabSz="1039033" rtl="0" eaLnBrk="1" latinLnBrk="0" hangingPunct="1">
-              <a:spcBef>
-                <a:spcPts val="455"/>
-              </a:spcBef>
-              <a:buClr>
-                <a:schemeClr val="bg2"/>
-              </a:buClr>
-              <a:buFont typeface="+mj-lt"/>
-              <a:buAutoNum type="romanLcPeriod"/>
-              <a:defRPr sz="2000" kern="1200" spc="0" baseline="0">
-                <a:solidFill>
-                  <a:schemeClr val="bg2"/>
-                </a:solidFill>
-                <a:latin typeface="Segoe UI" panose="020B0502040204020203" pitchFamily="34" charset="0"/>
-                <a:ea typeface="Segoe UI" panose="020B0502040204020203" pitchFamily="34" charset="0"/>
-                <a:cs typeface="Segoe UI" panose="020B0502040204020203" pitchFamily="34" charset="0"/>
-              </a:defRPr>
-            </a:lvl8pPr>
-            <a:lvl9pPr marL="4415889" indent="-259758" algn="l" defTabSz="1039033" rtl="0" eaLnBrk="1" latinLnBrk="0" hangingPunct="1">
-              <a:spcBef>
-                <a:spcPct val="20000"/>
-              </a:spcBef>
-              <a:buFont typeface="Arial" pitchFamily="34" charset="0"/>
-              <a:buChar char="•"/>
-              <a:defRPr sz="2300" kern="1200">
-                <a:solidFill>
-                  <a:schemeClr val="tx1"/>
-                </a:solidFill>
-                <a:latin typeface="+mn-lt"/>
-                <a:ea typeface="+mn-ea"/>
-                <a:cs typeface="+mn-cs"/>
-              </a:defRPr>
-            </a:lvl9pPr>
-          </a:lstStyle>
-          <a:p>
-            <a:r>
-              <a:rPr lang="en-AU" dirty="0">
-                <a:latin typeface="Segoe UI Semibold" panose="020B0702040204020203" pitchFamily="34" charset="0"/>
-                <a:cs typeface="Segoe UI Semibold" panose="020B0702040204020203" pitchFamily="34" charset="0"/>
-              </a:rPr>
-              <a:t>Overall analytical workflow</a:t>
-            </a:r>
-          </a:p>
-        </p:txBody>
-      </p:sp>
-      <p:sp>
-        <p:nvSpPr>
-          <p:cNvPr id="7" name="Rectangle 6">
-            <a:extLst>
-              <a:ext uri="{FF2B5EF4-FFF2-40B4-BE49-F238E27FC236}">
-                <a16:creationId xmlns:a16="http://schemas.microsoft.com/office/drawing/2014/main" id="{D523E57A-6DBF-5B49-BEB2-EF468A06DFE1}"/>
-              </a:ext>
-            </a:extLst>
-          </p:cNvPr>
-          <p:cNvSpPr/>
-          <p:nvPr/>
-        </p:nvSpPr>
-        <p:spPr>
-          <a:xfrm>
-            <a:off x="6199682" y="2992387"/>
-            <a:ext cx="5323980" cy="437408"/>
-          </a:xfrm>
-          <a:prstGeom prst="rect">
-            <a:avLst/>
-          </a:prstGeom>
-          <a:solidFill>
-            <a:schemeClr val="bg1"/>
-          </a:solidFill>
-          <a:ln w="38100">
-            <a:solidFill>
-              <a:schemeClr val="accent2"/>
-            </a:solidFill>
-          </a:ln>
-        </p:spPr>
-        <p:style>
-          <a:lnRef idx="2">
-            <a:schemeClr val="accent1">
-              <a:shade val="50000"/>
-            </a:schemeClr>
-          </a:lnRef>
-          <a:fillRef idx="1">
-            <a:schemeClr val="accent1"/>
-          </a:fillRef>
-          <a:effectRef idx="0">
-            <a:schemeClr val="accent1"/>
-          </a:effectRef>
-          <a:fontRef idx="minor">
-            <a:schemeClr val="lt1"/>
-          </a:fontRef>
-        </p:style>
-        <p:txBody>
-          <a:bodyPr rtlCol="0" anchor="ctr"/>
-          <a:lstStyle/>
-          <a:p>
-            <a:pPr algn="ctr"/>
-            <a:r>
-              <a:rPr lang="en-AU" sz="1800" dirty="0">
-                <a:solidFill>
-                  <a:schemeClr val="bg2"/>
-                </a:solidFill>
-              </a:rPr>
-              <a:t>Data cleaning and aggregation</a:t>
-            </a:r>
-          </a:p>
-        </p:txBody>
-      </p:sp>
-      <p:sp>
-        <p:nvSpPr>
-          <p:cNvPr id="8" name="Rectangle 7">
-            <a:extLst>
-              <a:ext uri="{FF2B5EF4-FFF2-40B4-BE49-F238E27FC236}">
-                <a16:creationId xmlns:a16="http://schemas.microsoft.com/office/drawing/2014/main" id="{4CEB6935-57EF-FB44-9D21-B147E0DCECBF}"/>
-              </a:ext>
-            </a:extLst>
-          </p:cNvPr>
-          <p:cNvSpPr/>
-          <p:nvPr/>
-        </p:nvSpPr>
-        <p:spPr>
-          <a:xfrm>
-            <a:off x="6199682" y="3800241"/>
-            <a:ext cx="5323980" cy="435032"/>
-          </a:xfrm>
-          <a:prstGeom prst="rect">
-            <a:avLst/>
-          </a:prstGeom>
-          <a:solidFill>
-            <a:schemeClr val="bg1"/>
-          </a:solidFill>
-          <a:ln w="38100">
-            <a:solidFill>
-              <a:schemeClr val="accent3"/>
-            </a:solidFill>
-          </a:ln>
-        </p:spPr>
-        <p:style>
-          <a:lnRef idx="2">
-            <a:schemeClr val="accent1">
-              <a:shade val="50000"/>
-            </a:schemeClr>
-          </a:lnRef>
-          <a:fillRef idx="1">
-            <a:schemeClr val="accent1"/>
-          </a:fillRef>
-          <a:effectRef idx="0">
-            <a:schemeClr val="accent1"/>
-          </a:effectRef>
-          <a:fontRef idx="minor">
-            <a:schemeClr val="lt1"/>
-          </a:fontRef>
-        </p:style>
-        <p:txBody>
-          <a:bodyPr rtlCol="0" anchor="ctr"/>
-          <a:lstStyle/>
-          <a:p>
-            <a:pPr algn="ctr"/>
-            <a:r>
-              <a:rPr lang="en-AU" sz="1800" dirty="0">
-                <a:solidFill>
-                  <a:schemeClr val="bg2"/>
-                </a:solidFill>
-              </a:rPr>
-              <a:t>Exploratory data analysis and visualisation</a:t>
-            </a:r>
-          </a:p>
-        </p:txBody>
-      </p:sp>
-      <p:sp>
-        <p:nvSpPr>
-          <p:cNvPr id="9" name="Rectangle 8">
-            <a:extLst>
-              <a:ext uri="{FF2B5EF4-FFF2-40B4-BE49-F238E27FC236}">
-                <a16:creationId xmlns:a16="http://schemas.microsoft.com/office/drawing/2014/main" id="{164F7BDC-911D-FE4E-AF5F-B5F0E1CD831B}"/>
-              </a:ext>
-            </a:extLst>
-          </p:cNvPr>
-          <p:cNvSpPr/>
-          <p:nvPr/>
-        </p:nvSpPr>
-        <p:spPr>
-          <a:xfrm>
-            <a:off x="6199681" y="4608095"/>
-            <a:ext cx="2427032" cy="435032"/>
-          </a:xfrm>
-          <a:prstGeom prst="rect">
-            <a:avLst/>
-          </a:prstGeom>
-          <a:solidFill>
-            <a:schemeClr val="bg1"/>
-          </a:solidFill>
-          <a:ln w="38100">
-            <a:solidFill>
-              <a:schemeClr val="accent4"/>
-            </a:solidFill>
-          </a:ln>
-        </p:spPr>
-        <p:style>
-          <a:lnRef idx="2">
-            <a:schemeClr val="accent1">
-              <a:shade val="50000"/>
-            </a:schemeClr>
-          </a:lnRef>
-          <a:fillRef idx="1">
-            <a:schemeClr val="accent1"/>
-          </a:fillRef>
-          <a:effectRef idx="0">
-            <a:schemeClr val="accent1"/>
-          </a:effectRef>
-          <a:fontRef idx="minor">
-            <a:schemeClr val="lt1"/>
-          </a:fontRef>
-        </p:style>
-        <p:txBody>
-          <a:bodyPr rtlCol="0" anchor="ctr"/>
-          <a:lstStyle/>
-          <a:p>
-            <a:pPr algn="ctr"/>
-            <a:r>
-              <a:rPr lang="en-AU" sz="1800" dirty="0">
-                <a:solidFill>
-                  <a:schemeClr val="bg2"/>
-                </a:solidFill>
-              </a:rPr>
-              <a:t>Linear model fitting</a:t>
-            </a:r>
-          </a:p>
-        </p:txBody>
-      </p:sp>
-      <p:sp>
-        <p:nvSpPr>
-          <p:cNvPr id="10" name="Rectangle 9">
-            <a:extLst>
-              <a:ext uri="{FF2B5EF4-FFF2-40B4-BE49-F238E27FC236}">
-                <a16:creationId xmlns:a16="http://schemas.microsoft.com/office/drawing/2014/main" id="{AA0E7FCB-E6C1-044E-A589-80C95413E588}"/>
-              </a:ext>
-            </a:extLst>
-          </p:cNvPr>
-          <p:cNvSpPr/>
-          <p:nvPr/>
-        </p:nvSpPr>
-        <p:spPr>
-          <a:xfrm>
-            <a:off x="9096631" y="4610470"/>
-            <a:ext cx="2427032" cy="432657"/>
-          </a:xfrm>
-          <a:prstGeom prst="rect">
-            <a:avLst/>
-          </a:prstGeom>
-          <a:solidFill>
-            <a:schemeClr val="bg1"/>
-          </a:solidFill>
-          <a:ln w="38100">
-            <a:solidFill>
-              <a:schemeClr val="accent4"/>
-            </a:solidFill>
-          </a:ln>
-        </p:spPr>
-        <p:style>
-          <a:lnRef idx="2">
-            <a:schemeClr val="accent1">
-              <a:shade val="50000"/>
-            </a:schemeClr>
-          </a:lnRef>
-          <a:fillRef idx="1">
-            <a:schemeClr val="accent1"/>
-          </a:fillRef>
-          <a:effectRef idx="0">
-            <a:schemeClr val="accent1"/>
-          </a:effectRef>
-          <a:fontRef idx="minor">
-            <a:schemeClr val="lt1"/>
-          </a:fontRef>
-        </p:style>
-        <p:txBody>
-          <a:bodyPr rtlCol="0" anchor="ctr"/>
-          <a:lstStyle/>
-          <a:p>
-            <a:pPr algn="ctr"/>
-            <a:r>
-              <a:rPr lang="en-AU" sz="1800" dirty="0">
-                <a:solidFill>
-                  <a:schemeClr val="bg2"/>
-                </a:solidFill>
-              </a:rPr>
-              <a:t>Assumption checking</a:t>
-            </a:r>
-          </a:p>
-        </p:txBody>
-      </p:sp>
-      <p:sp>
-        <p:nvSpPr>
-          <p:cNvPr id="11" name="Rectangle 10">
-            <a:extLst>
-              <a:ext uri="{FF2B5EF4-FFF2-40B4-BE49-F238E27FC236}">
-                <a16:creationId xmlns:a16="http://schemas.microsoft.com/office/drawing/2014/main" id="{7D542D0D-EF30-4847-8178-8E04C773B099}"/>
-              </a:ext>
-            </a:extLst>
-          </p:cNvPr>
-          <p:cNvSpPr/>
-          <p:nvPr/>
-        </p:nvSpPr>
-        <p:spPr>
-          <a:xfrm>
-            <a:off x="6199682" y="5415949"/>
-            <a:ext cx="5323980" cy="432658"/>
-          </a:xfrm>
-          <a:prstGeom prst="rect">
-            <a:avLst/>
-          </a:prstGeom>
-          <a:solidFill>
-            <a:schemeClr val="bg1"/>
-          </a:solidFill>
-          <a:ln w="38100">
-            <a:solidFill>
-              <a:schemeClr val="accent6"/>
-            </a:solidFill>
-          </a:ln>
-        </p:spPr>
-        <p:style>
-          <a:lnRef idx="2">
-            <a:schemeClr val="accent1">
-              <a:shade val="50000"/>
-            </a:schemeClr>
-          </a:lnRef>
-          <a:fillRef idx="1">
-            <a:schemeClr val="accent1"/>
-          </a:fillRef>
-          <a:effectRef idx="0">
-            <a:schemeClr val="accent1"/>
-          </a:effectRef>
-          <a:fontRef idx="minor">
-            <a:schemeClr val="lt1"/>
-          </a:fontRef>
-        </p:style>
-        <p:txBody>
-          <a:bodyPr rtlCol="0" anchor="ctr"/>
-          <a:lstStyle/>
-          <a:p>
-            <a:pPr algn="ctr"/>
-            <a:r>
-              <a:rPr lang="en-AU" sz="1800" dirty="0">
-                <a:solidFill>
-                  <a:schemeClr val="bg2"/>
-                </a:solidFill>
-              </a:rPr>
-              <a:t>Final model outputs and performance analysis</a:t>
-            </a:r>
-          </a:p>
-        </p:txBody>
-      </p:sp>
-      <p:cxnSp>
-        <p:nvCxnSpPr>
-          <p:cNvPr id="12" name="Straight Arrow Connector 11">
-            <a:extLst>
-              <a:ext uri="{FF2B5EF4-FFF2-40B4-BE49-F238E27FC236}">
-                <a16:creationId xmlns:a16="http://schemas.microsoft.com/office/drawing/2014/main" id="{D4DFDD97-F27F-014E-B453-8666ECBB72BE}"/>
-              </a:ext>
-            </a:extLst>
-          </p:cNvPr>
-          <p:cNvCxnSpPr>
-            <a:cxnSpLocks/>
-            <a:stCxn id="5" idx="2"/>
-            <a:endCxn id="7" idx="0"/>
-          </p:cNvCxnSpPr>
-          <p:nvPr/>
-        </p:nvCxnSpPr>
-        <p:spPr>
-          <a:xfrm>
-            <a:off x="8861672" y="2621941"/>
-            <a:ext cx="0" cy="370446"/>
-          </a:xfrm>
-          <a:prstGeom prst="straightConnector1">
-            <a:avLst/>
-          </a:prstGeom>
-          <a:ln w="25400">
-            <a:solidFill>
-              <a:schemeClr val="bg2"/>
-            </a:solidFill>
-            <a:tailEnd type="triangle"/>
-          </a:ln>
-        </p:spPr>
-        <p:style>
-          <a:lnRef idx="1">
-            <a:schemeClr val="accent1"/>
-          </a:lnRef>
-          <a:fillRef idx="0">
-            <a:schemeClr val="accent1"/>
-          </a:fillRef>
-          <a:effectRef idx="0">
-            <a:schemeClr val="accent1"/>
-          </a:effectRef>
-          <a:fontRef idx="minor">
-            <a:schemeClr val="tx1"/>
-          </a:fontRef>
-        </p:style>
-      </p:cxnSp>
-      <p:cxnSp>
-        <p:nvCxnSpPr>
-          <p:cNvPr id="14" name="Straight Arrow Connector 13">
-            <a:extLst>
-              <a:ext uri="{FF2B5EF4-FFF2-40B4-BE49-F238E27FC236}">
-                <a16:creationId xmlns:a16="http://schemas.microsoft.com/office/drawing/2014/main" id="{A484AA67-07B3-6642-9D7F-697800CA4C9F}"/>
-              </a:ext>
-            </a:extLst>
-          </p:cNvPr>
-          <p:cNvCxnSpPr>
-            <a:cxnSpLocks/>
-            <a:stCxn id="7" idx="2"/>
-            <a:endCxn id="8" idx="0"/>
-          </p:cNvCxnSpPr>
-          <p:nvPr/>
-        </p:nvCxnSpPr>
-        <p:spPr>
-          <a:xfrm>
-            <a:off x="8861672" y="3429795"/>
-            <a:ext cx="0" cy="370446"/>
-          </a:xfrm>
-          <a:prstGeom prst="straightConnector1">
-            <a:avLst/>
-          </a:prstGeom>
-          <a:ln w="25400">
-            <a:solidFill>
-              <a:schemeClr val="bg2"/>
-            </a:solidFill>
-            <a:tailEnd type="triangle"/>
-          </a:ln>
-        </p:spPr>
-        <p:style>
-          <a:lnRef idx="1">
-            <a:schemeClr val="accent1"/>
-          </a:lnRef>
-          <a:fillRef idx="0">
-            <a:schemeClr val="accent1"/>
-          </a:fillRef>
-          <a:effectRef idx="0">
-            <a:schemeClr val="accent1"/>
-          </a:effectRef>
-          <a:fontRef idx="minor">
-            <a:schemeClr val="tx1"/>
-          </a:fontRef>
-        </p:style>
-      </p:cxnSp>
-      <p:cxnSp>
-        <p:nvCxnSpPr>
-          <p:cNvPr id="16" name="Straight Arrow Connector 15">
-            <a:extLst>
-              <a:ext uri="{FF2B5EF4-FFF2-40B4-BE49-F238E27FC236}">
-                <a16:creationId xmlns:a16="http://schemas.microsoft.com/office/drawing/2014/main" id="{2CC0B4D5-F5DA-F542-A10A-D0EF0A982F41}"/>
-              </a:ext>
-            </a:extLst>
-          </p:cNvPr>
-          <p:cNvCxnSpPr>
-            <a:cxnSpLocks/>
-          </p:cNvCxnSpPr>
-          <p:nvPr/>
-        </p:nvCxnSpPr>
-        <p:spPr>
-          <a:xfrm>
-            <a:off x="6224850" y="4235273"/>
-            <a:ext cx="0" cy="372821"/>
-          </a:xfrm>
-          <a:prstGeom prst="straightConnector1">
-            <a:avLst/>
-          </a:prstGeom>
-          <a:ln w="25400">
-            <a:solidFill>
-              <a:schemeClr val="bg2"/>
-            </a:solidFill>
-            <a:tailEnd type="triangle"/>
-          </a:ln>
-        </p:spPr>
-        <p:style>
-          <a:lnRef idx="1">
-            <a:schemeClr val="accent1"/>
-          </a:lnRef>
-          <a:fillRef idx="0">
-            <a:schemeClr val="accent1"/>
-          </a:fillRef>
-          <a:effectRef idx="0">
-            <a:schemeClr val="accent1"/>
-          </a:effectRef>
-          <a:fontRef idx="minor">
-            <a:schemeClr val="tx1"/>
-          </a:fontRef>
-        </p:style>
-      </p:cxnSp>
-      <p:cxnSp>
-        <p:nvCxnSpPr>
-          <p:cNvPr id="18" name="Curved Connector 17">
-            <a:extLst>
-              <a:ext uri="{FF2B5EF4-FFF2-40B4-BE49-F238E27FC236}">
-                <a16:creationId xmlns:a16="http://schemas.microsoft.com/office/drawing/2014/main" id="{F2869C33-ABFD-8541-8E97-3DEAE371F6CD}"/>
-              </a:ext>
-            </a:extLst>
-          </p:cNvPr>
-          <p:cNvCxnSpPr>
-            <a:cxnSpLocks/>
-            <a:stCxn id="9" idx="2"/>
-            <a:endCxn id="10" idx="2"/>
-          </p:cNvCxnSpPr>
-          <p:nvPr/>
-        </p:nvCxnSpPr>
-        <p:spPr>
-          <a:xfrm rot="16200000" flipH="1">
-            <a:off x="8861672" y="3594652"/>
-            <a:ext cx="12700" cy="2896950"/>
-          </a:xfrm>
-          <a:prstGeom prst="curvedConnector3">
-            <a:avLst>
-              <a:gd name="adj1" fmla="val 1800000"/>
-            </a:avLst>
-          </a:prstGeom>
-          <a:ln w="25400">
-            <a:solidFill>
-              <a:schemeClr val="bg2"/>
-            </a:solidFill>
-            <a:tailEnd type="triangle"/>
-          </a:ln>
-        </p:spPr>
-        <p:style>
-          <a:lnRef idx="1">
-            <a:schemeClr val="accent1"/>
-          </a:lnRef>
-          <a:fillRef idx="0">
-            <a:schemeClr val="accent1"/>
-          </a:fillRef>
-          <a:effectRef idx="0">
-            <a:schemeClr val="accent1"/>
-          </a:effectRef>
-          <a:fontRef idx="minor">
-            <a:schemeClr val="tx1"/>
-          </a:fontRef>
-        </p:style>
-      </p:cxnSp>
-      <p:cxnSp>
-        <p:nvCxnSpPr>
-          <p:cNvPr id="20" name="Curved Connector 19">
-            <a:extLst>
-              <a:ext uri="{FF2B5EF4-FFF2-40B4-BE49-F238E27FC236}">
-                <a16:creationId xmlns:a16="http://schemas.microsoft.com/office/drawing/2014/main" id="{E8038A1A-FBEA-1042-BDBE-65E689760613}"/>
-              </a:ext>
-            </a:extLst>
-          </p:cNvPr>
-          <p:cNvCxnSpPr>
-            <a:cxnSpLocks/>
-            <a:stCxn id="10" idx="0"/>
-            <a:endCxn id="9" idx="0"/>
-          </p:cNvCxnSpPr>
-          <p:nvPr/>
-        </p:nvCxnSpPr>
-        <p:spPr>
-          <a:xfrm rot="16200000" flipV="1">
-            <a:off x="8860485" y="3160808"/>
-            <a:ext cx="2375" cy="2896950"/>
-          </a:xfrm>
-          <a:prstGeom prst="curvedConnector3">
-            <a:avLst>
-              <a:gd name="adj1" fmla="val 9725263"/>
-            </a:avLst>
-          </a:prstGeom>
-          <a:ln w="25400">
-            <a:solidFill>
-              <a:schemeClr val="bg2"/>
-            </a:solidFill>
-            <a:tailEnd type="triangle"/>
-          </a:ln>
-        </p:spPr>
-        <p:style>
-          <a:lnRef idx="1">
-            <a:schemeClr val="accent1"/>
-          </a:lnRef>
-          <a:fillRef idx="0">
-            <a:schemeClr val="accent1"/>
-          </a:fillRef>
-          <a:effectRef idx="0">
-            <a:schemeClr val="accent1"/>
-          </a:effectRef>
-          <a:fontRef idx="minor">
-            <a:schemeClr val="tx1"/>
-          </a:fontRef>
-        </p:style>
-      </p:cxnSp>
-      <p:cxnSp>
-        <p:nvCxnSpPr>
-          <p:cNvPr id="23" name="Straight Arrow Connector 22">
-            <a:extLst>
-              <a:ext uri="{FF2B5EF4-FFF2-40B4-BE49-F238E27FC236}">
-                <a16:creationId xmlns:a16="http://schemas.microsoft.com/office/drawing/2014/main" id="{D91A0A48-E99C-8241-A67F-4DD233452C2A}"/>
-              </a:ext>
-            </a:extLst>
-          </p:cNvPr>
-          <p:cNvCxnSpPr>
-            <a:cxnSpLocks/>
-          </p:cNvCxnSpPr>
-          <p:nvPr/>
-        </p:nvCxnSpPr>
-        <p:spPr>
-          <a:xfrm>
-            <a:off x="11523662" y="5049477"/>
-            <a:ext cx="0" cy="366471"/>
-          </a:xfrm>
-          <a:prstGeom prst="straightConnector1">
-            <a:avLst/>
-          </a:prstGeom>
-          <a:ln w="25400">
-            <a:solidFill>
-              <a:schemeClr val="bg2"/>
-            </a:solidFill>
-            <a:tailEnd type="triangle"/>
-          </a:ln>
-        </p:spPr>
-        <p:style>
-          <a:lnRef idx="1">
-            <a:schemeClr val="accent1"/>
-          </a:lnRef>
-          <a:fillRef idx="0">
-            <a:schemeClr val="accent1"/>
-          </a:fillRef>
-          <a:effectRef idx="0">
-            <a:schemeClr val="accent1"/>
-          </a:effectRef>
-          <a:fontRef idx="minor">
-            <a:schemeClr val="tx1"/>
-          </a:fontRef>
-        </p:style>
-      </p:cxnSp>
+          </a:blip>
+          <a:srcRect/>
+          <a:stretch/>
+        </p:blipFill>
+        <p:spPr>
+          <a:xfrm>
+            <a:off x="6161848" y="1774839"/>
+            <a:ext cx="5361814" cy="4214147"/>
+          </a:xfrm>
+          <a:prstGeom prst="rect">
+            <a:avLst/>
+          </a:prstGeom>
+        </p:spPr>
+      </p:pic>
     </p:spTree>
     <p:extLst>
       <p:ext uri="{BB962C8B-B14F-4D97-AF65-F5344CB8AC3E}">
@@ -27041,7 +27067,12 @@
             <p:ph sz="quarter" idx="23"/>
           </p:nvPr>
         </p:nvSpPr>
-        <p:spPr/>
+        <p:spPr>
+          <a:xfrm>
+            <a:off x="666750" y="1774062"/>
+            <a:ext cx="5339767" cy="3858642"/>
+          </a:xfrm>
+        </p:spPr>
         <p:txBody>
           <a:bodyPr/>
           <a:lstStyle/>
@@ -27050,107 +27081,41 @@
           </a:p>
         </p:txBody>
       </p:sp>
-      <p:sp>
-        <p:nvSpPr>
-          <p:cNvPr id="5" name="Rectangle 4">
+      <p:pic>
+        <p:nvPicPr>
+          <p:cNvPr id="6" name="Picture 5">
             <a:extLst>
               <a:ext uri="{FF2B5EF4-FFF2-40B4-BE49-F238E27FC236}">
-                <a16:creationId xmlns:a16="http://schemas.microsoft.com/office/drawing/2014/main" id="{5977D527-26C8-444C-89A2-C04A94872C6E}"/>
+                <a16:creationId xmlns:a16="http://schemas.microsoft.com/office/drawing/2014/main" id="{9E6DFE5E-AAEC-B049-BBF2-382D689D36B7}"/>
               </a:ext>
             </a:extLst>
           </p:cNvPr>
-          <p:cNvSpPr/>
+          <p:cNvPicPr>
+            <a:picLocks noChangeAspect="1"/>
+          </p:cNvPicPr>
           <p:nvPr/>
-        </p:nvSpPr>
-        <p:spPr>
-          <a:xfrm>
-            <a:off x="7130265" y="2167847"/>
-            <a:ext cx="4393398" cy="3359650"/>
-          </a:xfrm>
-          <a:prstGeom prst="rect">
-            <a:avLst/>
-          </a:prstGeom>
-          <a:solidFill>
-            <a:schemeClr val="accent3"/>
-          </a:solidFill>
-          <a:ln w="38100">
-            <a:solidFill>
-              <a:schemeClr val="accent3"/>
-            </a:solidFill>
-          </a:ln>
-        </p:spPr>
-        <p:style>
-          <a:lnRef idx="2">
-            <a:schemeClr val="accent1">
-              <a:shade val="50000"/>
-            </a:schemeClr>
-          </a:lnRef>
-          <a:fillRef idx="1">
-            <a:schemeClr val="accent1"/>
-          </a:fillRef>
-          <a:effectRef idx="0">
-            <a:schemeClr val="accent1"/>
-          </a:effectRef>
-          <a:fontRef idx="minor">
-            <a:schemeClr val="lt1"/>
-          </a:fontRef>
-        </p:style>
-        <p:txBody>
-          <a:bodyPr rtlCol="0" anchor="ctr"/>
-          <a:lstStyle/>
-          <a:p>
-            <a:pPr algn="ctr"/>
-            <a:r>
-              <a:rPr lang="en-AU" sz="3200" dirty="0" err="1">
-                <a:solidFill>
-                  <a:schemeClr val="bg2"/>
-                </a:solidFill>
-              </a:rPr>
-              <a:t>sjPlot</a:t>
-            </a:r>
-            <a:r>
-              <a:rPr lang="en-AU" sz="3200" dirty="0">
-                <a:solidFill>
-                  <a:schemeClr val="bg2"/>
-                </a:solidFill>
-              </a:rPr>
-              <a:t> model summary </a:t>
-            </a:r>
-            <a:r>
-              <a:rPr lang="en-AU" sz="3200" dirty="0" err="1">
-                <a:solidFill>
-                  <a:schemeClr val="bg2"/>
-                </a:solidFill>
-              </a:rPr>
-              <a:t>plot_model</a:t>
-            </a:r>
-            <a:r>
-              <a:rPr lang="en-AU" sz="3200" dirty="0">
-                <a:solidFill>
-                  <a:schemeClr val="bg2"/>
-                </a:solidFill>
-              </a:rPr>
-              <a:t>() or </a:t>
-            </a:r>
-            <a:r>
-              <a:rPr lang="en-AU" sz="3200" dirty="0" err="1">
-                <a:solidFill>
-                  <a:schemeClr val="bg2"/>
-                </a:solidFill>
-              </a:rPr>
-              <a:t>tab_model</a:t>
-            </a:r>
-            <a:r>
-              <a:rPr lang="en-AU" sz="3200" dirty="0">
-                <a:solidFill>
-                  <a:schemeClr val="bg2"/>
-                </a:solidFill>
-              </a:rPr>
-              <a:t>() here</a:t>
-            </a:r>
-          </a:p>
-        </p:txBody>
-      </p:sp>
+        </p:nvPicPr>
+        <p:blipFill>
+          <a:blip r:embed="rId2">
+            <a:extLst>
+              <a:ext uri="{28A0092B-C50C-407E-A947-70E740481C1C}">
+                <a14:useLocalDpi xmlns:a14="http://schemas.microsoft.com/office/drawing/2010/main" val="0"/>
+              </a:ext>
+            </a:extLst>
+          </a:blip>
+          <a:srcRect/>
+          <a:stretch/>
+        </p:blipFill>
+        <p:spPr>
+          <a:xfrm>
+            <a:off x="6161847" y="1774062"/>
+            <a:ext cx="5361816" cy="4341512"/>
+          </a:xfrm>
+          <a:prstGeom prst="rect">
+            <a:avLst/>
+          </a:prstGeom>
+        </p:spPr>
+      </p:pic>
     </p:spTree>
     <p:extLst>
       <p:ext uri="{BB962C8B-B14F-4D97-AF65-F5344CB8AC3E}">
@@ -28253,18 +28218,18 @@
 </file>
 
 <file path=customXml/item1.xml><?xml version="1.0" encoding="utf-8"?>
+<p:properties xmlns:p="http://schemas.microsoft.com/office/2006/metadata/properties" xmlns:xsi="http://www.w3.org/2001/XMLSchema-instance" xmlns:pc="http://schemas.microsoft.com/office/infopath/2007/PartnerControls">
+  <documentManagement/>
+</p:properties>
+</file>
+
+<file path=customXml/item2.xml><?xml version="1.0" encoding="utf-8"?>
 <?mso-contentType ?>
 <FormTemplates xmlns="http://schemas.microsoft.com/sharepoint/v3/contenttype/forms">
   <Display>DocumentLibraryForm</Display>
   <Edit>DocumentLibraryForm</Edit>
   <New>DocumentLibraryForm</New>
 </FormTemplates>
-</file>
-
-<file path=customXml/item2.xml><?xml version="1.0" encoding="utf-8"?>
-<p:properties xmlns:p="http://schemas.microsoft.com/office/2006/metadata/properties" xmlns:xsi="http://www.w3.org/2001/XMLSchema-instance" xmlns:pc="http://schemas.microsoft.com/office/infopath/2007/PartnerControls">
-  <documentManagement/>
-</p:properties>
 </file>
 
 <file path=customXml/item3.xml><?xml version="1.0" encoding="utf-8"?>
@@ -28471,14 +28436,6 @@
 </file>
 
 <file path=customXml/itemProps1.xml><?xml version="1.0" encoding="utf-8"?>
-<ds:datastoreItem xmlns:ds="http://schemas.openxmlformats.org/officeDocument/2006/customXml" ds:itemID="{0173B242-1203-4859-8453-A7C017C494AB}">
-  <ds:schemaRefs>
-    <ds:schemaRef ds:uri="http://schemas.microsoft.com/sharepoint/v3/contenttype/forms"/>
-  </ds:schemaRefs>
-</ds:datastoreItem>
-</file>
-
-<file path=customXml/itemProps2.xml><?xml version="1.0" encoding="utf-8"?>
 <ds:datastoreItem xmlns:ds="http://schemas.openxmlformats.org/officeDocument/2006/customXml" ds:itemID="{FF1C9025-37E4-4B60-BB55-82E97C9CA6D5}">
   <ds:schemaRefs>
     <ds:schemaRef ds:uri="http://www.w3.org/XML/1998/namespace"/>
@@ -28491,6 +28448,14 @@
     <ds:schemaRef ds:uri="http://schemas.microsoft.com/office/2006/documentManagement/types"/>
     <ds:schemaRef ds:uri="6cd22d0c-df22-4c4f-a401-cad966b5c9be"/>
     <ds:schemaRef ds:uri="fc6ab167-db70-4379-8869-a8cc7a1fa5d6"/>
+  </ds:schemaRefs>
+</ds:datastoreItem>
+</file>
+
+<file path=customXml/itemProps2.xml><?xml version="1.0" encoding="utf-8"?>
+<ds:datastoreItem xmlns:ds="http://schemas.openxmlformats.org/officeDocument/2006/customXml" ds:itemID="{0173B242-1203-4859-8453-A7C017C494AB}">
+  <ds:schemaRefs>
+    <ds:schemaRef ds:uri="http://schemas.microsoft.com/sharepoint/v3/contenttype/forms"/>
   </ds:schemaRefs>
 </ds:datastoreItem>
 </file>
